--- a/doc/ProjectNext.pptx
+++ b/doc/ProjectNext.pptx
@@ -259,7 +259,7 @@
           <a:p>
             <a:fld id="{C12EFC74-BCF9-4D2F-93BF-D1053BDA4388}" type="datetimeFigureOut">
               <a:rPr lang="ko-KR" altLang="en-US" smtClean="0"/>
-              <a:t>2021-04-03</a:t>
+              <a:t>2021-04-05</a:t>
             </a:fld>
             <a:endParaRPr lang="ko-KR" altLang="en-US"/>
           </a:p>
@@ -429,7 +429,7 @@
           <a:p>
             <a:fld id="{C12EFC74-BCF9-4D2F-93BF-D1053BDA4388}" type="datetimeFigureOut">
               <a:rPr lang="ko-KR" altLang="en-US" smtClean="0"/>
-              <a:t>2021-04-03</a:t>
+              <a:t>2021-04-05</a:t>
             </a:fld>
             <a:endParaRPr lang="ko-KR" altLang="en-US"/>
           </a:p>
@@ -609,7 +609,7 @@
           <a:p>
             <a:fld id="{C12EFC74-BCF9-4D2F-93BF-D1053BDA4388}" type="datetimeFigureOut">
               <a:rPr lang="ko-KR" altLang="en-US" smtClean="0"/>
-              <a:t>2021-04-03</a:t>
+              <a:t>2021-04-05</a:t>
             </a:fld>
             <a:endParaRPr lang="ko-KR" altLang="en-US"/>
           </a:p>
@@ -779,7 +779,7 @@
           <a:p>
             <a:fld id="{C12EFC74-BCF9-4D2F-93BF-D1053BDA4388}" type="datetimeFigureOut">
               <a:rPr lang="ko-KR" altLang="en-US" smtClean="0"/>
-              <a:t>2021-04-03</a:t>
+              <a:t>2021-04-05</a:t>
             </a:fld>
             <a:endParaRPr lang="ko-KR" altLang="en-US"/>
           </a:p>
@@ -1025,7 +1025,7 @@
           <a:p>
             <a:fld id="{C12EFC74-BCF9-4D2F-93BF-D1053BDA4388}" type="datetimeFigureOut">
               <a:rPr lang="ko-KR" altLang="en-US" smtClean="0"/>
-              <a:t>2021-04-03</a:t>
+              <a:t>2021-04-05</a:t>
             </a:fld>
             <a:endParaRPr lang="ko-KR" altLang="en-US"/>
           </a:p>
@@ -1257,7 +1257,7 @@
           <a:p>
             <a:fld id="{C12EFC74-BCF9-4D2F-93BF-D1053BDA4388}" type="datetimeFigureOut">
               <a:rPr lang="ko-KR" altLang="en-US" smtClean="0"/>
-              <a:t>2021-04-03</a:t>
+              <a:t>2021-04-05</a:t>
             </a:fld>
             <a:endParaRPr lang="ko-KR" altLang="en-US"/>
           </a:p>
@@ -1624,7 +1624,7 @@
           <a:p>
             <a:fld id="{C12EFC74-BCF9-4D2F-93BF-D1053BDA4388}" type="datetimeFigureOut">
               <a:rPr lang="ko-KR" altLang="en-US" smtClean="0"/>
-              <a:t>2021-04-03</a:t>
+              <a:t>2021-04-05</a:t>
             </a:fld>
             <a:endParaRPr lang="ko-KR" altLang="en-US"/>
           </a:p>
@@ -1742,7 +1742,7 @@
           <a:p>
             <a:fld id="{C12EFC74-BCF9-4D2F-93BF-D1053BDA4388}" type="datetimeFigureOut">
               <a:rPr lang="ko-KR" altLang="en-US" smtClean="0"/>
-              <a:t>2021-04-03</a:t>
+              <a:t>2021-04-05</a:t>
             </a:fld>
             <a:endParaRPr lang="ko-KR" altLang="en-US"/>
           </a:p>
@@ -1837,7 +1837,7 @@
           <a:p>
             <a:fld id="{C12EFC74-BCF9-4D2F-93BF-D1053BDA4388}" type="datetimeFigureOut">
               <a:rPr lang="ko-KR" altLang="en-US" smtClean="0"/>
-              <a:t>2021-04-03</a:t>
+              <a:t>2021-04-05</a:t>
             </a:fld>
             <a:endParaRPr lang="ko-KR" altLang="en-US"/>
           </a:p>
@@ -2114,7 +2114,7 @@
           <a:p>
             <a:fld id="{C12EFC74-BCF9-4D2F-93BF-D1053BDA4388}" type="datetimeFigureOut">
               <a:rPr lang="ko-KR" altLang="en-US" smtClean="0"/>
-              <a:t>2021-04-03</a:t>
+              <a:t>2021-04-05</a:t>
             </a:fld>
             <a:endParaRPr lang="ko-KR" altLang="en-US"/>
           </a:p>
@@ -2367,7 +2367,7 @@
           <a:p>
             <a:fld id="{C12EFC74-BCF9-4D2F-93BF-D1053BDA4388}" type="datetimeFigureOut">
               <a:rPr lang="ko-KR" altLang="en-US" smtClean="0"/>
-              <a:t>2021-04-03</a:t>
+              <a:t>2021-04-05</a:t>
             </a:fld>
             <a:endParaRPr lang="ko-KR" altLang="en-US"/>
           </a:p>
@@ -2580,7 +2580,7 @@
           <a:p>
             <a:fld id="{C12EFC74-BCF9-4D2F-93BF-D1053BDA4388}" type="datetimeFigureOut">
               <a:rPr lang="ko-KR" altLang="en-US" smtClean="0"/>
-              <a:t>2021-04-03</a:t>
+              <a:t>2021-04-05</a:t>
             </a:fld>
             <a:endParaRPr lang="ko-KR" altLang="en-US"/>
           </a:p>
@@ -4921,7 +4921,7 @@
         <p:spPr>
           <a:xfrm>
             <a:off x="1207332" y="277099"/>
-            <a:ext cx="4305987" cy="584775"/>
+            <a:ext cx="4150495" cy="584775"/>
           </a:xfrm>
           <a:prstGeom prst="rect">
             <a:avLst/>
@@ -5554,7 +5554,7 @@
                 <a:ea typeface="Open Sans Semibold" panose="020B0706030804020204" pitchFamily="34" charset="0"/>
                 <a:cs typeface="Open Sans Semibold" panose="020B0706030804020204" pitchFamily="34" charset="0"/>
               </a:rPr>
-              <a:t>알고리즘 실행결과</a:t>
+              <a:t>알고리즘  실행결과</a:t>
             </a:r>
             <a:endParaRPr lang="ko-KR" altLang="en-US" sz="7200" b="1" dirty="0">
               <a:latin typeface="Open Sans Semibold" panose="020B0706030804020204" pitchFamily="34" charset="0"/>
@@ -6102,7 +6102,7 @@
                 <a:ea typeface="Open Sans Semibold" panose="020B0706030804020204" pitchFamily="34" charset="0"/>
                 <a:cs typeface="Open Sans Semibold" panose="020B0706030804020204" pitchFamily="34" charset="0"/>
               </a:rPr>
-              <a:t>알고리즘 실행결과</a:t>
+              <a:t>알고리즘  실행결과</a:t>
             </a:r>
             <a:endParaRPr lang="ko-KR" altLang="en-US" sz="7200" b="1" dirty="0">
               <a:latin typeface="Open Sans Semibold" panose="020B0706030804020204" pitchFamily="34" charset="0"/>
@@ -6716,8 +6716,8 @@
         </p:nvSpPr>
         <p:spPr>
           <a:xfrm>
-            <a:off x="1102291" y="2013383"/>
-            <a:ext cx="9774260" cy="4278094"/>
+            <a:off x="1102291" y="2301059"/>
+            <a:ext cx="9774260" cy="2800767"/>
           </a:xfrm>
           <a:prstGeom prst="rect">
             <a:avLst/>
@@ -6731,103 +6731,26 @@
           <a:lstStyle/>
           <a:p>
             <a:r>
+              <a:rPr lang="ko-KR" altLang="en-US" sz="1600" dirty="0" smtClean="0"/>
+              <a:t>두 </a:t>
+            </a:r>
+            <a:r>
               <a:rPr lang="ko-KR" altLang="en-US" sz="1600" dirty="0"/>
-              <a:t>오랜 세월 어떤 프로젝트를 하던 혼자 공부해서 혼자 진행하곤 했다</a:t>
-            </a:r>
-            <a:r>
-              <a:rPr lang="en-US" altLang="ko-KR" sz="1600" dirty="0"/>
-              <a:t>.</a:t>
+              <a:t>번째 프로젝트는 첫 번째 프로젝트에서 각자가 부족한 부분을 느끼고</a:t>
             </a:r>
           </a:p>
           <a:p>
             <a:r>
               <a:rPr lang="ko-KR" altLang="en-US" sz="1600" dirty="0"/>
-              <a:t>팀 경험을 쌓고 싶어 교육원에 왔고</a:t>
-            </a:r>
-            <a:r>
-              <a:rPr lang="en-US" altLang="ko-KR" sz="1600" dirty="0"/>
-              <a:t>, </a:t>
+              <a:t>더 </a:t>
+            </a:r>
+            <a:r>
+              <a:rPr lang="ko-KR" altLang="en-US" sz="1600" dirty="0" smtClean="0"/>
+              <a:t>발전된 모습으로 </a:t>
             </a:r>
             <a:r>
               <a:rPr lang="ko-KR" altLang="en-US" sz="1600" dirty="0"/>
-              <a:t>처음으로 팀장으로서 프로젝트를 주도했다</a:t>
-            </a:r>
-            <a:r>
-              <a:rPr lang="en-US" altLang="ko-KR" sz="1600" dirty="0"/>
-              <a:t>.</a:t>
-            </a:r>
-          </a:p>
-          <a:p>
-            <a:r>
-              <a:rPr lang="ko-KR" altLang="en-US" sz="1600" dirty="0"/>
-              <a:t>시작부터 난관이었다</a:t>
-            </a:r>
-            <a:r>
-              <a:rPr lang="en-US" altLang="ko-KR" sz="1600" dirty="0"/>
-              <a:t>. </a:t>
-            </a:r>
-            <a:r>
-              <a:rPr lang="ko-KR" altLang="en-US" sz="1600" dirty="0"/>
-              <a:t>팀원들 세 명 모두가 오늘 내일 하는 사람들이었다</a:t>
-            </a:r>
-            <a:r>
-              <a:rPr lang="en-US" altLang="ko-KR" sz="1600" dirty="0" smtClean="0"/>
-              <a:t>.</a:t>
-            </a:r>
-            <a:endParaRPr lang="en-US" altLang="ko-KR" sz="1600" dirty="0"/>
-          </a:p>
-          <a:p>
-            <a:r>
-              <a:rPr lang="ko-KR" altLang="en-US" sz="1600" dirty="0"/>
-              <a:t>한 분은 시작하자마자 건강 문제로 하차하셨고</a:t>
-            </a:r>
-            <a:r>
-              <a:rPr lang="en-US" altLang="ko-KR" sz="1600" dirty="0"/>
-              <a:t>, </a:t>
-            </a:r>
-            <a:r>
-              <a:rPr lang="ko-KR" altLang="en-US" sz="1600" dirty="0"/>
-              <a:t>나머지 두 분도 건강 문제로</a:t>
-            </a:r>
-          </a:p>
-          <a:p>
-            <a:r>
-              <a:rPr lang="ko-KR" altLang="en-US" sz="1600" dirty="0"/>
-              <a:t>원활한 프로젝트 진행이 힘들었다</a:t>
-            </a:r>
-            <a:r>
-              <a:rPr lang="en-US" altLang="ko-KR" sz="1600" dirty="0"/>
-              <a:t>. </a:t>
-            </a:r>
-            <a:r>
-              <a:rPr lang="ko-KR" altLang="en-US" sz="1600" dirty="0"/>
-              <a:t>거의 나 혼자 프로젝트를 진행하다시피 하면서도</a:t>
-            </a:r>
-          </a:p>
-          <a:p>
-            <a:r>
-              <a:rPr lang="ko-KR" altLang="en-US" sz="1600" dirty="0"/>
-              <a:t>팀원들과 깊은 대화를 나누며 프로젝트에 참여를 유도했다</a:t>
-            </a:r>
-            <a:r>
-              <a:rPr lang="en-US" altLang="ko-KR" sz="1600" dirty="0"/>
-              <a:t>. </a:t>
-            </a:r>
-            <a:r>
-              <a:rPr lang="ko-KR" altLang="en-US" sz="1600" dirty="0"/>
-              <a:t>그렇게 진행한 이번</a:t>
-            </a:r>
-          </a:p>
-          <a:p>
-            <a:r>
-              <a:rPr lang="ko-KR" altLang="en-US" sz="1600" dirty="0"/>
-              <a:t>두 번째 프로젝트는 첫 번째 프로젝트에서 각자가 부족한 부분을 느끼고</a:t>
-            </a:r>
-          </a:p>
-          <a:p>
-            <a:r>
-              <a:rPr lang="ko-KR" altLang="en-US" sz="1600" dirty="0"/>
-              <a:t>더 발전한 형태로 프로젝트에 참여하게 되었다</a:t>
+              <a:t>프로젝트에 참여하게 되었다</a:t>
             </a:r>
             <a:r>
               <a:rPr lang="en-US" altLang="ko-KR" sz="1600" dirty="0"/>
@@ -8448,7 +8371,14 @@
             </a:r>
             <a:r>
               <a:rPr lang="ko-KR" altLang="en-US" sz="1600" dirty="0" smtClean="0"/>
-              <a:t>팀 프로젝트를 하며 의견을 맞춰가는 부분에서도 많이 배웠습니다</a:t>
+              <a:t>팀 프로젝트를 하며 의견을 맞춰가는 부분에서도 </a:t>
+            </a:r>
+            <a:endParaRPr lang="en-US" altLang="ko-KR" sz="1600" dirty="0" smtClean="0"/>
+          </a:p>
+          <a:p>
+            <a:r>
+              <a:rPr lang="ko-KR" altLang="en-US" sz="1600" dirty="0" smtClean="0"/>
+              <a:t>많이 배울 수 있었습니다</a:t>
             </a:r>
             <a:r>
               <a:rPr lang="en-US" altLang="ko-KR" sz="1600" dirty="0" smtClean="0"/>
@@ -10892,7 +10822,32 @@
                 <a:ea typeface="나눔고딕" panose="020D0604000000000000" pitchFamily="50" charset="-127"/>
                 <a:cs typeface="Open Sans Light" panose="020B0306030504020204" pitchFamily="34" charset="0"/>
               </a:rPr>
-              <a:t>- Client(Python, Android) &lt;-&gt; Server(</a:t>
+              <a:t>- Client(Python, Android) </a:t>
+            </a:r>
+            <a:r>
+              <a:rPr lang="en-US" altLang="ko-KR" dirty="0" smtClean="0">
+                <a:latin typeface="나눔고딕" panose="020D0604000000000000" pitchFamily="50" charset="-127"/>
+                <a:ea typeface="나눔고딕" panose="020D0604000000000000" pitchFamily="50" charset="-127"/>
+                <a:cs typeface="Open Sans Light" panose="020B0306030504020204" pitchFamily="34" charset="0"/>
+                <a:sym typeface="Wingdings" panose="05000000000000000000" pitchFamily="2" charset="2"/>
+              </a:rPr>
+              <a:t> </a:t>
+            </a:r>
+            <a:r>
+              <a:rPr lang="en-US" altLang="ko-KR" dirty="0" smtClean="0">
+                <a:latin typeface="나눔고딕" panose="020D0604000000000000" pitchFamily="50" charset="-127"/>
+                <a:ea typeface="나눔고딕" panose="020D0604000000000000" pitchFamily="50" charset="-127"/>
+                <a:cs typeface="Open Sans Light" panose="020B0306030504020204" pitchFamily="34" charset="0"/>
+              </a:rPr>
+              <a:t> </a:t>
+            </a:r>
+            <a:r>
+              <a:rPr lang="en-US" altLang="ko-KR" dirty="0">
+                <a:latin typeface="나눔고딕" panose="020D0604000000000000" pitchFamily="50" charset="-127"/>
+                <a:ea typeface="나눔고딕" panose="020D0604000000000000" pitchFamily="50" charset="-127"/>
+                <a:cs typeface="Open Sans Light" panose="020B0306030504020204" pitchFamily="34" charset="0"/>
+              </a:rPr>
+              <a:t>Server(</a:t>
             </a:r>
             <a:r>
               <a:rPr lang="en-US" altLang="ko-KR" dirty="0" err="1">
@@ -10903,12 +10858,37 @@
               <a:t>Scalatra</a:t>
             </a:r>
             <a:r>
+              <a:rPr lang="en-US" altLang="ko-KR">
+                <a:latin typeface="나눔고딕" panose="020D0604000000000000" pitchFamily="50" charset="-127"/>
+                <a:ea typeface="나눔고딕" panose="020D0604000000000000" pitchFamily="50" charset="-127"/>
+                <a:cs typeface="Open Sans Light" panose="020B0306030504020204" pitchFamily="34" charset="0"/>
+              </a:rPr>
+              <a:t>) </a:t>
+            </a:r>
+            <a:r>
+              <a:rPr lang="en-US" altLang="ko-KR" smtClean="0">
+                <a:latin typeface="나눔고딕" panose="020D0604000000000000" pitchFamily="50" charset="-127"/>
+                <a:ea typeface="나눔고딕" panose="020D0604000000000000" pitchFamily="50" charset="-127"/>
+                <a:cs typeface="Open Sans Light" panose="020B0306030504020204" pitchFamily="34" charset="0"/>
+                <a:sym typeface="Wingdings" panose="05000000000000000000" pitchFamily="2" charset="2"/>
+              </a:rPr>
+              <a:t> </a:t>
+            </a:r>
+            <a:r>
+              <a:rPr lang="en-US" altLang="ko-KR" smtClean="0">
+                <a:latin typeface="나눔고딕" panose="020D0604000000000000" pitchFamily="50" charset="-127"/>
+                <a:ea typeface="나눔고딕" panose="020D0604000000000000" pitchFamily="50" charset="-127"/>
+                <a:cs typeface="Open Sans Light" panose="020B0306030504020204" pitchFamily="34" charset="0"/>
+              </a:rPr>
+              <a:t> </a:t>
+            </a:r>
+            <a:r>
               <a:rPr lang="en-US" altLang="ko-KR" dirty="0">
                 <a:latin typeface="나눔고딕" panose="020D0604000000000000" pitchFamily="50" charset="-127"/>
                 <a:ea typeface="나눔고딕" panose="020D0604000000000000" pitchFamily="50" charset="-127"/>
                 <a:cs typeface="Open Sans Light" panose="020B0306030504020204" pitchFamily="34" charset="0"/>
               </a:rPr>
-              <a:t>) &lt;-&gt; DB(MySQL)  </a:t>
+              <a:t>DB(MySQL)  </a:t>
             </a:r>
             <a:r>
               <a:rPr lang="ko-KR" altLang="en-US" dirty="0">
@@ -11454,7 +11434,7 @@
         <p:spPr>
           <a:xfrm>
             <a:off x="553915" y="1371545"/>
-            <a:ext cx="10682653" cy="5109091"/>
+            <a:ext cx="10682653" cy="4585871"/>
           </a:xfrm>
           <a:prstGeom prst="rect">
             <a:avLst/>
@@ -11476,11 +11456,15 @@
           <a:p>
             <a:r>
               <a:rPr lang="en-US" altLang="ko-KR" sz="1400" dirty="0"/>
-              <a:t>windows 10 home 64bit (</a:t>
-            </a:r>
-            <a:r>
-              <a:rPr lang="ko-KR" altLang="en-US" sz="1400" dirty="0"/>
-              <a:t>허선영</a:t>
+              <a:t>windows 10 home 64bit </a:t>
+            </a:r>
+            <a:r>
+              <a:rPr lang="en-US" altLang="ko-KR" sz="1400" dirty="0" smtClean="0"/>
+              <a:t>(</a:t>
+            </a:r>
+            <a:r>
+              <a:rPr lang="ko-KR" altLang="en-US" sz="1400" dirty="0" smtClean="0"/>
+              <a:t>송훈일</a:t>
             </a:r>
             <a:r>
               <a:rPr lang="en-US" altLang="ko-KR" sz="1400" dirty="0" smtClean="0"/>
@@ -11532,7 +11516,11 @@
           <a:p>
             <a:r>
               <a:rPr lang="en-US" altLang="ko-KR" sz="1600" dirty="0" smtClean="0"/>
-              <a:t>Java 15.0.2, </a:t>
+              <a:t>Java </a:t>
+            </a:r>
+            <a:r>
+              <a:rPr lang="en-US" altLang="ko-KR" sz="1600" dirty="0" smtClean="0"/>
+              <a:t>15.0.2 / </a:t>
             </a:r>
             <a:r>
               <a:rPr lang="en-US" altLang="ko-KR" sz="1600" dirty="0" err="1" smtClean="0"/>
@@ -11540,7 +11528,15 @@
             </a:r>
             <a:r>
               <a:rPr lang="en-US" altLang="ko-KR" sz="1600" dirty="0" smtClean="0"/>
-              <a:t> 2.134.5, python 3.9.2</a:t>
+              <a:t> </a:t>
+            </a:r>
+            <a:r>
+              <a:rPr lang="en-US" altLang="ko-KR" sz="1600" dirty="0" smtClean="0"/>
+              <a:t>2.13.4 / </a:t>
+            </a:r>
+            <a:r>
+              <a:rPr lang="en-US" altLang="ko-KR" sz="1600" dirty="0" smtClean="0"/>
+              <a:t>python 3.9.2</a:t>
             </a:r>
           </a:p>
           <a:p>
@@ -11567,12 +11563,20 @@
               <a:t>Android studio 4.1.3 </a:t>
             </a:r>
             <a:r>
+              <a:rPr lang="en-US" altLang="ko-KR" sz="1600" dirty="0" smtClean="0"/>
+              <a:t>/ </a:t>
+            </a:r>
+            <a:r>
               <a:rPr lang="en-US" altLang="ko-KR" sz="1600" dirty="0" err="1" smtClean="0"/>
               <a:t>intelliJ</a:t>
             </a:r>
             <a:r>
               <a:rPr lang="en-US" altLang="ko-KR" sz="1600" dirty="0" smtClean="0"/>
-              <a:t> IDEA 11.0.2 / </a:t>
+              <a:t> </a:t>
+            </a:r>
+            <a:r>
+              <a:rPr lang="en-US" altLang="ko-KR" sz="1600" dirty="0" smtClean="0"/>
+              <a:t>IDEA 11.0.2 / </a:t>
             </a:r>
             <a:r>
               <a:rPr lang="en-US" altLang="ko-KR" sz="1600" dirty="0" err="1" smtClean="0"/>
@@ -11600,13 +11604,11 @@
           <a:p>
             <a:r>
               <a:rPr lang="en-US" altLang="ko-KR" sz="1600" dirty="0" smtClean="0"/>
-              <a:t>mysql-for-project-next.ca9ax6wszxzo.ap-northeast-2.rds.amazonaws.com</a:t>
-            </a:r>
-          </a:p>
-          <a:p>
-            <a:r>
-              <a:rPr lang="en-US" altLang="ko-KR" sz="1600" dirty="0"/>
-              <a:t>Amazon Web Service RDS MySQL</a:t>
+              <a:t>Amazon Web Service RDS </a:t>
+            </a:r>
+            <a:r>
+              <a:rPr lang="en-US" altLang="ko-KR" sz="1600" dirty="0" smtClean="0"/>
+              <a:t>MySQL 8.0.23</a:t>
             </a:r>
             <a:endParaRPr lang="en-US" altLang="ko-KR" sz="1600" dirty="0" smtClean="0"/>
           </a:p>
@@ -11622,15 +11624,12 @@
           </a:p>
           <a:p>
             <a:r>
+              <a:rPr lang="en-US" altLang="ko-KR" sz="1600" dirty="0" smtClean="0"/>
+              <a:t>Amazon </a:t>
+            </a:r>
+            <a:r>
               <a:rPr lang="en-US" altLang="ko-KR" sz="1600" dirty="0"/>
-              <a:t>next.ap-northeast-2.elasticbeanstalk.com </a:t>
-            </a:r>
-            <a:endParaRPr lang="en-US" altLang="ko-KR" sz="1600" dirty="0" smtClean="0"/>
-          </a:p>
-          <a:p>
-            <a:r>
-              <a:rPr lang="en-US" altLang="ko-KR" sz="1600" dirty="0"/>
-              <a:t>Amazon Web Service Elastic Beanstalk</a:t>
+              <a:t>Web Service Elastic Beanstalk</a:t>
             </a:r>
             <a:endParaRPr lang="en-US" altLang="ko-KR" sz="1600" dirty="0" smtClean="0"/>
           </a:p>
@@ -12236,7 +12235,7 @@
         </p:nvGrpSpPr>
         <p:grpSpPr>
           <a:xfrm>
-            <a:off x="4424825" y="223578"/>
+            <a:off x="5396045" y="1257002"/>
             <a:ext cx="2243469" cy="1440000"/>
             <a:chOff x="4424826" y="1437840"/>
             <a:chExt cx="2243469" cy="1440000"/>
@@ -12292,13 +12291,15 @@
         </p:sp>
         <p:sp>
           <p:nvSpPr>
-            <p:cNvPr id="29" name="TextBox 28"/>
+            <p:cNvPr id="29" name="TextBox 28">
+              <a:hlinkClick r:id="rId3"/>
+            </p:cNvPr>
             <p:cNvSpPr txBox="1"/>
             <p:nvPr/>
           </p:nvSpPr>
           <p:spPr>
             <a:xfrm>
-              <a:off x="4906802" y="1927008"/>
+              <a:off x="5010691" y="1933700"/>
               <a:ext cx="1178528" cy="461665"/>
             </a:xfrm>
             <a:prstGeom prst="rect">
@@ -12313,10 +12314,22 @@
             <a:lstStyle/>
             <a:p>
               <a:r>
-                <a:rPr lang="en-US" altLang="ko-KR" sz="2400" b="1" dirty="0" err="1"/>
+                <a:rPr lang="en-US" altLang="ko-KR" sz="2400" b="1" u="sng" dirty="0" err="1">
+                  <a:solidFill>
+                    <a:schemeClr val="accent5">
+                      <a:lumMod val="75000"/>
+                    </a:schemeClr>
+                  </a:solidFill>
+                </a:rPr>
                 <a:t>Github</a:t>
               </a:r>
-              <a:endParaRPr lang="en-US" altLang="ko-KR" sz="2400" b="1" dirty="0"/>
+              <a:endParaRPr lang="en-US" altLang="ko-KR" sz="2400" b="1" u="sng" dirty="0">
+                <a:solidFill>
+                  <a:schemeClr val="accent5">
+                    <a:lumMod val="75000"/>
+                  </a:schemeClr>
+                </a:solidFill>
+              </a:endParaRPr>
             </a:p>
           </p:txBody>
         </p:sp>
@@ -12329,7 +12342,7 @@
         </p:nvGrpSpPr>
         <p:grpSpPr>
           <a:xfrm>
-            <a:off x="4424824" y="1861279"/>
+            <a:off x="9037921" y="1240883"/>
             <a:ext cx="2243469" cy="1440000"/>
             <a:chOff x="4424826" y="3192214"/>
             <a:chExt cx="2243469" cy="1440000"/>
@@ -12386,7 +12399,9 @@
         </p:sp>
         <p:sp>
           <p:nvSpPr>
-            <p:cNvPr id="30" name="TextBox 29"/>
+            <p:cNvPr id="30" name="TextBox 29">
+              <a:hlinkClick r:id="rId4"/>
+            </p:cNvPr>
             <p:cNvSpPr txBox="1"/>
             <p:nvPr/>
           </p:nvSpPr>
@@ -12408,14 +12423,24 @@
             <a:p>
               <a:pPr algn="ctr"/>
               <a:r>
-                <a:rPr lang="en-US" altLang="ko-KR" sz="2400" dirty="0" err="1" smtClean="0">
+                <a:rPr lang="en-US" altLang="ko-KR" sz="2400" u="sng" dirty="0" err="1" smtClean="0">
+                  <a:solidFill>
+                    <a:schemeClr val="accent5">
+                      <a:lumMod val="75000"/>
+                    </a:schemeClr>
+                  </a:solidFill>
                   <a:latin typeface="Open Sans Semibold" panose="020B0706030804020204" pitchFamily="34" charset="0"/>
                   <a:ea typeface="Open Sans Semibold" panose="020B0706030804020204" pitchFamily="34" charset="0"/>
                   <a:cs typeface="Open Sans Semibold" panose="020B0706030804020204" pitchFamily="34" charset="0"/>
                 </a:rPr>
                 <a:t>Youtube</a:t>
               </a:r>
-              <a:endParaRPr lang="ko-KR" altLang="en-US" sz="2400" dirty="0">
+              <a:endParaRPr lang="ko-KR" altLang="en-US" sz="2400" u="sng" dirty="0">
+                <a:solidFill>
+                  <a:schemeClr val="accent5">
+                    <a:lumMod val="75000"/>
+                  </a:schemeClr>
+                </a:solidFill>
                 <a:latin typeface="Open Sans Semibold" panose="020B0706030804020204" pitchFamily="34" charset="0"/>
                 <a:ea typeface="Open Sans Semibold" panose="020B0706030804020204" pitchFamily="34" charset="0"/>
                 <a:cs typeface="Open Sans Semibold" panose="020B0706030804020204" pitchFamily="34" charset="0"/>
@@ -12432,7 +12457,7 @@
         </p:nvGrpSpPr>
         <p:grpSpPr>
           <a:xfrm>
-            <a:off x="4428881" y="3564593"/>
+            <a:off x="9037922" y="3651207"/>
             <a:ext cx="2243469" cy="1440000"/>
             <a:chOff x="4428881" y="5095442"/>
             <a:chExt cx="2243469" cy="1440000"/>
@@ -12488,13 +12513,15 @@
         </p:sp>
         <p:sp>
           <p:nvSpPr>
-            <p:cNvPr id="31" name="TextBox 30"/>
+            <p:cNvPr id="31" name="TextBox 30">
+              <a:hlinkClick r:id="rId5"/>
+            </p:cNvPr>
             <p:cNvSpPr txBox="1"/>
             <p:nvPr/>
           </p:nvSpPr>
           <p:spPr>
             <a:xfrm>
-              <a:off x="4910857" y="5584610"/>
+              <a:off x="5055736" y="5584610"/>
               <a:ext cx="989758" cy="461665"/>
             </a:xfrm>
             <a:prstGeom prst="rect">
@@ -12509,118 +12536,19 @@
             <a:lstStyle/>
             <a:p>
               <a:r>
-                <a:rPr lang="en-US" altLang="ko-KR" sz="2400" b="1" dirty="0"/>
+                <a:rPr lang="en-US" altLang="ko-KR" sz="2400" b="1" u="sng" dirty="0">
+                  <a:solidFill>
+                    <a:schemeClr val="accent5">
+                      <a:lumMod val="75000"/>
+                    </a:schemeClr>
+                  </a:solidFill>
+                </a:rPr>
                 <a:t>Trello</a:t>
               </a:r>
             </a:p>
           </p:txBody>
         </p:sp>
       </p:grpSp>
-      <p:sp>
-        <p:nvSpPr>
-          <p:cNvPr id="33" name="직사각형 32"/>
-          <p:cNvSpPr/>
-          <p:nvPr/>
-        </p:nvSpPr>
-        <p:spPr>
-          <a:xfrm>
-            <a:off x="6786161" y="412663"/>
-            <a:ext cx="4947798" cy="307777"/>
-          </a:xfrm>
-          <a:prstGeom prst="rect">
-            <a:avLst/>
-          </a:prstGeom>
-        </p:spPr>
-        <p:txBody>
-          <a:bodyPr wrap="square">
-            <a:spAutoFit/>
-          </a:bodyPr>
-          <a:lstStyle/>
-          <a:p>
-            <a:r>
-              <a:rPr lang="en-US" altLang="ko-KR" sz="1400" dirty="0">
-                <a:hlinkClick r:id="rId3"/>
-              </a:rPr>
-              <a:t>https://github.com/dodo0211/ProjectNext</a:t>
-            </a:r>
-            <a:endParaRPr lang="en-US" altLang="ko-KR" sz="1400" dirty="0"/>
-          </a:p>
-        </p:txBody>
-      </p:sp>
-      <p:sp>
-        <p:nvSpPr>
-          <p:cNvPr id="34" name="직사각형 33"/>
-          <p:cNvSpPr/>
-          <p:nvPr/>
-        </p:nvSpPr>
-        <p:spPr>
-          <a:xfrm>
-            <a:off x="6786161" y="2050364"/>
-            <a:ext cx="4947798" cy="377860"/>
-          </a:xfrm>
-          <a:prstGeom prst="rect">
-            <a:avLst/>
-          </a:prstGeom>
-        </p:spPr>
-        <p:txBody>
-          <a:bodyPr wrap="square">
-            <a:spAutoFit/>
-          </a:bodyPr>
-          <a:lstStyle/>
-          <a:p>
-            <a:pPr algn="just">
-              <a:lnSpc>
-                <a:spcPct val="150000"/>
-              </a:lnSpc>
-            </a:pPr>
-            <a:r>
-              <a:rPr lang="en-US" altLang="ko-KR" sz="1400" dirty="0">
-                <a:latin typeface="Noto Sans CJK KR Light" panose="020B0300000000000000" pitchFamily="34" charset="-127"/>
-                <a:ea typeface="Noto Sans CJK KR Light" panose="020B0300000000000000" pitchFamily="34" charset="-127"/>
-                <a:cs typeface="Open Sans Light" panose="020B0306030504020204" pitchFamily="34" charset="0"/>
-                <a:hlinkClick r:id="rId4"/>
-              </a:rPr>
-              <a:t>https://youtu.be/-PFEnU79u6o</a:t>
-            </a:r>
-            <a:endParaRPr lang="en-US" altLang="ko-KR" sz="1400" dirty="0" smtClean="0">
-              <a:latin typeface="Noto Sans CJK KR Light" panose="020B0300000000000000" pitchFamily="34" charset="-127"/>
-              <a:ea typeface="Noto Sans CJK KR Light" panose="020B0300000000000000" pitchFamily="34" charset="-127"/>
-              <a:cs typeface="Open Sans Light" panose="020B0306030504020204" pitchFamily="34" charset="0"/>
-            </a:endParaRPr>
-          </a:p>
-        </p:txBody>
-      </p:sp>
-      <p:sp>
-        <p:nvSpPr>
-          <p:cNvPr id="35" name="직사각형 34"/>
-          <p:cNvSpPr/>
-          <p:nvPr/>
-        </p:nvSpPr>
-        <p:spPr>
-          <a:xfrm>
-            <a:off x="6786161" y="3773574"/>
-            <a:ext cx="4947798" cy="307777"/>
-          </a:xfrm>
-          <a:prstGeom prst="rect">
-            <a:avLst/>
-          </a:prstGeom>
-        </p:spPr>
-        <p:txBody>
-          <a:bodyPr wrap="square">
-            <a:spAutoFit/>
-          </a:bodyPr>
-          <a:lstStyle/>
-          <a:p>
-            <a:r>
-              <a:rPr lang="en-US" altLang="ko-KR" sz="1400" dirty="0">
-                <a:hlinkClick r:id="rId5"/>
-              </a:rPr>
-              <a:t>https://trello.com/b/S9j6XRw2/projectnext</a:t>
-            </a:r>
-            <a:endParaRPr lang="en-US" altLang="ko-KR" sz="1400" dirty="0"/>
-          </a:p>
-        </p:txBody>
-      </p:sp>
       <p:grpSp>
         <p:nvGrpSpPr>
           <p:cNvPr id="32" name="그룹 31"/>
@@ -12629,7 +12557,7 @@
         </p:nvGrpSpPr>
         <p:grpSpPr>
           <a:xfrm>
-            <a:off x="4424823" y="5137023"/>
+            <a:off x="5381312" y="3651207"/>
             <a:ext cx="2243469" cy="1440000"/>
             <a:chOff x="4424826" y="3192214"/>
             <a:chExt cx="2243469" cy="1440000"/>
@@ -12686,13 +12614,15 @@
         </p:sp>
         <p:sp>
           <p:nvSpPr>
-            <p:cNvPr id="37" name="TextBox 36"/>
+            <p:cNvPr id="37" name="TextBox 36">
+              <a:hlinkClick r:id="rId6"/>
+            </p:cNvPr>
             <p:cNvSpPr txBox="1"/>
             <p:nvPr/>
           </p:nvSpPr>
           <p:spPr>
             <a:xfrm>
-              <a:off x="4906802" y="3681382"/>
+              <a:off x="4838674" y="3681382"/>
               <a:ext cx="1415772" cy="461665"/>
             </a:xfrm>
             <a:prstGeom prst="rect">
@@ -12707,45 +12637,26 @@
             <a:lstStyle/>
             <a:p>
               <a:r>
-                <a:rPr lang="ko-KR" altLang="en-US" sz="2400" b="1" dirty="0"/>
+                <a:rPr lang="ko-KR" altLang="en-US" sz="2400" b="1" u="sng" dirty="0" smtClean="0">
+                  <a:solidFill>
+                    <a:schemeClr val="accent5">
+                      <a:lumMod val="75000"/>
+                    </a:schemeClr>
+                  </a:solidFill>
+                </a:rPr>
                 <a:t>일정관리</a:t>
               </a:r>
-              <a:endParaRPr lang="en-US" altLang="ko-KR" sz="2400" b="1" dirty="0"/>
+              <a:endParaRPr lang="en-US" altLang="ko-KR" sz="2400" b="1" u="sng" dirty="0">
+                <a:solidFill>
+                  <a:schemeClr val="accent5">
+                    <a:lumMod val="75000"/>
+                  </a:schemeClr>
+                </a:solidFill>
+              </a:endParaRPr>
             </a:p>
           </p:txBody>
         </p:sp>
       </p:grpSp>
-      <p:sp>
-        <p:nvSpPr>
-          <p:cNvPr id="41" name="직사각형 40"/>
-          <p:cNvSpPr/>
-          <p:nvPr/>
-        </p:nvSpPr>
-        <p:spPr>
-          <a:xfrm>
-            <a:off x="6938561" y="5326108"/>
-            <a:ext cx="4947798" cy="738664"/>
-          </a:xfrm>
-          <a:prstGeom prst="rect">
-            <a:avLst/>
-          </a:prstGeom>
-        </p:spPr>
-        <p:txBody>
-          <a:bodyPr wrap="square">
-            <a:spAutoFit/>
-          </a:bodyPr>
-          <a:lstStyle/>
-          <a:p>
-            <a:r>
-              <a:rPr lang="en-US" altLang="ko-KR" sz="1400" dirty="0">
-                <a:hlinkClick r:id="rId6"/>
-              </a:rPr>
-              <a:t>https://docs.google.com/spreadsheets/d/1Nz2VmDd-npezQMWdx8pgW7FzKBP7sRxVOCLgtbM-2Sw/edit#gid=1760667202</a:t>
-            </a:r>
-            <a:endParaRPr lang="en-US" altLang="ko-KR" sz="1400" dirty="0"/>
-          </a:p>
-        </p:txBody>
-      </p:sp>
     </p:spTree>
     <p:extLst>
       <p:ext uri="{BB962C8B-B14F-4D97-AF65-F5344CB8AC3E}">
@@ -15949,14 +15860,14 @@
           <p:nvPr>
             <p:extLst>
               <p:ext uri="{D42A27DB-BD31-4B8C-83A1-F6EECF244321}">
-                <p14:modId xmlns:p14="http://schemas.microsoft.com/office/powerpoint/2010/main" val="1518721987"/>
+                <p14:modId xmlns:p14="http://schemas.microsoft.com/office/powerpoint/2010/main" val="503445691"/>
               </p:ext>
             </p:extLst>
           </p:nvPr>
         </p:nvGraphicFramePr>
         <p:xfrm>
-          <a:off x="1207332" y="940776"/>
-          <a:ext cx="9644838" cy="5706208"/>
+          <a:off x="1207332" y="776727"/>
+          <a:ext cx="9644838" cy="6035040"/>
         </p:xfrm>
         <a:graphic>
           <a:graphicData uri="http://schemas.openxmlformats.org/drawingml/2006/table">
@@ -15973,7 +15884,7 @@
                 <a:gridCol w="1377834"/>
                 <a:gridCol w="1377834"/>
               </a:tblGrid>
-              <a:tr h="289506">
+              <a:tr h="314141">
                 <a:tc>
                   <a:txBody>
                     <a:bodyPr/>
@@ -16080,7 +15991,7 @@
                   <a:tcPr/>
                 </a:tc>
               </a:tr>
-              <a:tr h="343539">
+              <a:tr h="287428">
                 <a:tc>
                   <a:txBody>
                     <a:bodyPr/>
@@ -16269,6 +16180,29 @@
                       </a:r>
                       <a:endParaRPr lang="en-US" altLang="ko-KR" sz="1200" baseline="0" dirty="0" smtClean="0"/>
                     </a:p>
+                    <a:p>
+                      <a:pPr latinLnBrk="1"/>
+                      <a:r>
+                        <a:rPr lang="en-US" altLang="ko-KR" sz="1200" baseline="0" dirty="0" smtClean="0"/>
+                        <a:t>Request &amp; response</a:t>
+                      </a:r>
+                    </a:p>
+                    <a:p>
+                      <a:pPr latinLnBrk="1"/>
+                      <a:endParaRPr lang="en-US" altLang="ko-KR" sz="1200" baseline="0" dirty="0" smtClean="0"/>
+                    </a:p>
+                    <a:p>
+                      <a:pPr latinLnBrk="1"/>
+                      <a:r>
+                        <a:rPr lang="en-US" altLang="ko-KR" sz="1200" baseline="0" dirty="0" smtClean="0"/>
+                        <a:t>Volley </a:t>
+                      </a:r>
+                      <a:r>
+                        <a:rPr lang="ko-KR" altLang="en-US" sz="1200" baseline="0" dirty="0" smtClean="0"/>
+                        <a:t>통신</a:t>
+                      </a:r>
+                      <a:endParaRPr lang="en-US" altLang="ko-KR" sz="1200" baseline="0" dirty="0" smtClean="0"/>
+                    </a:p>
                   </a:txBody>
                   <a:tcPr/>
                 </a:tc>
@@ -16434,7 +16368,7 @@
                   <a:tcPr/>
                 </a:tc>
               </a:tr>
-              <a:tr h="377841">
+              <a:tr h="294620">
                 <a:tc>
                   <a:txBody>
                     <a:bodyPr/>
@@ -16537,7 +16471,7 @@
                   <a:tcPr/>
                 </a:tc>
               </a:tr>
-              <a:tr h="3042367">
+              <a:tr h="2762720">
                 <a:tc>
                   <a:txBody>
                     <a:bodyPr/>
@@ -16771,13 +16705,6 @@
                         <a:rPr lang="ko-KR" altLang="en-US" sz="1200" baseline="0" dirty="0" smtClean="0"/>
                         <a:t>가격매도</a:t>
                       </a:r>
-                      <a:r>
-                        <a:rPr lang="ko-KR" altLang="en-US" sz="1200" dirty="0" smtClean="0"/>
-                        <a:t> </a:t>
-                      </a:r>
-                    </a:p>
-                    <a:p>
-                      <a:pPr latinLnBrk="1"/>
                       <a:endParaRPr lang="ko-KR" altLang="en-US" sz="1200" dirty="0"/>
                     </a:p>
                   </a:txBody>
@@ -16955,6 +16882,37 @@
                   <a:txBody>
                     <a:bodyPr/>
                     <a:lstStyle/>
+                    <a:p>
+                      <a:pPr marL="0" marR="0" indent="0" algn="l" defTabSz="914400" rtl="0" eaLnBrk="1" fontAlgn="auto" latinLnBrk="1" hangingPunct="1">
+                        <a:lnSpc>
+                          <a:spcPct val="100000"/>
+                        </a:lnSpc>
+                        <a:spcBef>
+                          <a:spcPts val="0"/>
+                        </a:spcBef>
+                        <a:spcAft>
+                          <a:spcPts val="0"/>
+                        </a:spcAft>
+                        <a:buClrTx/>
+                        <a:buSzTx/>
+                        <a:buFontTx/>
+                        <a:buNone/>
+                        <a:tabLst/>
+                        <a:defRPr/>
+                      </a:pPr>
+                      <a:r>
+                        <a:rPr lang="ko-KR" altLang="en-US" sz="1200" dirty="0" smtClean="0"/>
+                        <a:t>상관관계</a:t>
+                      </a:r>
+                      <a:r>
+                        <a:rPr lang="en-US" altLang="ko-KR" sz="1200" dirty="0" smtClean="0"/>
+                        <a:t>_NASDAQ</a:t>
+                      </a:r>
+                    </a:p>
+                    <a:p>
+                      <a:pPr latinLnBrk="1"/>
+                      <a:endParaRPr lang="en-US" altLang="ko-KR" sz="1200" dirty="0" smtClean="0"/>
+                    </a:p>
                     <a:p>
                       <a:pPr latinLnBrk="1"/>
                       <a:r>

--- a/doc/ProjectNext.pptx
+++ b/doc/ProjectNext.pptx
@@ -21,7 +21,8 @@
     <p:sldId id="275" r:id="rId15"/>
     <p:sldId id="276" r:id="rId16"/>
     <p:sldId id="277" r:id="rId17"/>
-    <p:sldId id="278" r:id="rId18"/>
+    <p:sldId id="283" r:id="rId18"/>
+    <p:sldId id="278" r:id="rId19"/>
   </p:sldIdLst>
   <p:sldSz cx="12192000" cy="6858000"/>
   <p:notesSz cx="6858000" cy="9144000"/>
@@ -122,7 +123,18 @@
   </p:defaultTextStyle>
   <p:extLst>
     <p:ext uri="{EFAFB233-063F-42B5-8137-9DF3F51BA10A}">
-      <p15:sldGuideLst xmlns="" xmlns:p15="http://schemas.microsoft.com/office/powerpoint/2012/main"/>
+      <p15:sldGuideLst xmlns:p15="http://schemas.microsoft.com/office/powerpoint/2012/main">
+        <p15:guide id="1" orient="horz" pos="2160">
+          <p15:clr>
+            <a:srgbClr val="A4A3A4"/>
+          </p15:clr>
+        </p15:guide>
+        <p15:guide id="2" pos="3840">
+          <p15:clr>
+            <a:srgbClr val="A4A3A4"/>
+          </p15:clr>
+        </p15:guide>
+      </p15:sldGuideLst>
     </p:ext>
   </p:extLst>
 </p:presentation>
@@ -170,10 +182,9 @@
           </a:lstStyle>
           <a:p>
             <a:r>
-              <a:rPr lang="ko-KR" altLang="en-US" smtClean="0"/>
+              <a:rPr lang="ko-KR" altLang="en-US"/>
               <a:t>마스터 제목 스타일 편집</a:t>
             </a:r>
-            <a:endParaRPr lang="ko-KR" altLang="en-US"/>
           </a:p>
         </p:txBody>
       </p:sp>
@@ -235,10 +246,9 @@
           </a:lstStyle>
           <a:p>
             <a:r>
-              <a:rPr lang="ko-KR" altLang="en-US" smtClean="0"/>
+              <a:rPr lang="ko-KR" altLang="en-US"/>
               <a:t>클릭하여 마스터 부제목 스타일 편집</a:t>
             </a:r>
-            <a:endParaRPr lang="ko-KR" altLang="en-US"/>
           </a:p>
         </p:txBody>
       </p:sp>
@@ -259,7 +269,7 @@
           <a:p>
             <a:fld id="{C12EFC74-BCF9-4D2F-93BF-D1053BDA4388}" type="datetimeFigureOut">
               <a:rPr lang="ko-KR" altLang="en-US" smtClean="0"/>
-              <a:t>2021-04-05</a:t>
+              <a:t>2021-04-06</a:t>
             </a:fld>
             <a:endParaRPr lang="ko-KR" altLang="en-US"/>
           </a:p>
@@ -353,10 +363,9 @@
           <a:lstStyle/>
           <a:p>
             <a:r>
-              <a:rPr lang="ko-KR" altLang="en-US" smtClean="0"/>
+              <a:rPr lang="ko-KR" altLang="en-US"/>
               <a:t>마스터 제목 스타일 편집</a:t>
             </a:r>
-            <a:endParaRPr lang="ko-KR" altLang="en-US"/>
           </a:p>
         </p:txBody>
       </p:sp>
@@ -377,38 +386,37 @@
           <a:p>
             <a:pPr lvl="0"/>
             <a:r>
-              <a:rPr lang="ko-KR" altLang="en-US" smtClean="0"/>
+              <a:rPr lang="ko-KR" altLang="en-US"/>
               <a:t>마스터 텍스트 스타일 편집</a:t>
             </a:r>
           </a:p>
           <a:p>
             <a:pPr lvl="1"/>
             <a:r>
-              <a:rPr lang="ko-KR" altLang="en-US" smtClean="0"/>
+              <a:rPr lang="ko-KR" altLang="en-US"/>
               <a:t>둘째 수준</a:t>
             </a:r>
           </a:p>
           <a:p>
             <a:pPr lvl="2"/>
             <a:r>
-              <a:rPr lang="ko-KR" altLang="en-US" smtClean="0"/>
+              <a:rPr lang="ko-KR" altLang="en-US"/>
               <a:t>셋째 수준</a:t>
             </a:r>
           </a:p>
           <a:p>
             <a:pPr lvl="3"/>
             <a:r>
-              <a:rPr lang="ko-KR" altLang="en-US" smtClean="0"/>
+              <a:rPr lang="ko-KR" altLang="en-US"/>
               <a:t>넷째 수준</a:t>
             </a:r>
           </a:p>
           <a:p>
             <a:pPr lvl="4"/>
             <a:r>
-              <a:rPr lang="ko-KR" altLang="en-US" smtClean="0"/>
+              <a:rPr lang="ko-KR" altLang="en-US"/>
               <a:t>다섯째 수준</a:t>
             </a:r>
-            <a:endParaRPr lang="ko-KR" altLang="en-US"/>
           </a:p>
         </p:txBody>
       </p:sp>
@@ -429,7 +437,7 @@
           <a:p>
             <a:fld id="{C12EFC74-BCF9-4D2F-93BF-D1053BDA4388}" type="datetimeFigureOut">
               <a:rPr lang="ko-KR" altLang="en-US" smtClean="0"/>
-              <a:t>2021-04-05</a:t>
+              <a:t>2021-04-06</a:t>
             </a:fld>
             <a:endParaRPr lang="ko-KR" altLang="en-US"/>
           </a:p>
@@ -528,10 +536,9 @@
           <a:lstStyle/>
           <a:p>
             <a:r>
-              <a:rPr lang="ko-KR" altLang="en-US" smtClean="0"/>
+              <a:rPr lang="ko-KR" altLang="en-US"/>
               <a:t>마스터 제목 스타일 편집</a:t>
             </a:r>
-            <a:endParaRPr lang="ko-KR" altLang="en-US"/>
           </a:p>
         </p:txBody>
       </p:sp>
@@ -557,38 +564,37 @@
           <a:p>
             <a:pPr lvl="0"/>
             <a:r>
-              <a:rPr lang="ko-KR" altLang="en-US" smtClean="0"/>
+              <a:rPr lang="ko-KR" altLang="en-US"/>
               <a:t>마스터 텍스트 스타일 편집</a:t>
             </a:r>
           </a:p>
           <a:p>
             <a:pPr lvl="1"/>
             <a:r>
-              <a:rPr lang="ko-KR" altLang="en-US" smtClean="0"/>
+              <a:rPr lang="ko-KR" altLang="en-US"/>
               <a:t>둘째 수준</a:t>
             </a:r>
           </a:p>
           <a:p>
             <a:pPr lvl="2"/>
             <a:r>
-              <a:rPr lang="ko-KR" altLang="en-US" smtClean="0"/>
+              <a:rPr lang="ko-KR" altLang="en-US"/>
               <a:t>셋째 수준</a:t>
             </a:r>
           </a:p>
           <a:p>
             <a:pPr lvl="3"/>
             <a:r>
-              <a:rPr lang="ko-KR" altLang="en-US" smtClean="0"/>
+              <a:rPr lang="ko-KR" altLang="en-US"/>
               <a:t>넷째 수준</a:t>
             </a:r>
           </a:p>
           <a:p>
             <a:pPr lvl="4"/>
             <a:r>
-              <a:rPr lang="ko-KR" altLang="en-US" smtClean="0"/>
+              <a:rPr lang="ko-KR" altLang="en-US"/>
               <a:t>다섯째 수준</a:t>
             </a:r>
-            <a:endParaRPr lang="ko-KR" altLang="en-US"/>
           </a:p>
         </p:txBody>
       </p:sp>
@@ -609,7 +615,7 @@
           <a:p>
             <a:fld id="{C12EFC74-BCF9-4D2F-93BF-D1053BDA4388}" type="datetimeFigureOut">
               <a:rPr lang="ko-KR" altLang="en-US" smtClean="0"/>
-              <a:t>2021-04-05</a:t>
+              <a:t>2021-04-06</a:t>
             </a:fld>
             <a:endParaRPr lang="ko-KR" altLang="en-US"/>
           </a:p>
@@ -703,10 +709,9 @@
           <a:lstStyle/>
           <a:p>
             <a:r>
-              <a:rPr lang="ko-KR" altLang="en-US" smtClean="0"/>
+              <a:rPr lang="ko-KR" altLang="en-US"/>
               <a:t>마스터 제목 스타일 편집</a:t>
             </a:r>
-            <a:endParaRPr lang="ko-KR" altLang="en-US"/>
           </a:p>
         </p:txBody>
       </p:sp>
@@ -727,38 +732,37 @@
           <a:p>
             <a:pPr lvl="0"/>
             <a:r>
-              <a:rPr lang="ko-KR" altLang="en-US" smtClean="0"/>
+              <a:rPr lang="ko-KR" altLang="en-US"/>
               <a:t>마스터 텍스트 스타일 편집</a:t>
             </a:r>
           </a:p>
           <a:p>
             <a:pPr lvl="1"/>
             <a:r>
-              <a:rPr lang="ko-KR" altLang="en-US" smtClean="0"/>
+              <a:rPr lang="ko-KR" altLang="en-US"/>
               <a:t>둘째 수준</a:t>
             </a:r>
           </a:p>
           <a:p>
             <a:pPr lvl="2"/>
             <a:r>
-              <a:rPr lang="ko-KR" altLang="en-US" smtClean="0"/>
+              <a:rPr lang="ko-KR" altLang="en-US"/>
               <a:t>셋째 수준</a:t>
             </a:r>
           </a:p>
           <a:p>
             <a:pPr lvl="3"/>
             <a:r>
-              <a:rPr lang="ko-KR" altLang="en-US" smtClean="0"/>
+              <a:rPr lang="ko-KR" altLang="en-US"/>
               <a:t>넷째 수준</a:t>
             </a:r>
           </a:p>
           <a:p>
             <a:pPr lvl="4"/>
             <a:r>
-              <a:rPr lang="ko-KR" altLang="en-US" smtClean="0"/>
+              <a:rPr lang="ko-KR" altLang="en-US"/>
               <a:t>다섯째 수준</a:t>
             </a:r>
-            <a:endParaRPr lang="ko-KR" altLang="en-US"/>
           </a:p>
         </p:txBody>
       </p:sp>
@@ -779,7 +783,7 @@
           <a:p>
             <a:fld id="{C12EFC74-BCF9-4D2F-93BF-D1053BDA4388}" type="datetimeFigureOut">
               <a:rPr lang="ko-KR" altLang="en-US" smtClean="0"/>
-              <a:t>2021-04-05</a:t>
+              <a:t>2021-04-06</a:t>
             </a:fld>
             <a:endParaRPr lang="ko-KR" altLang="en-US"/>
           </a:p>
@@ -882,10 +886,9 @@
           </a:lstStyle>
           <a:p>
             <a:r>
-              <a:rPr lang="ko-KR" altLang="en-US" smtClean="0"/>
+              <a:rPr lang="ko-KR" altLang="en-US"/>
               <a:t>마스터 제목 스타일 편집</a:t>
             </a:r>
-            <a:endParaRPr lang="ko-KR" altLang="en-US"/>
           </a:p>
         </p:txBody>
       </p:sp>
@@ -1002,7 +1005,7 @@
           <a:p>
             <a:pPr lvl="0"/>
             <a:r>
-              <a:rPr lang="ko-KR" altLang="en-US" smtClean="0"/>
+              <a:rPr lang="ko-KR" altLang="en-US"/>
               <a:t>마스터 텍스트 스타일 편집</a:t>
             </a:r>
           </a:p>
@@ -1025,7 +1028,7 @@
           <a:p>
             <a:fld id="{C12EFC74-BCF9-4D2F-93BF-D1053BDA4388}" type="datetimeFigureOut">
               <a:rPr lang="ko-KR" altLang="en-US" smtClean="0"/>
-              <a:t>2021-04-05</a:t>
+              <a:t>2021-04-06</a:t>
             </a:fld>
             <a:endParaRPr lang="ko-KR" altLang="en-US"/>
           </a:p>
@@ -1119,10 +1122,9 @@
           <a:lstStyle/>
           <a:p>
             <a:r>
-              <a:rPr lang="ko-KR" altLang="en-US" smtClean="0"/>
+              <a:rPr lang="ko-KR" altLang="en-US"/>
               <a:t>마스터 제목 스타일 편집</a:t>
             </a:r>
-            <a:endParaRPr lang="ko-KR" altLang="en-US"/>
           </a:p>
         </p:txBody>
       </p:sp>
@@ -1148,38 +1150,37 @@
           <a:p>
             <a:pPr lvl="0"/>
             <a:r>
-              <a:rPr lang="ko-KR" altLang="en-US" smtClean="0"/>
+              <a:rPr lang="ko-KR" altLang="en-US"/>
               <a:t>마스터 텍스트 스타일 편집</a:t>
             </a:r>
           </a:p>
           <a:p>
             <a:pPr lvl="1"/>
             <a:r>
-              <a:rPr lang="ko-KR" altLang="en-US" smtClean="0"/>
+              <a:rPr lang="ko-KR" altLang="en-US"/>
               <a:t>둘째 수준</a:t>
             </a:r>
           </a:p>
           <a:p>
             <a:pPr lvl="2"/>
             <a:r>
-              <a:rPr lang="ko-KR" altLang="en-US" smtClean="0"/>
+              <a:rPr lang="ko-KR" altLang="en-US"/>
               <a:t>셋째 수준</a:t>
             </a:r>
           </a:p>
           <a:p>
             <a:pPr lvl="3"/>
             <a:r>
-              <a:rPr lang="ko-KR" altLang="en-US" smtClean="0"/>
+              <a:rPr lang="ko-KR" altLang="en-US"/>
               <a:t>넷째 수준</a:t>
             </a:r>
           </a:p>
           <a:p>
             <a:pPr lvl="4"/>
             <a:r>
-              <a:rPr lang="ko-KR" altLang="en-US" smtClean="0"/>
+              <a:rPr lang="ko-KR" altLang="en-US"/>
               <a:t>다섯째 수준</a:t>
             </a:r>
-            <a:endParaRPr lang="ko-KR" altLang="en-US"/>
           </a:p>
         </p:txBody>
       </p:sp>
@@ -1205,38 +1206,37 @@
           <a:p>
             <a:pPr lvl="0"/>
             <a:r>
-              <a:rPr lang="ko-KR" altLang="en-US" smtClean="0"/>
+              <a:rPr lang="ko-KR" altLang="en-US"/>
               <a:t>마스터 텍스트 스타일 편집</a:t>
             </a:r>
           </a:p>
           <a:p>
             <a:pPr lvl="1"/>
             <a:r>
-              <a:rPr lang="ko-KR" altLang="en-US" smtClean="0"/>
+              <a:rPr lang="ko-KR" altLang="en-US"/>
               <a:t>둘째 수준</a:t>
             </a:r>
           </a:p>
           <a:p>
             <a:pPr lvl="2"/>
             <a:r>
-              <a:rPr lang="ko-KR" altLang="en-US" smtClean="0"/>
+              <a:rPr lang="ko-KR" altLang="en-US"/>
               <a:t>셋째 수준</a:t>
             </a:r>
           </a:p>
           <a:p>
             <a:pPr lvl="3"/>
             <a:r>
-              <a:rPr lang="ko-KR" altLang="en-US" smtClean="0"/>
+              <a:rPr lang="ko-KR" altLang="en-US"/>
               <a:t>넷째 수준</a:t>
             </a:r>
           </a:p>
           <a:p>
             <a:pPr lvl="4"/>
             <a:r>
-              <a:rPr lang="ko-KR" altLang="en-US" smtClean="0"/>
+              <a:rPr lang="ko-KR" altLang="en-US"/>
               <a:t>다섯째 수준</a:t>
             </a:r>
-            <a:endParaRPr lang="ko-KR" altLang="en-US"/>
           </a:p>
         </p:txBody>
       </p:sp>
@@ -1257,7 +1257,7 @@
           <a:p>
             <a:fld id="{C12EFC74-BCF9-4D2F-93BF-D1053BDA4388}" type="datetimeFigureOut">
               <a:rPr lang="ko-KR" altLang="en-US" smtClean="0"/>
-              <a:t>2021-04-05</a:t>
+              <a:t>2021-04-06</a:t>
             </a:fld>
             <a:endParaRPr lang="ko-KR" altLang="en-US"/>
           </a:p>
@@ -1356,10 +1356,9 @@
           <a:lstStyle/>
           <a:p>
             <a:r>
-              <a:rPr lang="ko-KR" altLang="en-US" smtClean="0"/>
+              <a:rPr lang="ko-KR" altLang="en-US"/>
               <a:t>마스터 제목 스타일 편집</a:t>
             </a:r>
-            <a:endParaRPr lang="ko-KR" altLang="en-US"/>
           </a:p>
         </p:txBody>
       </p:sp>
@@ -1422,7 +1421,7 @@
           <a:p>
             <a:pPr lvl="0"/>
             <a:r>
-              <a:rPr lang="ko-KR" altLang="en-US" smtClean="0"/>
+              <a:rPr lang="ko-KR" altLang="en-US"/>
               <a:t>마스터 텍스트 스타일 편집</a:t>
             </a:r>
           </a:p>
@@ -1450,38 +1449,37 @@
           <a:p>
             <a:pPr lvl="0"/>
             <a:r>
-              <a:rPr lang="ko-KR" altLang="en-US" smtClean="0"/>
+              <a:rPr lang="ko-KR" altLang="en-US"/>
               <a:t>마스터 텍스트 스타일 편집</a:t>
             </a:r>
           </a:p>
           <a:p>
             <a:pPr lvl="1"/>
             <a:r>
-              <a:rPr lang="ko-KR" altLang="en-US" smtClean="0"/>
+              <a:rPr lang="ko-KR" altLang="en-US"/>
               <a:t>둘째 수준</a:t>
             </a:r>
           </a:p>
           <a:p>
             <a:pPr lvl="2"/>
             <a:r>
-              <a:rPr lang="ko-KR" altLang="en-US" smtClean="0"/>
+              <a:rPr lang="ko-KR" altLang="en-US"/>
               <a:t>셋째 수준</a:t>
             </a:r>
           </a:p>
           <a:p>
             <a:pPr lvl="3"/>
             <a:r>
-              <a:rPr lang="ko-KR" altLang="en-US" smtClean="0"/>
+              <a:rPr lang="ko-KR" altLang="en-US"/>
               <a:t>넷째 수준</a:t>
             </a:r>
           </a:p>
           <a:p>
             <a:pPr lvl="4"/>
             <a:r>
-              <a:rPr lang="ko-KR" altLang="en-US" smtClean="0"/>
+              <a:rPr lang="ko-KR" altLang="en-US"/>
               <a:t>다섯째 수준</a:t>
             </a:r>
-            <a:endParaRPr lang="ko-KR" altLang="en-US"/>
           </a:p>
         </p:txBody>
       </p:sp>
@@ -1544,7 +1542,7 @@
           <a:p>
             <a:pPr lvl="0"/>
             <a:r>
-              <a:rPr lang="ko-KR" altLang="en-US" smtClean="0"/>
+              <a:rPr lang="ko-KR" altLang="en-US"/>
               <a:t>마스터 텍스트 스타일 편집</a:t>
             </a:r>
           </a:p>
@@ -1572,38 +1570,37 @@
           <a:p>
             <a:pPr lvl="0"/>
             <a:r>
-              <a:rPr lang="ko-KR" altLang="en-US" smtClean="0"/>
+              <a:rPr lang="ko-KR" altLang="en-US"/>
               <a:t>마스터 텍스트 스타일 편집</a:t>
             </a:r>
           </a:p>
           <a:p>
             <a:pPr lvl="1"/>
             <a:r>
-              <a:rPr lang="ko-KR" altLang="en-US" smtClean="0"/>
+              <a:rPr lang="ko-KR" altLang="en-US"/>
               <a:t>둘째 수준</a:t>
             </a:r>
           </a:p>
           <a:p>
             <a:pPr lvl="2"/>
             <a:r>
-              <a:rPr lang="ko-KR" altLang="en-US" smtClean="0"/>
+              <a:rPr lang="ko-KR" altLang="en-US"/>
               <a:t>셋째 수준</a:t>
             </a:r>
           </a:p>
           <a:p>
             <a:pPr lvl="3"/>
             <a:r>
-              <a:rPr lang="ko-KR" altLang="en-US" smtClean="0"/>
+              <a:rPr lang="ko-KR" altLang="en-US"/>
               <a:t>넷째 수준</a:t>
             </a:r>
           </a:p>
           <a:p>
             <a:pPr lvl="4"/>
             <a:r>
-              <a:rPr lang="ko-KR" altLang="en-US" smtClean="0"/>
+              <a:rPr lang="ko-KR" altLang="en-US"/>
               <a:t>다섯째 수준</a:t>
             </a:r>
-            <a:endParaRPr lang="ko-KR" altLang="en-US"/>
           </a:p>
         </p:txBody>
       </p:sp>
@@ -1624,7 +1621,7 @@
           <a:p>
             <a:fld id="{C12EFC74-BCF9-4D2F-93BF-D1053BDA4388}" type="datetimeFigureOut">
               <a:rPr lang="ko-KR" altLang="en-US" smtClean="0"/>
-              <a:t>2021-04-05</a:t>
+              <a:t>2021-04-06</a:t>
             </a:fld>
             <a:endParaRPr lang="ko-KR" altLang="en-US"/>
           </a:p>
@@ -1718,10 +1715,9 @@
           <a:lstStyle/>
           <a:p>
             <a:r>
-              <a:rPr lang="ko-KR" altLang="en-US" smtClean="0"/>
+              <a:rPr lang="ko-KR" altLang="en-US"/>
               <a:t>마스터 제목 스타일 편집</a:t>
             </a:r>
-            <a:endParaRPr lang="ko-KR" altLang="en-US"/>
           </a:p>
         </p:txBody>
       </p:sp>
@@ -1742,7 +1738,7 @@
           <a:p>
             <a:fld id="{C12EFC74-BCF9-4D2F-93BF-D1053BDA4388}" type="datetimeFigureOut">
               <a:rPr lang="ko-KR" altLang="en-US" smtClean="0"/>
-              <a:t>2021-04-05</a:t>
+              <a:t>2021-04-06</a:t>
             </a:fld>
             <a:endParaRPr lang="ko-KR" altLang="en-US"/>
           </a:p>
@@ -1837,7 +1833,7 @@
           <a:p>
             <a:fld id="{C12EFC74-BCF9-4D2F-93BF-D1053BDA4388}" type="datetimeFigureOut">
               <a:rPr lang="ko-KR" altLang="en-US" smtClean="0"/>
-              <a:t>2021-04-05</a:t>
+              <a:t>2021-04-06</a:t>
             </a:fld>
             <a:endParaRPr lang="ko-KR" altLang="en-US"/>
           </a:p>
@@ -1940,10 +1936,9 @@
           </a:lstStyle>
           <a:p>
             <a:r>
-              <a:rPr lang="ko-KR" altLang="en-US" smtClean="0"/>
+              <a:rPr lang="ko-KR" altLang="en-US"/>
               <a:t>마스터 제목 스타일 편집</a:t>
             </a:r>
-            <a:endParaRPr lang="ko-KR" altLang="en-US"/>
           </a:p>
         </p:txBody>
       </p:sp>
@@ -1997,38 +1992,37 @@
           <a:p>
             <a:pPr lvl="0"/>
             <a:r>
-              <a:rPr lang="ko-KR" altLang="en-US" smtClean="0"/>
+              <a:rPr lang="ko-KR" altLang="en-US"/>
               <a:t>마스터 텍스트 스타일 편집</a:t>
             </a:r>
           </a:p>
           <a:p>
             <a:pPr lvl="1"/>
             <a:r>
-              <a:rPr lang="ko-KR" altLang="en-US" smtClean="0"/>
+              <a:rPr lang="ko-KR" altLang="en-US"/>
               <a:t>둘째 수준</a:t>
             </a:r>
           </a:p>
           <a:p>
             <a:pPr lvl="2"/>
             <a:r>
-              <a:rPr lang="ko-KR" altLang="en-US" smtClean="0"/>
+              <a:rPr lang="ko-KR" altLang="en-US"/>
               <a:t>셋째 수준</a:t>
             </a:r>
           </a:p>
           <a:p>
             <a:pPr lvl="3"/>
             <a:r>
-              <a:rPr lang="ko-KR" altLang="en-US" smtClean="0"/>
+              <a:rPr lang="ko-KR" altLang="en-US"/>
               <a:t>넷째 수준</a:t>
             </a:r>
           </a:p>
           <a:p>
             <a:pPr lvl="4"/>
             <a:r>
-              <a:rPr lang="ko-KR" altLang="en-US" smtClean="0"/>
+              <a:rPr lang="ko-KR" altLang="en-US"/>
               <a:t>다섯째 수준</a:t>
             </a:r>
-            <a:endParaRPr lang="ko-KR" altLang="en-US"/>
           </a:p>
         </p:txBody>
       </p:sp>
@@ -2091,7 +2085,7 @@
           <a:p>
             <a:pPr lvl="0"/>
             <a:r>
-              <a:rPr lang="ko-KR" altLang="en-US" smtClean="0"/>
+              <a:rPr lang="ko-KR" altLang="en-US"/>
               <a:t>마스터 텍스트 스타일 편집</a:t>
             </a:r>
           </a:p>
@@ -2114,7 +2108,7 @@
           <a:p>
             <a:fld id="{C12EFC74-BCF9-4D2F-93BF-D1053BDA4388}" type="datetimeFigureOut">
               <a:rPr lang="ko-KR" altLang="en-US" smtClean="0"/>
-              <a:t>2021-04-05</a:t>
+              <a:t>2021-04-06</a:t>
             </a:fld>
             <a:endParaRPr lang="ko-KR" altLang="en-US"/>
           </a:p>
@@ -2217,10 +2211,9 @@
           </a:lstStyle>
           <a:p>
             <a:r>
-              <a:rPr lang="ko-KR" altLang="en-US" smtClean="0"/>
+              <a:rPr lang="ko-KR" altLang="en-US"/>
               <a:t>마스터 제목 스타일 편집</a:t>
             </a:r>
-            <a:endParaRPr lang="ko-KR" altLang="en-US"/>
           </a:p>
         </p:txBody>
       </p:sp>
@@ -2344,7 +2337,7 @@
           <a:p>
             <a:pPr lvl="0"/>
             <a:r>
-              <a:rPr lang="ko-KR" altLang="en-US" smtClean="0"/>
+              <a:rPr lang="ko-KR" altLang="en-US"/>
               <a:t>마스터 텍스트 스타일 편집</a:t>
             </a:r>
           </a:p>
@@ -2367,7 +2360,7 @@
           <a:p>
             <a:fld id="{C12EFC74-BCF9-4D2F-93BF-D1053BDA4388}" type="datetimeFigureOut">
               <a:rPr lang="ko-KR" altLang="en-US" smtClean="0"/>
-              <a:t>2021-04-05</a:t>
+              <a:t>2021-04-06</a:t>
             </a:fld>
             <a:endParaRPr lang="ko-KR" altLang="en-US"/>
           </a:p>
@@ -2476,10 +2469,9 @@
           <a:lstStyle/>
           <a:p>
             <a:r>
-              <a:rPr lang="ko-KR" altLang="en-US" smtClean="0"/>
+              <a:rPr lang="ko-KR" altLang="en-US"/>
               <a:t>마스터 제목 스타일 편집</a:t>
             </a:r>
-            <a:endParaRPr lang="ko-KR" altLang="en-US"/>
           </a:p>
         </p:txBody>
       </p:sp>
@@ -2510,38 +2502,37 @@
           <a:p>
             <a:pPr lvl="0"/>
             <a:r>
-              <a:rPr lang="ko-KR" altLang="en-US" smtClean="0"/>
+              <a:rPr lang="ko-KR" altLang="en-US"/>
               <a:t>마스터 텍스트 스타일 편집</a:t>
             </a:r>
           </a:p>
           <a:p>
             <a:pPr lvl="1"/>
             <a:r>
-              <a:rPr lang="ko-KR" altLang="en-US" smtClean="0"/>
+              <a:rPr lang="ko-KR" altLang="en-US"/>
               <a:t>둘째 수준</a:t>
             </a:r>
           </a:p>
           <a:p>
             <a:pPr lvl="2"/>
             <a:r>
-              <a:rPr lang="ko-KR" altLang="en-US" smtClean="0"/>
+              <a:rPr lang="ko-KR" altLang="en-US"/>
               <a:t>셋째 수준</a:t>
             </a:r>
           </a:p>
           <a:p>
             <a:pPr lvl="3"/>
             <a:r>
-              <a:rPr lang="ko-KR" altLang="en-US" smtClean="0"/>
+              <a:rPr lang="ko-KR" altLang="en-US"/>
               <a:t>넷째 수준</a:t>
             </a:r>
           </a:p>
           <a:p>
             <a:pPr lvl="4"/>
             <a:r>
-              <a:rPr lang="ko-KR" altLang="en-US" smtClean="0"/>
+              <a:rPr lang="ko-KR" altLang="en-US"/>
               <a:t>다섯째 수준</a:t>
             </a:r>
-            <a:endParaRPr lang="ko-KR" altLang="en-US"/>
           </a:p>
         </p:txBody>
       </p:sp>
@@ -2580,7 +2571,7 @@
           <a:p>
             <a:fld id="{C12EFC74-BCF9-4D2F-93BF-D1053BDA4388}" type="datetimeFigureOut">
               <a:rPr lang="ko-KR" altLang="en-US" smtClean="0"/>
-              <a:t>2021-04-05</a:t>
+              <a:t>2021-04-06</a:t>
             </a:fld>
             <a:endParaRPr lang="ko-KR" altLang="en-US"/>
           </a:p>
@@ -3884,7 +3875,7 @@
           <a:p>
             <a:pPr algn="ctr"/>
             <a:r>
-              <a:rPr lang="en-US" altLang="ko-KR" sz="3200" dirty="0" smtClean="0">
+              <a:rPr lang="en-US" altLang="ko-KR" sz="3200" dirty="0">
                 <a:solidFill>
                   <a:schemeClr val="bg1"/>
                 </a:solidFill>
@@ -3898,7 +3889,7 @@
           <a:p>
             <a:pPr algn="ctr"/>
             <a:r>
-              <a:rPr lang="en-US" altLang="ko-KR" sz="7600" dirty="0" smtClean="0">
+              <a:rPr lang="en-US" altLang="ko-KR" sz="7600" dirty="0">
                 <a:solidFill>
                   <a:schemeClr val="bg1"/>
                 </a:solidFill>
@@ -3940,21 +3931,21 @@
           <a:lstStyle/>
           <a:p>
             <a:r>
-              <a:rPr lang="ko-KR" altLang="en-US" dirty="0" smtClean="0">
+              <a:rPr lang="ko-KR" altLang="en-US" dirty="0">
                 <a:latin typeface="Open Sans Semibold" panose="020B0706030804020204" pitchFamily="34" charset="0"/>
                 <a:cs typeface="Open Sans Semibold" panose="020B0706030804020204" pitchFamily="34" charset="0"/>
               </a:rPr>
               <a:t>팀장</a:t>
             </a:r>
             <a:r>
-              <a:rPr lang="en-US" altLang="ko-KR" dirty="0" smtClean="0">
+              <a:rPr lang="en-US" altLang="ko-KR" dirty="0">
                 <a:latin typeface="Open Sans Semibold" panose="020B0706030804020204" pitchFamily="34" charset="0"/>
                 <a:cs typeface="Open Sans Semibold" panose="020B0706030804020204" pitchFamily="34" charset="0"/>
               </a:rPr>
               <a:t>:  </a:t>
             </a:r>
             <a:r>
-              <a:rPr lang="ko-KR" altLang="en-US" dirty="0" smtClean="0">
+              <a:rPr lang="ko-KR" altLang="en-US" dirty="0">
                 <a:latin typeface="Open Sans Semibold" panose="020B0706030804020204" pitchFamily="34" charset="0"/>
                 <a:cs typeface="Open Sans Semibold" panose="020B0706030804020204" pitchFamily="34" charset="0"/>
               </a:rPr>
@@ -3968,35 +3959,35 @@
           <a:p>
             <a:pPr algn="ctr"/>
             <a:r>
-              <a:rPr lang="ko-KR" altLang="en-US" dirty="0" smtClean="0">
+              <a:rPr lang="ko-KR" altLang="en-US" dirty="0">
                 <a:latin typeface="Open Sans Semibold" panose="020B0706030804020204" pitchFamily="34" charset="0"/>
                 <a:cs typeface="Open Sans Semibold" panose="020B0706030804020204" pitchFamily="34" charset="0"/>
               </a:rPr>
               <a:t>팀원</a:t>
             </a:r>
             <a:r>
-              <a:rPr lang="en-US" altLang="ko-KR" dirty="0" smtClean="0">
+              <a:rPr lang="en-US" altLang="ko-KR" dirty="0">
                 <a:latin typeface="Open Sans Semibold" panose="020B0706030804020204" pitchFamily="34" charset="0"/>
                 <a:cs typeface="Open Sans Semibold" panose="020B0706030804020204" pitchFamily="34" charset="0"/>
               </a:rPr>
               <a:t>: </a:t>
             </a:r>
             <a:r>
-              <a:rPr lang="ko-KR" altLang="en-US" dirty="0" err="1" smtClean="0">
+              <a:rPr lang="ko-KR" altLang="en-US" dirty="0" err="1">
                 <a:latin typeface="Open Sans Semibold" panose="020B0706030804020204" pitchFamily="34" charset="0"/>
                 <a:cs typeface="Open Sans Semibold" panose="020B0706030804020204" pitchFamily="34" charset="0"/>
               </a:rPr>
               <a:t>김택민</a:t>
             </a:r>
             <a:r>
-              <a:rPr lang="en-US" altLang="ko-KR" dirty="0" smtClean="0">
+              <a:rPr lang="en-US" altLang="ko-KR" dirty="0">
                 <a:latin typeface="Open Sans Semibold" panose="020B0706030804020204" pitchFamily="34" charset="0"/>
                 <a:cs typeface="Open Sans Semibold" panose="020B0706030804020204" pitchFamily="34" charset="0"/>
               </a:rPr>
               <a:t>, </a:t>
             </a:r>
             <a:r>
-              <a:rPr lang="ko-KR" altLang="en-US" dirty="0" smtClean="0">
+              <a:rPr lang="ko-KR" altLang="en-US" dirty="0">
                 <a:latin typeface="Open Sans Semibold" panose="020B0706030804020204" pitchFamily="34" charset="0"/>
                 <a:cs typeface="Open Sans Semibold" panose="020B0706030804020204" pitchFamily="34" charset="0"/>
               </a:rPr>
@@ -4019,13 +4010,6 @@
   <p:clrMapOvr>
     <a:masterClrMapping/>
   </p:clrMapOvr>
-  <p:timing>
-    <p:tnLst>
-      <p:par>
-        <p:cTn id="1" dur="indefinite" restart="never" nodeType="tmRoot"/>
-      </p:par>
-    </p:tnLst>
-  </p:timing>
 </p:sld>
 </file>
 
@@ -4362,7 +4346,7 @@
           <a:lstStyle/>
           <a:p>
             <a:r>
-              <a:rPr lang="en-US" altLang="ko-KR" sz="3200" dirty="0" smtClean="0">
+              <a:rPr lang="en-US" altLang="ko-KR" sz="3200" dirty="0">
                 <a:latin typeface="Open Sans Semibold" panose="020B0706030804020204" pitchFamily="34" charset="0"/>
                 <a:ea typeface="Open Sans Semibold" panose="020B0706030804020204" pitchFamily="34" charset="0"/>
                 <a:cs typeface="Open Sans Semibold" panose="020B0706030804020204" pitchFamily="34" charset="0"/>
@@ -4370,7 +4354,7 @@
               <a:t>UI </a:t>
             </a:r>
             <a:r>
-              <a:rPr lang="ko-KR" altLang="en-US" sz="3200" dirty="0" smtClean="0">
+              <a:rPr lang="ko-KR" altLang="en-US" sz="3200" dirty="0">
                 <a:latin typeface="Open Sans Semibold" panose="020B0706030804020204" pitchFamily="34" charset="0"/>
                 <a:ea typeface="Open Sans Semibold" panose="020B0706030804020204" pitchFamily="34" charset="0"/>
                 <a:cs typeface="Open Sans Semibold" panose="020B0706030804020204" pitchFamily="34" charset="0"/>
@@ -4393,7 +4377,7 @@
         <p:spPr>
           <a:xfrm>
             <a:off x="467123" y="305634"/>
-            <a:ext cx="364202" cy="461665"/>
+            <a:ext cx="351378" cy="461665"/>
           </a:xfrm>
           <a:prstGeom prst="rect">
             <a:avLst/>
@@ -4592,13 +4576,6 @@
   <p:clrMapOvr>
     <a:masterClrMapping/>
   </p:clrMapOvr>
-  <p:timing>
-    <p:tnLst>
-      <p:par>
-        <p:cTn id="1" dur="indefinite" restart="never" nodeType="tmRoot"/>
-      </p:par>
-    </p:tnLst>
-  </p:timing>
 </p:sld>
 </file>
 
@@ -4935,7 +4912,7 @@
           <a:lstStyle/>
           <a:p>
             <a:r>
-              <a:rPr lang="en-US" altLang="ko-KR" sz="3200" dirty="0" smtClean="0">
+              <a:rPr lang="en-US" altLang="ko-KR" sz="3200" dirty="0">
                 <a:latin typeface="Open Sans Semibold" panose="020B0706030804020204" pitchFamily="34" charset="0"/>
                 <a:ea typeface="Open Sans Semibold" panose="020B0706030804020204" pitchFamily="34" charset="0"/>
                 <a:cs typeface="Open Sans Semibold" panose="020B0706030804020204" pitchFamily="34" charset="0"/>
@@ -4943,7 +4920,7 @@
               <a:t>UI </a:t>
             </a:r>
             <a:r>
-              <a:rPr lang="ko-KR" altLang="en-US" sz="3200" dirty="0" smtClean="0">
+              <a:rPr lang="ko-KR" altLang="en-US" sz="3200" dirty="0">
                 <a:latin typeface="Open Sans Semibold" panose="020B0706030804020204" pitchFamily="34" charset="0"/>
                 <a:ea typeface="Open Sans Semibold" panose="020B0706030804020204" pitchFamily="34" charset="0"/>
                 <a:cs typeface="Open Sans Semibold" panose="020B0706030804020204" pitchFamily="34" charset="0"/>
@@ -4951,7 +4928,7 @@
               <a:t>기능 </a:t>
             </a:r>
             <a:r>
-              <a:rPr lang="en-US" altLang="ko-KR" sz="3200" dirty="0" smtClean="0">
+              <a:rPr lang="en-US" altLang="ko-KR" sz="3200" dirty="0">
                 <a:latin typeface="Open Sans Semibold" panose="020B0706030804020204" pitchFamily="34" charset="0"/>
                 <a:ea typeface="Open Sans Semibold" panose="020B0706030804020204" pitchFamily="34" charset="0"/>
                 <a:cs typeface="Open Sans Semibold" panose="020B0706030804020204" pitchFamily="34" charset="0"/>
@@ -4959,7 +4936,7 @@
               <a:t>– </a:t>
             </a:r>
             <a:r>
-              <a:rPr lang="ko-KR" altLang="en-US" sz="3200" b="1" dirty="0" smtClean="0">
+              <a:rPr lang="ko-KR" altLang="en-US" sz="3200" b="1" dirty="0">
                 <a:latin typeface="나눔고딕" panose="020D0604000000000000" pitchFamily="50" charset="-127"/>
                 <a:ea typeface="나눔고딕" panose="020D0604000000000000" pitchFamily="50" charset="-127"/>
                 <a:cs typeface="Open Sans Semibold" panose="020B0706030804020204" pitchFamily="34" charset="0"/>
@@ -4983,7 +4960,7 @@
         <p:spPr>
           <a:xfrm>
             <a:off x="467123" y="305634"/>
-            <a:ext cx="364202" cy="461665"/>
+            <a:ext cx="351378" cy="461665"/>
           </a:xfrm>
           <a:prstGeom prst="rect">
             <a:avLst/>
@@ -5182,13 +5159,6 @@
   <p:clrMapOvr>
     <a:masterClrMapping/>
   </p:clrMapOvr>
-  <p:timing>
-    <p:tnLst>
-      <p:par>
-        <p:cTn id="1" dur="indefinite" restart="never" nodeType="tmRoot"/>
-      </p:par>
-    </p:tnLst>
-  </p:timing>
 </p:sld>
 </file>
 
@@ -5525,7 +5495,7 @@
           <a:lstStyle/>
           <a:p>
             <a:r>
-              <a:rPr lang="en-US" altLang="ko-KR" sz="3200" dirty="0" smtClean="0">
+              <a:rPr lang="en-US" altLang="ko-KR" sz="3200" dirty="0">
                 <a:latin typeface="Open Sans Semibold" panose="020B0706030804020204" pitchFamily="34" charset="0"/>
                 <a:ea typeface="Open Sans Semibold" panose="020B0706030804020204" pitchFamily="34" charset="0"/>
                 <a:cs typeface="Open Sans Semibold" panose="020B0706030804020204" pitchFamily="34" charset="0"/>
@@ -5533,7 +5503,7 @@
               <a:t>UI </a:t>
             </a:r>
             <a:r>
-              <a:rPr lang="ko-KR" altLang="en-US" sz="3200" dirty="0" smtClean="0">
+              <a:rPr lang="ko-KR" altLang="en-US" sz="3200" dirty="0">
                 <a:latin typeface="Open Sans Semibold" panose="020B0706030804020204" pitchFamily="34" charset="0"/>
                 <a:ea typeface="Open Sans Semibold" panose="020B0706030804020204" pitchFamily="34" charset="0"/>
                 <a:cs typeface="Open Sans Semibold" panose="020B0706030804020204" pitchFamily="34" charset="0"/>
@@ -5541,7 +5511,7 @@
               <a:t>기능 </a:t>
             </a:r>
             <a:r>
-              <a:rPr lang="en-US" altLang="ko-KR" sz="3200" dirty="0" smtClean="0">
+              <a:rPr lang="en-US" altLang="ko-KR" sz="3200" dirty="0">
                 <a:latin typeface="Open Sans Semibold" panose="020B0706030804020204" pitchFamily="34" charset="0"/>
                 <a:ea typeface="Open Sans Semibold" panose="020B0706030804020204" pitchFamily="34" charset="0"/>
                 <a:cs typeface="Open Sans Semibold" panose="020B0706030804020204" pitchFamily="34" charset="0"/>
@@ -5549,7 +5519,7 @@
               <a:t>– </a:t>
             </a:r>
             <a:r>
-              <a:rPr lang="ko-KR" altLang="en-US" sz="3200" b="1" dirty="0" smtClean="0">
+              <a:rPr lang="ko-KR" altLang="en-US" sz="3200" b="1" dirty="0">
                 <a:latin typeface="Open Sans Semibold" panose="020B0706030804020204" pitchFamily="34" charset="0"/>
                 <a:ea typeface="Open Sans Semibold" panose="020B0706030804020204" pitchFamily="34" charset="0"/>
                 <a:cs typeface="Open Sans Semibold" panose="020B0706030804020204" pitchFamily="34" charset="0"/>
@@ -5572,7 +5542,7 @@
         <p:spPr>
           <a:xfrm>
             <a:off x="467123" y="305634"/>
-            <a:ext cx="364202" cy="461665"/>
+            <a:ext cx="351378" cy="461665"/>
           </a:xfrm>
           <a:prstGeom prst="rect">
             <a:avLst/>
@@ -5730,13 +5700,6 @@
   <p:clrMapOvr>
     <a:masterClrMapping/>
   </p:clrMapOvr>
-  <p:timing>
-    <p:tnLst>
-      <p:par>
-        <p:cTn id="1" dur="indefinite" restart="never" nodeType="tmRoot"/>
-      </p:par>
-    </p:tnLst>
-  </p:timing>
 </p:sld>
 </file>
 
@@ -6073,7 +6036,7 @@
           <a:lstStyle/>
           <a:p>
             <a:r>
-              <a:rPr lang="en-US" altLang="ko-KR" sz="3200" dirty="0" smtClean="0">
+              <a:rPr lang="en-US" altLang="ko-KR" sz="3200" dirty="0">
                 <a:latin typeface="Open Sans Semibold" panose="020B0706030804020204" pitchFamily="34" charset="0"/>
                 <a:ea typeface="Open Sans Semibold" panose="020B0706030804020204" pitchFamily="34" charset="0"/>
                 <a:cs typeface="Open Sans Semibold" panose="020B0706030804020204" pitchFamily="34" charset="0"/>
@@ -6081,7 +6044,7 @@
               <a:t>UI </a:t>
             </a:r>
             <a:r>
-              <a:rPr lang="ko-KR" altLang="en-US" sz="3200" dirty="0" smtClean="0">
+              <a:rPr lang="ko-KR" altLang="en-US" sz="3200" dirty="0">
                 <a:latin typeface="Open Sans Semibold" panose="020B0706030804020204" pitchFamily="34" charset="0"/>
                 <a:ea typeface="Open Sans Semibold" panose="020B0706030804020204" pitchFamily="34" charset="0"/>
                 <a:cs typeface="Open Sans Semibold" panose="020B0706030804020204" pitchFamily="34" charset="0"/>
@@ -6089,7 +6052,7 @@
               <a:t>기능 </a:t>
             </a:r>
             <a:r>
-              <a:rPr lang="en-US" altLang="ko-KR" sz="3200" dirty="0" smtClean="0">
+              <a:rPr lang="en-US" altLang="ko-KR" sz="3200" dirty="0">
                 <a:latin typeface="Open Sans Semibold" panose="020B0706030804020204" pitchFamily="34" charset="0"/>
                 <a:ea typeface="Open Sans Semibold" panose="020B0706030804020204" pitchFamily="34" charset="0"/>
                 <a:cs typeface="Open Sans Semibold" panose="020B0706030804020204" pitchFamily="34" charset="0"/>
@@ -6097,7 +6060,7 @@
               <a:t>– </a:t>
             </a:r>
             <a:r>
-              <a:rPr lang="ko-KR" altLang="en-US" sz="3200" b="1" dirty="0" smtClean="0">
+              <a:rPr lang="ko-KR" altLang="en-US" sz="3200" b="1" dirty="0">
                 <a:latin typeface="Open Sans Semibold" panose="020B0706030804020204" pitchFamily="34" charset="0"/>
                 <a:ea typeface="Open Sans Semibold" panose="020B0706030804020204" pitchFamily="34" charset="0"/>
                 <a:cs typeface="Open Sans Semibold" panose="020B0706030804020204" pitchFamily="34" charset="0"/>
@@ -6120,7 +6083,7 @@
         <p:spPr>
           <a:xfrm>
             <a:off x="467123" y="305634"/>
-            <a:ext cx="364202" cy="461665"/>
+            <a:ext cx="351378" cy="461665"/>
           </a:xfrm>
           <a:prstGeom prst="rect">
             <a:avLst/>
@@ -6237,13 +6200,6 @@
   <p:clrMapOvr>
     <a:masterClrMapping/>
   </p:clrMapOvr>
-  <p:timing>
-    <p:tnLst>
-      <p:par>
-        <p:cTn id="1" dur="indefinite" restart="never" nodeType="tmRoot"/>
-      </p:par>
-    </p:tnLst>
-  </p:timing>
 </p:sld>
 </file>
 
@@ -6272,7 +6228,7 @@
         </p:nvGrpSpPr>
         <p:grpSpPr>
           <a:xfrm>
-            <a:off x="209445" y="243900"/>
+            <a:off x="209445" y="242387"/>
             <a:ext cx="892846" cy="620396"/>
             <a:chOff x="3433483" y="1542298"/>
             <a:chExt cx="5638800" cy="3558988"/>
@@ -6580,7 +6536,7 @@
           <a:lstStyle/>
           <a:p>
             <a:r>
-              <a:rPr lang="ko-KR" altLang="en-US" sz="3200" b="1" dirty="0" smtClean="0">
+              <a:rPr lang="ko-KR" altLang="en-US" sz="3200" b="1" dirty="0">
                 <a:latin typeface="나눔고딕" panose="020D0604000000000000" pitchFamily="50" charset="-127"/>
                 <a:ea typeface="나눔고딕" panose="020D0604000000000000" pitchFamily="50" charset="-127"/>
                 <a:cs typeface="Open Sans Semibold" panose="020B0706030804020204" pitchFamily="34" charset="0"/>
@@ -6603,8 +6559,8 @@
         </p:nvSpPr>
         <p:spPr>
           <a:xfrm>
-            <a:off x="467123" y="305634"/>
-            <a:ext cx="364202" cy="461665"/>
+            <a:off x="461726" y="305634"/>
+            <a:ext cx="351378" cy="461665"/>
           </a:xfrm>
           <a:prstGeom prst="rect">
             <a:avLst/>
@@ -6656,7 +6612,7 @@
               </a:lnSpc>
             </a:pPr>
             <a:r>
-              <a:rPr lang="ko-KR" altLang="en-US" sz="2400" b="1" dirty="0" smtClean="0">
+              <a:rPr lang="ko-KR" altLang="en-US" sz="2400" b="1" dirty="0">
                 <a:latin typeface="Open Sans Extrabold" panose="020B0906030804020204" pitchFamily="34" charset="0"/>
                 <a:ea typeface="Open Sans Extrabold" panose="020B0906030804020204" pitchFamily="34" charset="0"/>
                 <a:cs typeface="Open Sans Extrabold" panose="020B0906030804020204" pitchFamily="34" charset="0"/>
@@ -6731,44 +6687,27 @@
           <a:lstStyle/>
           <a:p>
             <a:r>
-              <a:rPr lang="ko-KR" altLang="en-US" sz="1600" dirty="0" smtClean="0"/>
-              <a:t>두 </a:t>
-            </a:r>
-            <a:r>
               <a:rPr lang="ko-KR" altLang="en-US" sz="1600" dirty="0"/>
-              <a:t>번째 프로젝트는 첫 번째 프로젝트에서 각자가 부족한 부분을 느끼고</a:t>
+              <a:t>두 번째 프로젝트는 첫 번째 프로젝트에서 각자가 부족한 부분을 느끼고</a:t>
             </a:r>
           </a:p>
           <a:p>
             <a:r>
               <a:rPr lang="ko-KR" altLang="en-US" sz="1600" dirty="0"/>
-              <a:t>더 </a:t>
-            </a:r>
-            <a:r>
-              <a:rPr lang="ko-KR" altLang="en-US" sz="1600" dirty="0" smtClean="0"/>
-              <a:t>발전된 모습으로 </a:t>
-            </a:r>
-            <a:r>
-              <a:rPr lang="ko-KR" altLang="en-US" sz="1600" dirty="0"/>
-              <a:t>프로젝트에 참여하게 되었다</a:t>
+              <a:t>더 발전된 모습으로 프로젝트에 참여하게 되었다</a:t>
             </a:r>
             <a:r>
               <a:rPr lang="en-US" altLang="ko-KR" sz="1600" dirty="0"/>
               <a:t>. </a:t>
             </a:r>
-            <a:endParaRPr lang="en-US" altLang="ko-KR" sz="1600" dirty="0" smtClean="0"/>
           </a:p>
           <a:p>
             <a:endParaRPr lang="en-US" altLang="ko-KR" sz="1600" dirty="0"/>
           </a:p>
           <a:p>
             <a:r>
-              <a:rPr lang="ko-KR" altLang="en-US" sz="1600" dirty="0" smtClean="0"/>
-              <a:t>내 </a:t>
-            </a:r>
-            <a:r>
               <a:rPr lang="ko-KR" altLang="en-US" sz="1600" dirty="0"/>
-              <a:t>스스로도 </a:t>
+              <a:t>내 스스로도 </a:t>
             </a:r>
             <a:r>
               <a:rPr lang="en-US" altLang="ko-KR" sz="1600" dirty="0"/>
@@ -6825,12 +6764,8 @@
           </a:p>
           <a:p>
             <a:r>
-              <a:rPr lang="ko-KR" altLang="en-US" sz="1600" dirty="0" smtClean="0"/>
-              <a:t>알고 보니 </a:t>
-            </a:r>
-            <a:r>
               <a:rPr lang="ko-KR" altLang="en-US" sz="1600" dirty="0"/>
-              <a:t>구조가 이상해서 다시 뜯어고치고 피드백을 서로 주고받는 경험도 아주 좋았다</a:t>
+              <a:t>알고 보니 구조가 이상해서 다시 뜯어고치고 피드백을 서로 주고받는 경험도 아주 좋았다</a:t>
             </a:r>
             <a:r>
               <a:rPr lang="en-US" altLang="ko-KR" sz="1600" dirty="0"/>
@@ -6852,16 +6787,11 @@
               <a:rPr lang="en-US" altLang="ko-KR" sz="1600" dirty="0"/>
               <a:t>. </a:t>
             </a:r>
-            <a:endParaRPr lang="en-US" altLang="ko-KR" sz="1600" dirty="0" smtClean="0"/>
-          </a:p>
-          <a:p>
-            <a:r>
-              <a:rPr lang="ko-KR" altLang="en-US" sz="1600" dirty="0" smtClean="0"/>
-              <a:t>이번 </a:t>
-            </a:r>
+          </a:p>
+          <a:p>
             <a:r>
               <a:rPr lang="ko-KR" altLang="en-US" sz="1600" dirty="0"/>
-              <a:t>프로젝트에서 시장 데이터를 직접 </a:t>
+              <a:t>이번 프로젝트에서 시장 데이터를 직접 </a:t>
             </a:r>
             <a:r>
               <a:rPr lang="ko-KR" altLang="en-US" sz="1600" dirty="0" err="1"/>
@@ -6908,13 +6838,6 @@
   <p:clrMapOvr>
     <a:masterClrMapping/>
   </p:clrMapOvr>
-  <p:timing>
-    <p:tnLst>
-      <p:par>
-        <p:cTn id="1" dur="indefinite" restart="never" nodeType="tmRoot"/>
-      </p:par>
-    </p:tnLst>
-  </p:timing>
 </p:sld>
 </file>
 
@@ -7251,7 +7174,7 @@
           <a:lstStyle/>
           <a:p>
             <a:r>
-              <a:rPr lang="ko-KR" altLang="en-US" sz="3200" b="1" dirty="0" smtClean="0">
+              <a:rPr lang="ko-KR" altLang="en-US" sz="3200" b="1" dirty="0">
                 <a:latin typeface="나눔고딕" panose="020D0604000000000000" pitchFamily="50" charset="-127"/>
                 <a:ea typeface="나눔고딕" panose="020D0604000000000000" pitchFamily="50" charset="-127"/>
                 <a:cs typeface="Open Sans Semibold" panose="020B0706030804020204" pitchFamily="34" charset="0"/>
@@ -7274,8 +7197,8 @@
         </p:nvSpPr>
         <p:spPr>
           <a:xfrm>
-            <a:off x="467123" y="305634"/>
-            <a:ext cx="364202" cy="461665"/>
+            <a:off x="461726" y="305634"/>
+            <a:ext cx="351378" cy="461665"/>
           </a:xfrm>
           <a:prstGeom prst="rect">
             <a:avLst/>
@@ -7327,20 +7250,12 @@
               </a:lnSpc>
             </a:pPr>
             <a:r>
-              <a:rPr lang="ko-KR" altLang="en-US" sz="2400" b="1" dirty="0" err="1" smtClean="0">
-                <a:latin typeface="Open Sans Extrabold" panose="020B0906030804020204" pitchFamily="34" charset="0"/>
-                <a:ea typeface="Open Sans Extrabold" panose="020B0906030804020204" pitchFamily="34" charset="0"/>
-                <a:cs typeface="Open Sans Extrabold" panose="020B0906030804020204" pitchFamily="34" charset="0"/>
-              </a:rPr>
-              <a:t>김택</a:t>
-            </a:r>
-            <a:r>
               <a:rPr lang="ko-KR" altLang="en-US" sz="2400" b="1" dirty="0" err="1">
                 <a:latin typeface="Open Sans Extrabold" panose="020B0906030804020204" pitchFamily="34" charset="0"/>
                 <a:ea typeface="Open Sans Extrabold" panose="020B0906030804020204" pitchFamily="34" charset="0"/>
                 <a:cs typeface="Open Sans Extrabold" panose="020B0906030804020204" pitchFamily="34" charset="0"/>
               </a:rPr>
-              <a:t>민</a:t>
+              <a:t>김택민</a:t>
             </a:r>
             <a:endParaRPr lang="en-US" altLang="ko-KR" sz="2400" b="1" dirty="0">
               <a:latin typeface="Open Sans Extrabold" panose="020B0906030804020204" pitchFamily="34" charset="0"/>
@@ -7422,11 +7337,11 @@
               <a:t>주 시뮬레이션에서 실패를 맛보고 들어갔던 실제 프로젝트 </a:t>
             </a:r>
             <a:r>
-              <a:rPr lang="ko-KR" altLang="en-US" sz="1600" dirty="0" smtClean="0"/>
+              <a:rPr lang="ko-KR" altLang="en-US" sz="1600" dirty="0"/>
               <a:t>이기 때문에</a:t>
             </a:r>
             <a:r>
-              <a:rPr lang="ko-KR" altLang="ko-KR" sz="1600" dirty="0" smtClean="0"/>
+              <a:rPr lang="ko-KR" altLang="ko-KR" sz="1600" dirty="0"/>
               <a:t> </a:t>
             </a:r>
             <a:r>
@@ -7435,23 +7350,15 @@
             </a:r>
             <a:r>
               <a:rPr lang="ko-KR" altLang="ko-KR" sz="1600" dirty="0"/>
-              <a:t>내 몫은 </a:t>
-            </a:r>
-            <a:r>
-              <a:rPr lang="ko-KR" altLang="ko-KR" sz="1600" dirty="0" smtClean="0"/>
-              <a:t>해낼</a:t>
-            </a:r>
-            <a:r>
-              <a:rPr lang="en-US" altLang="ko-KR" sz="1600" dirty="0" smtClean="0"/>
+              <a:t>내 몫은 해낼</a:t>
+            </a:r>
+            <a:r>
+              <a:rPr lang="en-US" altLang="ko-KR" sz="1600" dirty="0"/>
               <a:t> </a:t>
             </a:r>
             <a:r>
-              <a:rPr lang="ko-KR" altLang="ko-KR" sz="1600" dirty="0" smtClean="0"/>
-              <a:t>수 </a:t>
-            </a:r>
-            <a:r>
               <a:rPr lang="ko-KR" altLang="ko-KR" sz="1600" dirty="0"/>
-              <a:t>있을까</a:t>
+              <a:t>수 있을까</a:t>
             </a:r>
             <a:r>
               <a:rPr lang="en-US" altLang="ko-KR" sz="1600" dirty="0"/>
@@ -7459,23 +7366,15 @@
             </a:r>
             <a:r>
               <a:rPr lang="ko-KR" altLang="ko-KR" sz="1600" dirty="0"/>
-              <a:t>하는 걱정이 </a:t>
-            </a:r>
-            <a:r>
-              <a:rPr lang="ko-KR" altLang="ko-KR" sz="1600" dirty="0" smtClean="0"/>
-              <a:t>머리</a:t>
-            </a:r>
-            <a:r>
-              <a:rPr lang="en-US" altLang="ko-KR" sz="1600" dirty="0" smtClean="0"/>
+              <a:t>하는 걱정이 머리</a:t>
+            </a:r>
+            <a:r>
+              <a:rPr lang="en-US" altLang="ko-KR" sz="1600" dirty="0"/>
               <a:t> </a:t>
             </a:r>
             <a:r>
-              <a:rPr lang="ko-KR" altLang="ko-KR" sz="1600" dirty="0" smtClean="0"/>
-              <a:t>속에 </a:t>
-            </a:r>
-            <a:r>
               <a:rPr lang="ko-KR" altLang="ko-KR" sz="1600" dirty="0"/>
-              <a:t>아른거렸다</a:t>
+              <a:t>속에 아른거렸다</a:t>
             </a:r>
             <a:r>
               <a:rPr lang="en-US" altLang="ko-KR" sz="1600" dirty="0"/>
@@ -7484,55 +7383,38 @@
           </a:p>
           <a:p>
             <a:r>
-              <a:rPr lang="ko-KR" altLang="ko-KR" sz="1600" dirty="0" smtClean="0"/>
-              <a:t>역량 </a:t>
-            </a:r>
-            <a:r>
               <a:rPr lang="ko-KR" altLang="ko-KR" sz="1600" dirty="0"/>
-              <a:t>부족으로 알고리즘을 많이 못 </a:t>
-            </a:r>
-            <a:r>
-              <a:rPr lang="ko-KR" altLang="ko-KR" sz="1600" dirty="0" smtClean="0"/>
-              <a:t>넣은</a:t>
-            </a:r>
-            <a:r>
-              <a:rPr lang="en-US" altLang="ko-KR" sz="1600" dirty="0" smtClean="0"/>
+              <a:t>역량 부족으로 알고리즘을 많이 못 넣은</a:t>
+            </a:r>
+            <a:r>
+              <a:rPr lang="en-US" altLang="ko-KR" sz="1600" dirty="0"/>
               <a:t> </a:t>
             </a:r>
             <a:r>
-              <a:rPr lang="ko-KR" altLang="en-US" sz="1600" dirty="0" smtClean="0"/>
+              <a:rPr lang="ko-KR" altLang="en-US" sz="1600" dirty="0"/>
               <a:t>것이</a:t>
             </a:r>
             <a:r>
-              <a:rPr lang="ko-KR" altLang="ko-KR" sz="1600" dirty="0" smtClean="0"/>
-              <a:t> </a:t>
-            </a:r>
-            <a:r>
               <a:rPr lang="ko-KR" altLang="ko-KR" sz="1600" dirty="0"/>
-              <a:t>아쉬운 프로젝트였다</a:t>
+              <a:t> 아쉬운 프로젝트였다</a:t>
             </a:r>
             <a:r>
               <a:rPr lang="en-US" altLang="ko-KR" sz="1600" dirty="0"/>
               <a:t>. </a:t>
             </a:r>
-            <a:endParaRPr lang="en-US" altLang="ko-KR" sz="1600" dirty="0" smtClean="0"/>
-          </a:p>
-          <a:p>
-            <a:r>
-              <a:rPr lang="ko-KR" altLang="ko-KR" sz="1600" dirty="0" smtClean="0"/>
+          </a:p>
+          <a:p>
+            <a:r>
+              <a:rPr lang="ko-KR" altLang="ko-KR" sz="1600" dirty="0"/>
               <a:t>하지만 배운</a:t>
             </a:r>
             <a:r>
-              <a:rPr lang="en-US" altLang="ko-KR" sz="1600" dirty="0" smtClean="0"/>
+              <a:rPr lang="en-US" altLang="ko-KR" sz="1600" dirty="0"/>
               <a:t> </a:t>
             </a:r>
             <a:r>
-              <a:rPr lang="ko-KR" altLang="ko-KR" sz="1600" dirty="0" smtClean="0"/>
-              <a:t>것도 </a:t>
-            </a:r>
-            <a:r>
               <a:rPr lang="ko-KR" altLang="ko-KR" sz="1600" dirty="0"/>
-              <a:t>많은 프로젝트 였다</a:t>
+              <a:t>것도 많은 프로젝트 였다</a:t>
             </a:r>
             <a:r>
               <a:rPr lang="en-US" altLang="ko-KR" sz="1600" dirty="0"/>
@@ -7556,18 +7438,14 @@
             </a:r>
             <a:r>
               <a:rPr lang="ko-KR" altLang="ko-KR" sz="1600" dirty="0"/>
-              <a:t>이래서 </a:t>
-            </a:r>
-            <a:r>
-              <a:rPr lang="ko-KR" altLang="ko-KR" sz="1600" dirty="0" smtClean="0"/>
-              <a:t>코딩</a:t>
-            </a:r>
-            <a:r>
-              <a:rPr lang="en-US" altLang="ko-KR" sz="1600" dirty="0" smtClean="0"/>
+              <a:t>이래서 코딩</a:t>
+            </a:r>
+            <a:r>
+              <a:rPr lang="en-US" altLang="ko-KR" sz="1600" dirty="0"/>
               <a:t> </a:t>
             </a:r>
             <a:r>
-              <a:rPr lang="ko-KR" altLang="ko-KR" sz="1600" dirty="0" smtClean="0"/>
+              <a:rPr lang="ko-KR" altLang="ko-KR" sz="1600" dirty="0"/>
               <a:t>하는구나</a:t>
             </a:r>
             <a:r>
@@ -7582,32 +7460,19 @@
               <a:rPr lang="en-US" altLang="ko-KR" sz="1600" dirty="0"/>
               <a:t>. </a:t>
             </a:r>
-            <a:endParaRPr lang="en-US" altLang="ko-KR" sz="1600" dirty="0" smtClean="0"/>
-          </a:p>
-          <a:p>
-            <a:r>
-              <a:rPr lang="ko-KR" altLang="ko-KR" sz="1600" dirty="0" smtClean="0"/>
-              <a:t>팀장의 </a:t>
-            </a:r>
+          </a:p>
+          <a:p>
             <a:r>
               <a:rPr lang="ko-KR" altLang="ko-KR" sz="1600" dirty="0"/>
-              <a:t>피드백을 무조건적으로 받아 </a:t>
-            </a:r>
-            <a:r>
-              <a:rPr lang="ko-KR" altLang="ko-KR" sz="1600" dirty="0" smtClean="0"/>
-              <a:t>들인</a:t>
-            </a:r>
-            <a:r>
-              <a:rPr lang="en-US" altLang="ko-KR" sz="1600" dirty="0" smtClean="0"/>
+              <a:t>팀장의 피드백을 무조건적으로 받아 들인</a:t>
+            </a:r>
+            <a:r>
+              <a:rPr lang="en-US" altLang="ko-KR" sz="1600" dirty="0"/>
               <a:t> </a:t>
             </a:r>
             <a:r>
-              <a:rPr lang="ko-KR" altLang="ko-KR" sz="1600" dirty="0" smtClean="0"/>
-              <a:t>게 </a:t>
-            </a:r>
-            <a:r>
               <a:rPr lang="ko-KR" altLang="ko-KR" sz="1600" dirty="0"/>
-              <a:t>실력이 향상되는데 많은 도움이 되었다</a:t>
+              <a:t>게 실력이 향상되는데 많은 도움이 되었다</a:t>
             </a:r>
             <a:r>
               <a:rPr lang="en-US" altLang="ko-KR" sz="1600" dirty="0"/>
@@ -7621,35 +7486,22 @@
               <a:rPr lang="en-US" altLang="ko-KR" sz="1600" dirty="0"/>
               <a:t>. </a:t>
             </a:r>
-            <a:endParaRPr lang="en-US" altLang="ko-KR" sz="1600" dirty="0" smtClean="0"/>
-          </a:p>
-          <a:p>
-            <a:r>
-              <a:rPr lang="ko-KR" altLang="ko-KR" sz="1600" dirty="0" smtClean="0"/>
-              <a:t>그 </a:t>
-            </a:r>
+          </a:p>
+          <a:p>
             <a:r>
               <a:rPr lang="ko-KR" altLang="ko-KR" sz="1600" dirty="0"/>
-              <a:t>결과가 조금이라도 </a:t>
-            </a:r>
-            <a:r>
-              <a:rPr lang="ko-KR" altLang="ko-KR" sz="1600" dirty="0" smtClean="0"/>
-              <a:t>드러난</a:t>
-            </a:r>
-            <a:r>
-              <a:rPr lang="en-US" altLang="ko-KR" sz="1600" dirty="0" smtClean="0"/>
+              <a:t>그 결과가 조금이라도 드러난</a:t>
+            </a:r>
+            <a:r>
+              <a:rPr lang="en-US" altLang="ko-KR" sz="1600" dirty="0"/>
               <a:t> </a:t>
             </a:r>
             <a:r>
-              <a:rPr lang="ko-KR" altLang="ko-KR" sz="1600" dirty="0" smtClean="0"/>
-              <a:t>게 </a:t>
-            </a:r>
-            <a:r>
               <a:rPr lang="ko-KR" altLang="ko-KR" sz="1600" dirty="0"/>
-              <a:t>무척 좋았다 앞으로도 어디를 가던 이런 마음가짐으로 한다면 안될 건 없다고 생각한다</a:t>
-            </a:r>
-            <a:r>
-              <a:rPr lang="en-US" altLang="ko-KR" sz="1600" dirty="0" smtClean="0"/>
+              <a:t>게 무척 좋았다 앞으로도 어디를 가던 이런 마음가짐으로 한다면 안될 건 없다고 생각한다</a:t>
+            </a:r>
+            <a:r>
+              <a:rPr lang="en-US" altLang="ko-KR" sz="1600" dirty="0"/>
               <a:t>.</a:t>
             </a:r>
           </a:p>
@@ -7666,16 +7518,12 @@
               <a:t> </a:t>
             </a:r>
             <a:r>
-              <a:rPr lang="ko-KR" altLang="en-US" sz="1600" dirty="0" smtClean="0"/>
+              <a:rPr lang="ko-KR" altLang="en-US" sz="1600" dirty="0"/>
               <a:t>팀원</a:t>
             </a:r>
             <a:r>
-              <a:rPr lang="ko-KR" altLang="ko-KR" sz="1600" dirty="0" smtClean="0"/>
-              <a:t>과 </a:t>
-            </a:r>
-            <a:r>
               <a:rPr lang="ko-KR" altLang="ko-KR" sz="1600" dirty="0"/>
-              <a:t>팀장님께 감사의 인사를 올립니다</a:t>
+              <a:t>과 팀장님께 감사의 인사를 올립니다</a:t>
             </a:r>
             <a:r>
               <a:rPr lang="en-US" altLang="ko-KR" sz="1600" dirty="0"/>
@@ -7695,13 +7543,6 @@
   <p:clrMapOvr>
     <a:masterClrMapping/>
   </p:clrMapOvr>
-  <p:timing>
-    <p:tnLst>
-      <p:par>
-        <p:cTn id="1" dur="indefinite" restart="never" nodeType="tmRoot"/>
-      </p:par>
-    </p:tnLst>
-  </p:timing>
 </p:sld>
 </file>
 
@@ -8038,7 +7879,7 @@
           <a:lstStyle/>
           <a:p>
             <a:r>
-              <a:rPr lang="ko-KR" altLang="en-US" sz="3200" b="1" dirty="0" smtClean="0">
+              <a:rPr lang="ko-KR" altLang="en-US" sz="3200" b="1" dirty="0">
                 <a:latin typeface="나눔고딕" panose="020D0604000000000000" pitchFamily="50" charset="-127"/>
                 <a:ea typeface="나눔고딕" panose="020D0604000000000000" pitchFamily="50" charset="-127"/>
                 <a:cs typeface="Open Sans Semibold" panose="020B0706030804020204" pitchFamily="34" charset="0"/>
@@ -8061,8 +7902,8 @@
         </p:nvSpPr>
         <p:spPr>
           <a:xfrm>
-            <a:off x="467123" y="305634"/>
-            <a:ext cx="364202" cy="461665"/>
+            <a:off x="461726" y="305634"/>
+            <a:ext cx="351378" cy="461665"/>
           </a:xfrm>
           <a:prstGeom prst="rect">
             <a:avLst/>
@@ -8114,20 +7955,12 @@
               </a:lnSpc>
             </a:pPr>
             <a:r>
-              <a:rPr lang="ko-KR" altLang="en-US" sz="2400" b="1" dirty="0" smtClean="0">
-                <a:latin typeface="Open Sans Extrabold" panose="020B0906030804020204" pitchFamily="34" charset="0"/>
-                <a:ea typeface="Open Sans Extrabold" panose="020B0906030804020204" pitchFamily="34" charset="0"/>
-                <a:cs typeface="Open Sans Extrabold" panose="020B0906030804020204" pitchFamily="34" charset="0"/>
-              </a:rPr>
-              <a:t>허선</a:t>
-            </a:r>
-            <a:r>
               <a:rPr lang="ko-KR" altLang="en-US" sz="2400" b="1" dirty="0">
                 <a:latin typeface="Open Sans Extrabold" panose="020B0906030804020204" pitchFamily="34" charset="0"/>
                 <a:ea typeface="Open Sans Extrabold" panose="020B0906030804020204" pitchFamily="34" charset="0"/>
                 <a:cs typeface="Open Sans Extrabold" panose="020B0906030804020204" pitchFamily="34" charset="0"/>
               </a:rPr>
-              <a:t>영</a:t>
+              <a:t>허선영</a:t>
             </a:r>
             <a:endParaRPr lang="en-US" altLang="ko-KR" sz="2400" b="1" dirty="0">
               <a:latin typeface="Open Sans Extrabold" panose="020B0906030804020204" pitchFamily="34" charset="0"/>
@@ -8197,51 +8030,51 @@
           <a:lstStyle/>
           <a:p>
             <a:r>
-              <a:rPr lang="en-US" altLang="ko-KR" sz="1600" dirty="0" smtClean="0"/>
+              <a:rPr lang="en-US" altLang="ko-KR" sz="1600" dirty="0"/>
               <a:t>“</a:t>
             </a:r>
             <a:r>
-              <a:rPr lang="ko-KR" altLang="en-US" sz="1600" dirty="0" smtClean="0"/>
+              <a:rPr lang="ko-KR" altLang="en-US" sz="1600" dirty="0"/>
               <a:t>부분으로 전체를 추론할 수 있다</a:t>
             </a:r>
             <a:r>
-              <a:rPr lang="en-US" altLang="ko-KR" sz="1600" dirty="0" smtClean="0"/>
+              <a:rPr lang="en-US" altLang="ko-KR" sz="1600" dirty="0"/>
               <a:t>.” </a:t>
             </a:r>
             <a:r>
-              <a:rPr lang="ko-KR" altLang="en-US" sz="1600" dirty="0" smtClean="0"/>
+              <a:rPr lang="ko-KR" altLang="en-US" sz="1600" dirty="0"/>
               <a:t>로 출발했습니다</a:t>
             </a:r>
             <a:r>
-              <a:rPr lang="en-US" altLang="ko-KR" sz="1600" dirty="0" smtClean="0"/>
+              <a:rPr lang="en-US" altLang="ko-KR" sz="1600" dirty="0"/>
               <a:t>.</a:t>
             </a:r>
           </a:p>
           <a:p>
             <a:r>
-              <a:rPr lang="ko-KR" altLang="en-US" sz="1600" dirty="0" smtClean="0"/>
+              <a:rPr lang="ko-KR" altLang="en-US" sz="1600" dirty="0"/>
               <a:t>극히 일부의 데이터이기 때문에 종목을 고를 때에도 신중을 가했고</a:t>
             </a:r>
             <a:r>
-              <a:rPr lang="en-US" altLang="ko-KR" sz="1600" dirty="0" smtClean="0"/>
+              <a:rPr lang="en-US" altLang="ko-KR" sz="1600" dirty="0"/>
               <a:t>, </a:t>
             </a:r>
             <a:r>
-              <a:rPr lang="ko-KR" altLang="en-US" sz="1600" dirty="0" smtClean="0"/>
+              <a:rPr lang="ko-KR" altLang="en-US" sz="1600" dirty="0"/>
               <a:t>특성과 다양성을 고려했습니다</a:t>
             </a:r>
             <a:r>
-              <a:rPr lang="en-US" altLang="ko-KR" sz="1600" dirty="0" smtClean="0"/>
+              <a:rPr lang="en-US" altLang="ko-KR" sz="1600" dirty="0"/>
               <a:t>.</a:t>
             </a:r>
           </a:p>
           <a:p>
             <a:r>
-              <a:rPr lang="ko-KR" altLang="en-US" sz="1600" dirty="0" smtClean="0"/>
+              <a:rPr lang="ko-KR" altLang="en-US" sz="1600" dirty="0"/>
               <a:t>사실 처음에는 소수의 데이터로 전체를 추론하는 것은 불가능 할 것이라고 생각했습니다</a:t>
             </a:r>
             <a:r>
-              <a:rPr lang="en-US" altLang="ko-KR" sz="1600" dirty="0" smtClean="0"/>
+              <a:rPr lang="en-US" altLang="ko-KR" sz="1600" dirty="0"/>
               <a:t>.</a:t>
             </a:r>
           </a:p>
@@ -8250,159 +8083,141 @@
           </a:p>
           <a:p>
             <a:r>
-              <a:rPr lang="ko-KR" altLang="en-US" sz="1600" dirty="0" smtClean="0"/>
+              <a:rPr lang="ko-KR" altLang="en-US" sz="1600" dirty="0"/>
               <a:t>하지만 접근이 쉬운 알고리즘부터 구현하다 보니 일정의 규칙도 보이고</a:t>
             </a:r>
             <a:r>
-              <a:rPr lang="en-US" altLang="ko-KR" sz="1600" dirty="0" smtClean="0"/>
+              <a:rPr lang="en-US" altLang="ko-KR" sz="1600" dirty="0"/>
               <a:t>, </a:t>
             </a:r>
             <a:r>
-              <a:rPr lang="ko-KR" altLang="en-US" sz="1600" dirty="0" smtClean="0"/>
+              <a:rPr lang="ko-KR" altLang="en-US" sz="1600" dirty="0"/>
               <a:t>원리가 비슷한 알고리즘에서는 패턴도 확인할 수 있었습니다</a:t>
             </a:r>
             <a:r>
-              <a:rPr lang="en-US" altLang="ko-KR" sz="1600" dirty="0" smtClean="0"/>
+              <a:rPr lang="en-US" altLang="ko-KR" sz="1600" dirty="0"/>
               <a:t>. </a:t>
             </a:r>
             <a:r>
-              <a:rPr lang="ko-KR" altLang="en-US" sz="1600" dirty="0" smtClean="0"/>
+              <a:rPr lang="ko-KR" altLang="en-US" sz="1600" dirty="0"/>
               <a:t>그 과정에서 많은 재미를 느꼈고 힘들지 않았습니다</a:t>
             </a:r>
             <a:r>
-              <a:rPr lang="en-US" altLang="ko-KR" sz="1600" dirty="0" smtClean="0"/>
+              <a:rPr lang="en-US" altLang="ko-KR" sz="1600" dirty="0"/>
               <a:t>.</a:t>
             </a:r>
+          </a:p>
+          <a:p>
+            <a:r>
+              <a:rPr lang="ko-KR" altLang="en-US" sz="1600" dirty="0"/>
+              <a:t>오랜 시간을 들여 직접 개발해보는 것은 논문을 비롯하여 전문성 있는 알고리즘과는 달리 피부에 와 닿는 듯 했습니다</a:t>
+            </a:r>
+            <a:r>
+              <a:rPr lang="en-US" altLang="ko-KR" sz="1600" dirty="0"/>
+              <a:t>.</a:t>
+            </a:r>
+          </a:p>
+          <a:p>
             <a:endParaRPr lang="en-US" altLang="ko-KR" sz="1600" dirty="0"/>
           </a:p>
           <a:p>
             <a:r>
-              <a:rPr lang="ko-KR" altLang="en-US" sz="1600" dirty="0" smtClean="0"/>
-              <a:t>오랜 시간을 들여 직접 개발해보는 것은 논문을 비롯하여 전문성 있는 알고리즘과는 달리 피부에 와 닿는 듯 했습니다</a:t>
-            </a:r>
-            <a:r>
-              <a:rPr lang="en-US" altLang="ko-KR" sz="1600" dirty="0" smtClean="0"/>
+              <a:rPr lang="ko-KR" altLang="en-US" sz="1600" dirty="0"/>
+              <a:t>이 프로젝트의 재미를 더해준 것은 </a:t>
+            </a:r>
+            <a:r>
+              <a:rPr lang="ko-KR" altLang="en-US" sz="1600" dirty="0" err="1"/>
+              <a:t>앱의</a:t>
+            </a:r>
+            <a:r>
+              <a:rPr lang="ko-KR" altLang="en-US" sz="1600" dirty="0"/>
+              <a:t> 가장 큰 매력인 </a:t>
+            </a:r>
+            <a:r>
+              <a:rPr lang="en-US" altLang="ko-KR" sz="1600" dirty="0"/>
+              <a:t>“</a:t>
+            </a:r>
+            <a:r>
+              <a:rPr lang="ko-KR" altLang="en-US" sz="1600" dirty="0"/>
+              <a:t>내가 생각하는 대로 눈에 나타나는 것</a:t>
+            </a:r>
+            <a:r>
+              <a:rPr lang="en-US" altLang="ko-KR" sz="1600" dirty="0"/>
+              <a:t>”</a:t>
+            </a:r>
+          </a:p>
+          <a:p>
+            <a:r>
+              <a:rPr lang="ko-KR" altLang="en-US" sz="1600" dirty="0"/>
+              <a:t>이었습니다</a:t>
+            </a:r>
+            <a:r>
+              <a:rPr lang="en-US" altLang="ko-KR" sz="1600" dirty="0"/>
+              <a:t>. </a:t>
+            </a:r>
+            <a:r>
+              <a:rPr lang="ko-KR" altLang="en-US" sz="1600" dirty="0"/>
+              <a:t>제가 만든 알고리즘으로 정제된 데이터들을 바로 그래프로 보여주는 것에 빠져들어 즐거웠습니다</a:t>
+            </a:r>
+            <a:r>
+              <a:rPr lang="en-US" altLang="ko-KR" sz="1600" dirty="0"/>
               <a:t>.</a:t>
             </a:r>
+          </a:p>
+          <a:p>
             <a:endParaRPr lang="en-US" altLang="ko-KR" sz="1600" dirty="0"/>
           </a:p>
           <a:p>
+            <a:r>
+              <a:rPr lang="ko-KR" altLang="en-US" sz="1600" dirty="0"/>
+              <a:t>또한 어떻게 하면 효율적으로 데이터를 보여줄 수 있을까 하는 고민을 시작으로 어떻게 데이터를 주고받으면 좋을지에 대한 많은 생각을 하게 되었고 파생되는 개념들까지 다시 한번 정립할 수 있었습니다</a:t>
+            </a:r>
+            <a:r>
+              <a:rPr lang="en-US" altLang="ko-KR" sz="1600" dirty="0"/>
+              <a:t>. </a:t>
+            </a:r>
+            <a:r>
+              <a:rPr lang="ko-KR" altLang="en-US" sz="1600" dirty="0"/>
+              <a:t>결과적으론 자신감과 실력이 향상된 것을 느낄 수 있었습니다</a:t>
+            </a:r>
+            <a:r>
+              <a:rPr lang="en-US" altLang="ko-KR" sz="1600" dirty="0"/>
+              <a:t>. </a:t>
+            </a:r>
+            <a:r>
+              <a:rPr lang="ko-KR" altLang="en-US" sz="1600" dirty="0"/>
+              <a:t>팀 프로젝트를 하며 의견을 맞춰가는 부분에서도 </a:t>
+            </a:r>
             <a:endParaRPr lang="en-US" altLang="ko-KR" sz="1600" dirty="0"/>
           </a:p>
           <a:p>
             <a:r>
-              <a:rPr lang="ko-KR" altLang="en-US" sz="1600" dirty="0" smtClean="0"/>
-              <a:t>이 프로젝트의 재미를 더해준 것은 </a:t>
-            </a:r>
-            <a:r>
-              <a:rPr lang="ko-KR" altLang="en-US" sz="1600" dirty="0" err="1" smtClean="0"/>
-              <a:t>앱의</a:t>
-            </a:r>
-            <a:r>
-              <a:rPr lang="ko-KR" altLang="en-US" sz="1600" dirty="0" smtClean="0"/>
-              <a:t> </a:t>
-            </a:r>
-            <a:r>
               <a:rPr lang="ko-KR" altLang="en-US" sz="1600" dirty="0"/>
-              <a:t>가장 큰 </a:t>
-            </a:r>
-            <a:r>
-              <a:rPr lang="ko-KR" altLang="en-US" sz="1600" dirty="0" smtClean="0"/>
-              <a:t>매력인 </a:t>
-            </a:r>
-            <a:r>
-              <a:rPr lang="en-US" altLang="ko-KR" sz="1600" dirty="0" smtClean="0"/>
-              <a:t>“</a:t>
-            </a:r>
-            <a:r>
-              <a:rPr lang="ko-KR" altLang="en-US" sz="1600" dirty="0" smtClean="0"/>
-              <a:t>내가 </a:t>
-            </a:r>
+              <a:t>많이 배울 수 있었습니다</a:t>
+            </a:r>
+            <a:r>
+              <a:rPr lang="en-US" altLang="ko-KR" sz="1600" dirty="0"/>
+              <a:t>.</a:t>
+            </a:r>
+          </a:p>
+          <a:p>
+            <a:endParaRPr lang="en-US" altLang="ko-KR" sz="1600" dirty="0"/>
+          </a:p>
+          <a:p>
             <a:r>
               <a:rPr lang="ko-KR" altLang="en-US" sz="1600" dirty="0"/>
-              <a:t>생각하는 대로 눈에 나타나는 </a:t>
-            </a:r>
-            <a:r>
-              <a:rPr lang="ko-KR" altLang="en-US" sz="1600" dirty="0" smtClean="0"/>
-              <a:t>것</a:t>
-            </a:r>
-            <a:r>
-              <a:rPr lang="en-US" altLang="ko-KR" sz="1600" dirty="0" smtClean="0"/>
-              <a:t>”</a:t>
-            </a:r>
-          </a:p>
-          <a:p>
-            <a:r>
-              <a:rPr lang="ko-KR" altLang="en-US" sz="1600" dirty="0" smtClean="0"/>
-              <a:t>이었습니다</a:t>
-            </a:r>
-            <a:r>
-              <a:rPr lang="en-US" altLang="ko-KR" sz="1600" dirty="0" smtClean="0"/>
-              <a:t>. </a:t>
-            </a:r>
-            <a:r>
-              <a:rPr lang="ko-KR" altLang="en-US" sz="1600" dirty="0" smtClean="0"/>
-              <a:t>제가 만든 알고리즘으로 정제된 데이터들을 바로 그래프로 보여주는 것에 빠져들어 즐거웠습니다</a:t>
-            </a:r>
-            <a:r>
-              <a:rPr lang="en-US" altLang="ko-KR" sz="1600" dirty="0" smtClean="0"/>
-              <a:t>.</a:t>
-            </a:r>
-          </a:p>
-          <a:p>
-            <a:endParaRPr lang="en-US" altLang="ko-KR" sz="1600" dirty="0"/>
-          </a:p>
-          <a:p>
-            <a:r>
-              <a:rPr lang="ko-KR" altLang="en-US" sz="1600" dirty="0" smtClean="0"/>
-              <a:t>또한 어떻게 하면 효율적으로 데이터를 보여줄 수 있을까 하는 고민을 시작으로 어떻게 데이터를 주고받으면 좋을지에 대한 많은 생각을 하게 되었고 파생되는 개념들까지 다시 한번 정립할 수 있었습니다</a:t>
-            </a:r>
-            <a:r>
-              <a:rPr lang="en-US" altLang="ko-KR" sz="1600" dirty="0" smtClean="0"/>
-              <a:t>. </a:t>
-            </a:r>
-            <a:r>
-              <a:rPr lang="ko-KR" altLang="en-US" sz="1600" dirty="0" smtClean="0"/>
-              <a:t>결과적으론 자신감과 실력이 향상된 것을 느낄 수 있었습니다</a:t>
-            </a:r>
-            <a:r>
-              <a:rPr lang="en-US" altLang="ko-KR" sz="1600" dirty="0" smtClean="0"/>
-              <a:t>. </a:t>
-            </a:r>
-            <a:r>
-              <a:rPr lang="ko-KR" altLang="en-US" sz="1600" dirty="0" smtClean="0"/>
-              <a:t>팀 프로젝트를 하며 의견을 맞춰가는 부분에서도 </a:t>
-            </a:r>
-            <a:endParaRPr lang="en-US" altLang="ko-KR" sz="1600" dirty="0" smtClean="0"/>
-          </a:p>
-          <a:p>
-            <a:r>
-              <a:rPr lang="ko-KR" altLang="en-US" sz="1600" dirty="0" smtClean="0"/>
-              <a:t>많이 배울 수 있었습니다</a:t>
-            </a:r>
-            <a:r>
-              <a:rPr lang="en-US" altLang="ko-KR" sz="1600" dirty="0" smtClean="0"/>
-              <a:t>.</a:t>
-            </a:r>
-          </a:p>
-          <a:p>
-            <a:endParaRPr lang="en-US" altLang="ko-KR" sz="1600" dirty="0"/>
-          </a:p>
-          <a:p>
-            <a:r>
-              <a:rPr lang="ko-KR" altLang="en-US" sz="1600" dirty="0" smtClean="0"/>
               <a:t>부족한 부분 채워주신 팀장님께 감사합니다</a:t>
             </a:r>
             <a:r>
-              <a:rPr lang="en-US" altLang="ko-KR" sz="1600" dirty="0" smtClean="0"/>
+              <a:rPr lang="en-US" altLang="ko-KR" sz="1600" dirty="0"/>
               <a:t>, </a:t>
             </a:r>
             <a:r>
-              <a:rPr lang="ko-KR" altLang="en-US" sz="1600" dirty="0" smtClean="0"/>
+              <a:rPr lang="ko-KR" altLang="en-US" sz="1600" dirty="0"/>
               <a:t>모두 수고하셨습니다</a:t>
             </a:r>
             <a:r>
-              <a:rPr lang="en-US" altLang="ko-KR" sz="1600" dirty="0" smtClean="0"/>
+              <a:rPr lang="en-US" altLang="ko-KR" sz="1600" dirty="0"/>
               <a:t>.</a:t>
             </a:r>
           </a:p>
@@ -8418,17 +8233,210 @@
   <p:clrMapOvr>
     <a:masterClrMapping/>
   </p:clrMapOvr>
-  <p:timing>
-    <p:tnLst>
-      <p:par>
-        <p:cTn id="1" dur="indefinite" restart="never" nodeType="tmRoot"/>
-      </p:par>
-    </p:tnLst>
-  </p:timing>
 </p:sld>
 </file>
 
 <file path=ppt/slides/slide17.xml><?xml version="1.0" encoding="utf-8"?>
+<p:sld xmlns:a="http://schemas.openxmlformats.org/drawingml/2006/main" xmlns:r="http://schemas.openxmlformats.org/officeDocument/2006/relationships" xmlns:p="http://schemas.openxmlformats.org/presentationml/2006/main">
+  <p:cSld>
+    <p:spTree>
+      <p:nvGrpSpPr>
+        <p:cNvPr id="1" name=""/>
+        <p:cNvGrpSpPr/>
+        <p:nvPr/>
+      </p:nvGrpSpPr>
+      <p:grpSpPr>
+        <a:xfrm>
+          <a:off x="0" y="0"/>
+          <a:ext cx="0" cy="0"/>
+          <a:chOff x="0" y="0"/>
+          <a:chExt cx="0" cy="0"/>
+        </a:xfrm>
+      </p:grpSpPr>
+      <p:sp>
+        <p:nvSpPr>
+          <p:cNvPr id="13" name="직사각형 12"/>
+          <p:cNvSpPr/>
+          <p:nvPr/>
+        </p:nvSpPr>
+        <p:spPr>
+          <a:xfrm>
+            <a:off x="467123" y="305634"/>
+            <a:ext cx="351378" cy="461665"/>
+          </a:xfrm>
+          <a:prstGeom prst="rect">
+            <a:avLst/>
+          </a:prstGeom>
+        </p:spPr>
+        <p:txBody>
+          <a:bodyPr wrap="none">
+            <a:spAutoFit/>
+          </a:bodyPr>
+          <a:lstStyle/>
+          <a:p>
+            <a:r>
+              <a:rPr lang="en-US" altLang="ko-KR" sz="2400" dirty="0">
+                <a:solidFill>
+                  <a:schemeClr val="bg1"/>
+                </a:solidFill>
+                <a:latin typeface="Open Sans Extrabold" panose="020B0906030804020204" pitchFamily="34" charset="0"/>
+              </a:rPr>
+              <a:t>4</a:t>
+            </a:r>
+            <a:endParaRPr lang="ko-KR" altLang="en-US" sz="2400" dirty="0"/>
+          </a:p>
+        </p:txBody>
+      </p:sp>
+      <p:pic>
+        <p:nvPicPr>
+          <p:cNvPr id="10" name="Picture 9">
+            <a:extLst>
+              <a:ext uri="{FF2B5EF4-FFF2-40B4-BE49-F238E27FC236}">
+                <a16:creationId xmlns:a16="http://schemas.microsoft.com/office/drawing/2014/main" id="{C4295D35-7C02-4425-8CCF-4886FA214376}"/>
+              </a:ext>
+            </a:extLst>
+          </p:cNvPr>
+          <p:cNvPicPr>
+            <a:picLocks noChangeAspect="1"/>
+          </p:cNvPicPr>
+          <p:nvPr/>
+        </p:nvPicPr>
+        <p:blipFill>
+          <a:blip r:embed="rId2"/>
+          <a:stretch>
+            <a:fillRect/>
+          </a:stretch>
+        </p:blipFill>
+        <p:spPr>
+          <a:xfrm>
+            <a:off x="5933264" y="576998"/>
+            <a:ext cx="6147414" cy="6140232"/>
+          </a:xfrm>
+          <a:prstGeom prst="rect">
+            <a:avLst/>
+          </a:prstGeom>
+        </p:spPr>
+      </p:pic>
+      <p:pic>
+        <p:nvPicPr>
+          <p:cNvPr id="11" name="Picture 10">
+            <a:extLst>
+              <a:ext uri="{FF2B5EF4-FFF2-40B4-BE49-F238E27FC236}">
+                <a16:creationId xmlns:a16="http://schemas.microsoft.com/office/drawing/2014/main" id="{A885C9E4-2B15-4A9B-8AD3-C5CE5A6FD69B}"/>
+              </a:ext>
+            </a:extLst>
+          </p:cNvPr>
+          <p:cNvPicPr>
+            <a:picLocks noChangeAspect="1"/>
+          </p:cNvPicPr>
+          <p:nvPr/>
+        </p:nvPicPr>
+        <p:blipFill>
+          <a:blip r:embed="rId3"/>
+          <a:stretch>
+            <a:fillRect/>
+          </a:stretch>
+        </p:blipFill>
+        <p:spPr>
+          <a:xfrm>
+            <a:off x="234612" y="599944"/>
+            <a:ext cx="5466141" cy="6094340"/>
+          </a:xfrm>
+          <a:prstGeom prst="rect">
+            <a:avLst/>
+          </a:prstGeom>
+        </p:spPr>
+      </p:pic>
+      <p:sp>
+        <p:nvSpPr>
+          <p:cNvPr id="2" name="TextBox 1">
+            <a:extLst>
+              <a:ext uri="{FF2B5EF4-FFF2-40B4-BE49-F238E27FC236}">
+                <a16:creationId xmlns:a16="http://schemas.microsoft.com/office/drawing/2014/main" id="{1EAC37FD-180E-4AD9-9533-2E2D723D9967}"/>
+              </a:ext>
+            </a:extLst>
+          </p:cNvPr>
+          <p:cNvSpPr txBox="1"/>
+          <p:nvPr/>
+        </p:nvSpPr>
+        <p:spPr>
+          <a:xfrm>
+            <a:off x="1702965" y="117708"/>
+            <a:ext cx="1888979" cy="369332"/>
+          </a:xfrm>
+          <a:prstGeom prst="rect">
+            <a:avLst/>
+          </a:prstGeom>
+          <a:noFill/>
+        </p:spPr>
+        <p:txBody>
+          <a:bodyPr wrap="none" rtlCol="0">
+            <a:spAutoFit/>
+          </a:bodyPr>
+          <a:lstStyle/>
+          <a:p>
+            <a:r>
+              <a:rPr lang="en-US" altLang="ko-KR" dirty="0"/>
+              <a:t>Project </a:t>
+            </a:r>
+            <a:r>
+              <a:rPr lang="en-US" altLang="ko-KR" dirty="0" err="1"/>
+              <a:t>Shimpyo</a:t>
+            </a:r>
+            <a:endParaRPr lang="ko-KR" altLang="en-US" dirty="0"/>
+          </a:p>
+        </p:txBody>
+      </p:sp>
+      <p:sp>
+        <p:nvSpPr>
+          <p:cNvPr id="12" name="TextBox 11">
+            <a:extLst>
+              <a:ext uri="{FF2B5EF4-FFF2-40B4-BE49-F238E27FC236}">
+                <a16:creationId xmlns:a16="http://schemas.microsoft.com/office/drawing/2014/main" id="{55D795CC-04BA-410A-B0A4-BE023F814DF4}"/>
+              </a:ext>
+            </a:extLst>
+          </p:cNvPr>
+          <p:cNvSpPr txBox="1"/>
+          <p:nvPr/>
+        </p:nvSpPr>
+        <p:spPr>
+          <a:xfrm>
+            <a:off x="7952763" y="117708"/>
+            <a:ext cx="1470211" cy="369332"/>
+          </a:xfrm>
+          <a:prstGeom prst="rect">
+            <a:avLst/>
+          </a:prstGeom>
+          <a:noFill/>
+        </p:spPr>
+        <p:txBody>
+          <a:bodyPr wrap="none" rtlCol="0">
+            <a:spAutoFit/>
+          </a:bodyPr>
+          <a:lstStyle/>
+          <a:p>
+            <a:r>
+              <a:rPr lang="en-US" altLang="ko-KR" dirty="0"/>
+              <a:t>Project Next</a:t>
+            </a:r>
+            <a:endParaRPr lang="ko-KR" altLang="en-US" dirty="0"/>
+          </a:p>
+        </p:txBody>
+      </p:sp>
+    </p:spTree>
+    <p:extLst>
+      <p:ext uri="{BB962C8B-B14F-4D97-AF65-F5344CB8AC3E}">
+        <p14:creationId xmlns:p14="http://schemas.microsoft.com/office/powerpoint/2010/main" val="4165160376"/>
+      </p:ext>
+    </p:extLst>
+  </p:cSld>
+  <p:clrMapOvr>
+    <a:masterClrMapping/>
+  </p:clrMapOvr>
+</p:sld>
+</file>
+
+<file path=ppt/slides/slide18.xml><?xml version="1.0" encoding="utf-8"?>
 <p:sld xmlns:a="http://schemas.openxmlformats.org/drawingml/2006/main" xmlns:r="http://schemas.openxmlformats.org/officeDocument/2006/relationships" xmlns:p="http://schemas.openxmlformats.org/presentationml/2006/main">
   <p:cSld>
     <p:spTree>
@@ -9344,7 +9352,7 @@
           <a:p>
             <a:pPr algn="ctr"/>
             <a:r>
-              <a:rPr lang="ko-KR" altLang="en-US" sz="3200" b="1" dirty="0" smtClean="0">
+              <a:rPr lang="ko-KR" altLang="en-US" sz="3200" b="1" dirty="0">
                 <a:solidFill>
                   <a:schemeClr val="bg1"/>
                 </a:solidFill>
@@ -9354,7 +9362,7 @@
               </a:rPr>
               <a:t>감사합니다</a:t>
             </a:r>
-            <a:endParaRPr lang="en-US" altLang="ko-KR" sz="3200" b="1" dirty="0" smtClean="0">
+            <a:endParaRPr lang="en-US" altLang="ko-KR" sz="3200" b="1" dirty="0">
               <a:solidFill>
                 <a:schemeClr val="bg1"/>
               </a:solidFill>
@@ -9388,21 +9396,21 @@
           <a:lstStyle/>
           <a:p>
             <a:r>
-              <a:rPr lang="ko-KR" altLang="en-US" dirty="0" smtClean="0">
+              <a:rPr lang="ko-KR" altLang="en-US" dirty="0">
                 <a:latin typeface="Open Sans Semibold" panose="020B0706030804020204" pitchFamily="34" charset="0"/>
                 <a:cs typeface="Open Sans Semibold" panose="020B0706030804020204" pitchFamily="34" charset="0"/>
               </a:rPr>
               <a:t>팀장</a:t>
             </a:r>
             <a:r>
-              <a:rPr lang="en-US" altLang="ko-KR" dirty="0" smtClean="0">
+              <a:rPr lang="en-US" altLang="ko-KR" dirty="0">
                 <a:latin typeface="Open Sans Semibold" panose="020B0706030804020204" pitchFamily="34" charset="0"/>
                 <a:cs typeface="Open Sans Semibold" panose="020B0706030804020204" pitchFamily="34" charset="0"/>
               </a:rPr>
               <a:t>:  </a:t>
             </a:r>
             <a:r>
-              <a:rPr lang="ko-KR" altLang="en-US" dirty="0" smtClean="0">
+              <a:rPr lang="ko-KR" altLang="en-US" dirty="0">
                 <a:latin typeface="Open Sans Semibold" panose="020B0706030804020204" pitchFamily="34" charset="0"/>
                 <a:cs typeface="Open Sans Semibold" panose="020B0706030804020204" pitchFamily="34" charset="0"/>
               </a:rPr>
@@ -9416,35 +9424,35 @@
           <a:p>
             <a:pPr algn="ctr"/>
             <a:r>
-              <a:rPr lang="ko-KR" altLang="en-US" dirty="0" smtClean="0">
+              <a:rPr lang="ko-KR" altLang="en-US" dirty="0">
                 <a:latin typeface="Open Sans Semibold" panose="020B0706030804020204" pitchFamily="34" charset="0"/>
                 <a:cs typeface="Open Sans Semibold" panose="020B0706030804020204" pitchFamily="34" charset="0"/>
               </a:rPr>
               <a:t>팀원</a:t>
             </a:r>
             <a:r>
-              <a:rPr lang="en-US" altLang="ko-KR" dirty="0" smtClean="0">
+              <a:rPr lang="en-US" altLang="ko-KR" dirty="0">
                 <a:latin typeface="Open Sans Semibold" panose="020B0706030804020204" pitchFamily="34" charset="0"/>
                 <a:cs typeface="Open Sans Semibold" panose="020B0706030804020204" pitchFamily="34" charset="0"/>
               </a:rPr>
               <a:t>: </a:t>
             </a:r>
             <a:r>
-              <a:rPr lang="ko-KR" altLang="en-US" dirty="0" err="1" smtClean="0">
+              <a:rPr lang="ko-KR" altLang="en-US" dirty="0" err="1">
                 <a:latin typeface="Open Sans Semibold" panose="020B0706030804020204" pitchFamily="34" charset="0"/>
                 <a:cs typeface="Open Sans Semibold" panose="020B0706030804020204" pitchFamily="34" charset="0"/>
               </a:rPr>
               <a:t>김택민</a:t>
             </a:r>
             <a:r>
-              <a:rPr lang="en-US" altLang="ko-KR" dirty="0" smtClean="0">
+              <a:rPr lang="en-US" altLang="ko-KR" dirty="0">
                 <a:latin typeface="Open Sans Semibold" panose="020B0706030804020204" pitchFamily="34" charset="0"/>
                 <a:cs typeface="Open Sans Semibold" panose="020B0706030804020204" pitchFamily="34" charset="0"/>
               </a:rPr>
               <a:t>, </a:t>
             </a:r>
             <a:r>
-              <a:rPr lang="ko-KR" altLang="en-US" dirty="0" smtClean="0">
+              <a:rPr lang="ko-KR" altLang="en-US" dirty="0">
                 <a:latin typeface="Open Sans Semibold" panose="020B0706030804020204" pitchFamily="34" charset="0"/>
                 <a:cs typeface="Open Sans Semibold" panose="020B0706030804020204" pitchFamily="34" charset="0"/>
               </a:rPr>
@@ -9467,13 +9475,6 @@
   <p:clrMapOvr>
     <a:masterClrMapping/>
   </p:clrMapOvr>
-  <p:timing>
-    <p:tnLst>
-      <p:par>
-        <p:cTn id="1" dur="indefinite" restart="never" nodeType="tmRoot"/>
-      </p:par>
-    </p:tnLst>
-  </p:timing>
 </p:sld>
 </file>
 
@@ -9561,7 +9562,7 @@
           <a:p>
             <a:pPr algn="ctr"/>
             <a:r>
-              <a:rPr lang="en-US" altLang="ko-KR" sz="4400" dirty="0" smtClean="0">
+              <a:rPr lang="en-US" altLang="ko-KR" sz="4400" dirty="0">
                 <a:solidFill>
                   <a:schemeClr val="bg1"/>
                 </a:solidFill>
@@ -9642,7 +9643,7 @@
           <a:lstStyle/>
           <a:p>
             <a:r>
-              <a:rPr lang="en-US" altLang="ko-KR" sz="8000" dirty="0" smtClean="0">
+              <a:rPr lang="en-US" altLang="ko-KR" sz="8000" dirty="0">
                 <a:latin typeface="Open Sans Extrabold" panose="020B0906030804020204" pitchFamily="34" charset="0"/>
                 <a:ea typeface="Open Sans Extrabold" panose="020B0906030804020204" pitchFamily="34" charset="0"/>
                 <a:cs typeface="Open Sans Extrabold" panose="020B0906030804020204" pitchFamily="34" charset="0"/>
@@ -9684,14 +9685,14 @@
               </a:lnSpc>
             </a:pPr>
             <a:r>
-              <a:rPr lang="ko-KR" altLang="en-US" dirty="0" smtClean="0">
+              <a:rPr lang="ko-KR" altLang="en-US" dirty="0">
                 <a:latin typeface="나눔고딕" panose="020D0604000000000000" pitchFamily="50" charset="-127"/>
                 <a:ea typeface="나눔고딕" panose="020D0604000000000000" pitchFamily="50" charset="-127"/>
                 <a:cs typeface="Open Sans Semibold" panose="020B0706030804020204" pitchFamily="34" charset="0"/>
               </a:rPr>
               <a:t>개발목적 및 요구사항</a:t>
             </a:r>
-            <a:endParaRPr lang="en-US" altLang="ko-KR" dirty="0" smtClean="0">
+            <a:endParaRPr lang="en-US" altLang="ko-KR" dirty="0">
               <a:latin typeface="나눔고딕" panose="020D0604000000000000" pitchFamily="50" charset="-127"/>
               <a:ea typeface="나눔고딕" panose="020D0604000000000000" pitchFamily="50" charset="-127"/>
               <a:cs typeface="Open Sans Semibold" panose="020B0706030804020204" pitchFamily="34" charset="0"/>
@@ -9722,7 +9723,7 @@
           <a:lstStyle/>
           <a:p>
             <a:r>
-              <a:rPr lang="en-US" altLang="ko-KR" sz="8000" dirty="0" smtClean="0">
+              <a:rPr lang="en-US" altLang="ko-KR" sz="8000" dirty="0">
                 <a:latin typeface="Open Sans Extrabold" panose="020B0906030804020204" pitchFamily="34" charset="0"/>
                 <a:ea typeface="Open Sans Extrabold" panose="020B0906030804020204" pitchFamily="34" charset="0"/>
                 <a:cs typeface="Open Sans Extrabold" panose="020B0906030804020204" pitchFamily="34" charset="0"/>
@@ -9764,27 +9765,27 @@
               </a:lnSpc>
             </a:pPr>
             <a:r>
-              <a:rPr lang="ko-KR" altLang="en-US" dirty="0" smtClean="0">
+              <a:rPr lang="ko-KR" altLang="en-US" dirty="0">
                 <a:latin typeface="Open Sans Semibold" panose="020B0706030804020204" pitchFamily="34" charset="0"/>
                 <a:cs typeface="Open Sans Semibold" panose="020B0706030804020204" pitchFamily="34" charset="0"/>
               </a:rPr>
               <a:t>개발환경</a:t>
             </a:r>
             <a:r>
-              <a:rPr lang="en-US" altLang="ko-KR" dirty="0" smtClean="0">
+              <a:rPr lang="en-US" altLang="ko-KR" dirty="0">
                 <a:latin typeface="Open Sans Semibold" panose="020B0706030804020204" pitchFamily="34" charset="0"/>
                 <a:cs typeface="Open Sans Semibold" panose="020B0706030804020204" pitchFamily="34" charset="0"/>
               </a:rPr>
               <a:t>, </a:t>
             </a:r>
             <a:r>
-              <a:rPr lang="ko-KR" altLang="en-US" dirty="0" smtClean="0">
+              <a:rPr lang="ko-KR" altLang="en-US" dirty="0">
                 <a:latin typeface="Open Sans Semibold" panose="020B0706030804020204" pitchFamily="34" charset="0"/>
                 <a:cs typeface="Open Sans Semibold" panose="020B0706030804020204" pitchFamily="34" charset="0"/>
               </a:rPr>
               <a:t>작품 링크</a:t>
             </a:r>
-            <a:endParaRPr lang="en-US" altLang="ko-KR" dirty="0" smtClean="0">
+            <a:endParaRPr lang="en-US" altLang="ko-KR" dirty="0">
               <a:latin typeface="Open Sans Semibold" panose="020B0706030804020204" pitchFamily="34" charset="0"/>
               <a:cs typeface="Open Sans Semibold" panose="020B0706030804020204" pitchFamily="34" charset="0"/>
             </a:endParaRPr>
@@ -9814,7 +9815,7 @@
           <a:lstStyle/>
           <a:p>
             <a:r>
-              <a:rPr lang="en-US" altLang="ko-KR" sz="8000" dirty="0" smtClean="0">
+              <a:rPr lang="en-US" altLang="ko-KR" sz="8000" dirty="0">
                 <a:latin typeface="Open Sans Extrabold" panose="020B0906030804020204" pitchFamily="34" charset="0"/>
                 <a:ea typeface="Open Sans Extrabold" panose="020B0906030804020204" pitchFamily="34" charset="0"/>
                 <a:cs typeface="Open Sans Extrabold" panose="020B0906030804020204" pitchFamily="34" charset="0"/>
@@ -9856,13 +9857,13 @@
               </a:lnSpc>
             </a:pPr>
             <a:r>
-              <a:rPr lang="ko-KR" altLang="en-US" smtClean="0">
+              <a:rPr lang="ko-KR" altLang="en-US">
                 <a:latin typeface="Open Sans Semibold" panose="020B0706030804020204" pitchFamily="34" charset="0"/>
                 <a:cs typeface="Open Sans Semibold" panose="020B0706030804020204" pitchFamily="34" charset="0"/>
               </a:rPr>
               <a:t>프로젝트 일정</a:t>
             </a:r>
-            <a:endParaRPr lang="en-US" altLang="ko-KR" dirty="0" smtClean="0">
+            <a:endParaRPr lang="en-US" altLang="ko-KR" dirty="0">
               <a:latin typeface="Open Sans Semibold" panose="020B0706030804020204" pitchFamily="34" charset="0"/>
               <a:cs typeface="Open Sans Semibold" panose="020B0706030804020204" pitchFamily="34" charset="0"/>
             </a:endParaRPr>
@@ -10005,20 +10006,20 @@
               </a:lnSpc>
             </a:pPr>
             <a:r>
-              <a:rPr lang="en-US" altLang="ko-KR" dirty="0" smtClean="0">
+              <a:rPr lang="en-US" altLang="ko-KR" dirty="0">
                 <a:latin typeface="Open Sans Semibold" panose="020B0706030804020204" pitchFamily="34" charset="0"/>
                 <a:cs typeface="Open Sans Semibold" panose="020B0706030804020204" pitchFamily="34" charset="0"/>
               </a:rPr>
               <a:t>DB </a:t>
             </a:r>
             <a:r>
-              <a:rPr lang="ko-KR" altLang="en-US" dirty="0" smtClean="0">
+              <a:rPr lang="ko-KR" altLang="en-US" dirty="0">
                 <a:latin typeface="Open Sans Semibold" panose="020B0706030804020204" pitchFamily="34" charset="0"/>
                 <a:cs typeface="Open Sans Semibold" panose="020B0706030804020204" pitchFamily="34" charset="0"/>
               </a:rPr>
               <a:t>구조</a:t>
             </a:r>
-            <a:endParaRPr lang="en-US" altLang="ko-KR" dirty="0" smtClean="0">
+            <a:endParaRPr lang="en-US" altLang="ko-KR" dirty="0">
               <a:latin typeface="Open Sans Semibold" panose="020B0706030804020204" pitchFamily="34" charset="0"/>
               <a:cs typeface="Open Sans Semibold" panose="020B0706030804020204" pitchFamily="34" charset="0"/>
             </a:endParaRPr>
@@ -10053,20 +10054,20 @@
               </a:lnSpc>
             </a:pPr>
             <a:r>
-              <a:rPr lang="en-US" altLang="ko-KR" dirty="0" smtClean="0">
+              <a:rPr lang="en-US" altLang="ko-KR" dirty="0">
                 <a:latin typeface="Open Sans Semibold" panose="020B0706030804020204" pitchFamily="34" charset="0"/>
                 <a:cs typeface="Open Sans Semibold" panose="020B0706030804020204" pitchFamily="34" charset="0"/>
               </a:rPr>
               <a:t>UI </a:t>
             </a:r>
             <a:r>
-              <a:rPr lang="ko-KR" altLang="en-US" dirty="0" smtClean="0">
+              <a:rPr lang="ko-KR" altLang="en-US" dirty="0">
                 <a:latin typeface="Open Sans Semibold" panose="020B0706030804020204" pitchFamily="34" charset="0"/>
                 <a:cs typeface="Open Sans Semibold" panose="020B0706030804020204" pitchFamily="34" charset="0"/>
               </a:rPr>
               <a:t>기능</a:t>
             </a:r>
-            <a:endParaRPr lang="en-US" altLang="ko-KR" dirty="0" smtClean="0">
+            <a:endParaRPr lang="en-US" altLang="ko-KR" dirty="0">
               <a:latin typeface="Open Sans Semibold" panose="020B0706030804020204" pitchFamily="34" charset="0"/>
               <a:cs typeface="Open Sans Semibold" panose="020B0706030804020204" pitchFamily="34" charset="0"/>
             </a:endParaRPr>
@@ -10101,20 +10102,13 @@
               </a:lnSpc>
             </a:pPr>
             <a:r>
-              <a:rPr lang="ko-KR" altLang="en-US" dirty="0" smtClean="0">
-                <a:latin typeface="Open Sans Semibold" panose="020B0706030804020204" pitchFamily="34" charset="0"/>
-                <a:cs typeface="Open Sans Semibold" panose="020B0706030804020204" pitchFamily="34" charset="0"/>
-              </a:rPr>
-              <a:t>후</a:t>
-            </a:r>
-            <a:r>
               <a:rPr lang="ko-KR" altLang="en-US" dirty="0">
                 <a:latin typeface="Open Sans Semibold" panose="020B0706030804020204" pitchFamily="34" charset="0"/>
                 <a:cs typeface="Open Sans Semibold" panose="020B0706030804020204" pitchFamily="34" charset="0"/>
               </a:rPr>
-              <a:t>기</a:t>
-            </a:r>
-            <a:endParaRPr lang="en-US" altLang="ko-KR" dirty="0" smtClean="0">
+              <a:t>후기</a:t>
+            </a:r>
+            <a:endParaRPr lang="en-US" altLang="ko-KR" dirty="0">
               <a:latin typeface="Open Sans Semibold" panose="020B0706030804020204" pitchFamily="34" charset="0"/>
               <a:cs typeface="Open Sans Semibold" panose="020B0706030804020204" pitchFamily="34" charset="0"/>
             </a:endParaRPr>
@@ -10131,13 +10125,6 @@
   <p:clrMapOvr>
     <a:masterClrMapping/>
   </p:clrMapOvr>
-  <p:timing>
-    <p:tnLst>
-      <p:par>
-        <p:cTn id="1" dur="indefinite" restart="never" nodeType="tmRoot"/>
-      </p:par>
-    </p:tnLst>
-  </p:timing>
 </p:sld>
 </file>
 
@@ -10474,7 +10461,7 @@
           <a:lstStyle/>
           <a:p>
             <a:r>
-              <a:rPr lang="ko-KR" altLang="en-US" sz="3200" dirty="0" smtClean="0">
+              <a:rPr lang="ko-KR" altLang="en-US" sz="3200" dirty="0">
                 <a:latin typeface="나눔고딕" panose="020D0604000000000000" pitchFamily="50" charset="-127"/>
                 <a:ea typeface="나눔고딕" panose="020D0604000000000000" pitchFamily="50" charset="-127"/>
                 <a:cs typeface="Open Sans Semibold" panose="020B0706030804020204" pitchFamily="34" charset="0"/>
@@ -10511,7 +10498,7 @@
           <a:lstStyle/>
           <a:p>
             <a:r>
-              <a:rPr lang="en-US" altLang="ko-KR" sz="2400" dirty="0" smtClean="0">
+              <a:rPr lang="en-US" altLang="ko-KR" sz="2400" dirty="0">
                 <a:solidFill>
                   <a:schemeClr val="bg1"/>
                 </a:solidFill>
@@ -10553,7 +10540,7 @@
               </a:lnSpc>
             </a:pPr>
             <a:r>
-              <a:rPr lang="en-US" altLang="ko-KR" dirty="0" smtClean="0">
+              <a:rPr lang="en-US" altLang="ko-KR" dirty="0">
                 <a:latin typeface="나눔고딕" panose="020D0604000000000000" pitchFamily="50" charset="-127"/>
                 <a:ea typeface="나눔고딕" panose="020D0604000000000000" pitchFamily="50" charset="-127"/>
                 <a:cs typeface="Open Sans Light" panose="020B0306030504020204" pitchFamily="34" charset="0"/>
@@ -10561,20 +10548,12 @@
               <a:t>- </a:t>
             </a:r>
             <a:r>
-              <a:rPr lang="ko-KR" altLang="en-US" dirty="0" smtClean="0">
-                <a:latin typeface="나눔고딕" panose="020D0604000000000000" pitchFamily="50" charset="-127"/>
-                <a:ea typeface="나눔고딕" panose="020D0604000000000000" pitchFamily="50" charset="-127"/>
-                <a:cs typeface="Open Sans Light" panose="020B0306030504020204" pitchFamily="34" charset="0"/>
-              </a:rPr>
-              <a:t>주식 </a:t>
-            </a:r>
-            <a:r>
               <a:rPr lang="ko-KR" altLang="en-US" dirty="0">
                 <a:latin typeface="나눔고딕" panose="020D0604000000000000" pitchFamily="50" charset="-127"/>
                 <a:ea typeface="나눔고딕" panose="020D0604000000000000" pitchFamily="50" charset="-127"/>
                 <a:cs typeface="Open Sans Light" panose="020B0306030504020204" pitchFamily="34" charset="0"/>
               </a:rPr>
-              <a:t>종목 데이터를 </a:t>
+              <a:t>주식 종목 데이터를 </a:t>
             </a:r>
             <a:r>
               <a:rPr lang="ko-KR" altLang="en-US" dirty="0" err="1">
@@ -10590,15 +10569,7 @@
                 <a:ea typeface="나눔고딕" panose="020D0604000000000000" pitchFamily="50" charset="-127"/>
                 <a:cs typeface="Open Sans Light" panose="020B0306030504020204" pitchFamily="34" charset="0"/>
               </a:rPr>
-              <a:t> 후 </a:t>
-            </a:r>
-            <a:r>
-              <a:rPr lang="ko-KR" altLang="en-US" dirty="0" smtClean="0">
-                <a:latin typeface="나눔고딕" panose="020D0604000000000000" pitchFamily="50" charset="-127"/>
-                <a:ea typeface="나눔고딕" panose="020D0604000000000000" pitchFamily="50" charset="-127"/>
-                <a:cs typeface="Open Sans Light" panose="020B0306030504020204" pitchFamily="34" charset="0"/>
-              </a:rPr>
-              <a:t>시각화</a:t>
+              <a:t> 후 시각화</a:t>
             </a:r>
             <a:endParaRPr lang="en-US" altLang="ko-KR" dirty="0">
               <a:latin typeface="나눔고딕" panose="020D0604000000000000" pitchFamily="50" charset="-127"/>
@@ -10613,7 +10584,7 @@
               </a:lnSpc>
             </a:pPr>
             <a:r>
-              <a:rPr lang="en-US" altLang="ko-KR" dirty="0" smtClean="0">
+              <a:rPr lang="en-US" altLang="ko-KR" dirty="0">
                 <a:latin typeface="나눔고딕" panose="020D0604000000000000" pitchFamily="50" charset="-127"/>
                 <a:ea typeface="나눔고딕" panose="020D0604000000000000" pitchFamily="50" charset="-127"/>
                 <a:cs typeface="Open Sans Light" panose="020B0306030504020204" pitchFamily="34" charset="0"/>
@@ -10621,20 +10592,12 @@
               <a:t>- </a:t>
             </a:r>
             <a:r>
-              <a:rPr lang="ko-KR" altLang="en-US" dirty="0" smtClean="0">
-                <a:latin typeface="나눔고딕" panose="020D0604000000000000" pitchFamily="50" charset="-127"/>
-                <a:ea typeface="나눔고딕" panose="020D0604000000000000" pitchFamily="50" charset="-127"/>
-                <a:cs typeface="Open Sans Light" panose="020B0306030504020204" pitchFamily="34" charset="0"/>
-              </a:rPr>
-              <a:t>데이터를 </a:t>
-            </a:r>
-            <a:r>
               <a:rPr lang="ko-KR" altLang="en-US" dirty="0">
                 <a:latin typeface="나눔고딕" panose="020D0604000000000000" pitchFamily="50" charset="-127"/>
                 <a:ea typeface="나눔고딕" panose="020D0604000000000000" pitchFamily="50" charset="-127"/>
                 <a:cs typeface="Open Sans Light" panose="020B0306030504020204" pitchFamily="34" charset="0"/>
               </a:rPr>
-              <a:t>기반으로 확률</a:t>
+              <a:t>데이터를 기반으로 확률</a:t>
             </a:r>
             <a:r>
               <a:rPr lang="en-US" altLang="ko-KR" dirty="0">
@@ -10825,7 +10788,7 @@
               <a:t>- Client(Python, Android) </a:t>
             </a:r>
             <a:r>
-              <a:rPr lang="en-US" altLang="ko-KR" dirty="0" smtClean="0">
+              <a:rPr lang="en-US" altLang="ko-KR" dirty="0">
                 <a:latin typeface="나눔고딕" panose="020D0604000000000000" pitchFamily="50" charset="-127"/>
                 <a:ea typeface="나눔고딕" panose="020D0604000000000000" pitchFamily="50" charset="-127"/>
                 <a:cs typeface="Open Sans Light" panose="020B0306030504020204" pitchFamily="34" charset="0"/>
@@ -10834,20 +10797,12 @@
               <a:t> </a:t>
             </a:r>
             <a:r>
-              <a:rPr lang="en-US" altLang="ko-KR" dirty="0" smtClean="0">
-                <a:latin typeface="나눔고딕" panose="020D0604000000000000" pitchFamily="50" charset="-127"/>
-                <a:ea typeface="나눔고딕" panose="020D0604000000000000" pitchFamily="50" charset="-127"/>
-                <a:cs typeface="Open Sans Light" panose="020B0306030504020204" pitchFamily="34" charset="0"/>
-              </a:rPr>
-              <a:t> </a:t>
-            </a:r>
-            <a:r>
               <a:rPr lang="en-US" altLang="ko-KR" dirty="0">
                 <a:latin typeface="나눔고딕" panose="020D0604000000000000" pitchFamily="50" charset="-127"/>
                 <a:ea typeface="나눔고딕" panose="020D0604000000000000" pitchFamily="50" charset="-127"/>
                 <a:cs typeface="Open Sans Light" panose="020B0306030504020204" pitchFamily="34" charset="0"/>
               </a:rPr>
-              <a:t>Server(</a:t>
+              <a:t> Server(</a:t>
             </a:r>
             <a:r>
               <a:rPr lang="en-US" altLang="ko-KR" dirty="0" err="1">
@@ -10866,7 +10821,7 @@
               <a:t>) </a:t>
             </a:r>
             <a:r>
-              <a:rPr lang="en-US" altLang="ko-KR" smtClean="0">
+              <a:rPr lang="en-US" altLang="ko-KR">
                 <a:latin typeface="나눔고딕" panose="020D0604000000000000" pitchFamily="50" charset="-127"/>
                 <a:ea typeface="나눔고딕" panose="020D0604000000000000" pitchFamily="50" charset="-127"/>
                 <a:cs typeface="Open Sans Light" panose="020B0306030504020204" pitchFamily="34" charset="0"/>
@@ -10875,7 +10830,7 @@
               <a:t> </a:t>
             </a:r>
             <a:r>
-              <a:rPr lang="en-US" altLang="ko-KR" smtClean="0">
+              <a:rPr lang="en-US" altLang="ko-KR">
                 <a:latin typeface="나눔고딕" panose="020D0604000000000000" pitchFamily="50" charset="-127"/>
                 <a:ea typeface="나눔고딕" panose="020D0604000000000000" pitchFamily="50" charset="-127"/>
                 <a:cs typeface="Open Sans Light" panose="020B0306030504020204" pitchFamily="34" charset="0"/>
@@ -10921,7 +10876,7 @@
               </a:rPr>
               <a:t>를 활용한 서비스 제공</a:t>
             </a:r>
-            <a:endParaRPr lang="en-US" altLang="ko-KR" dirty="0" smtClean="0">
+            <a:endParaRPr lang="en-US" altLang="ko-KR" dirty="0">
               <a:latin typeface="나눔고딕" panose="020D0604000000000000" pitchFamily="50" charset="-127"/>
               <a:ea typeface="나눔고딕" panose="020D0604000000000000" pitchFamily="50" charset="-127"/>
               <a:cs typeface="Open Sans Light" panose="020B0306030504020204" pitchFamily="34" charset="0"/>
@@ -10952,7 +10907,7 @@
           <a:p>
             <a:pPr algn="ctr"/>
             <a:r>
-              <a:rPr lang="ko-KR" altLang="en-US" sz="2000" dirty="0" smtClean="0">
+              <a:rPr lang="ko-KR" altLang="en-US" sz="2000" dirty="0">
                 <a:latin typeface="Open Sans Extrabold" panose="020B0906030804020204" pitchFamily="34" charset="0"/>
                 <a:ea typeface="Open Sans Extrabold" panose="020B0906030804020204" pitchFamily="34" charset="0"/>
                 <a:cs typeface="Open Sans Extrabold" panose="020B0906030804020204" pitchFamily="34" charset="0"/>
@@ -10960,7 +10915,7 @@
               <a:t>개미들의 투기 방지를 위하여</a:t>
             </a:r>
             <a:r>
-              <a:rPr lang="en-US" altLang="ko-KR" sz="2000" dirty="0" smtClean="0">
+              <a:rPr lang="en-US" altLang="ko-KR" sz="2000" dirty="0">
                 <a:latin typeface="Open Sans Extrabold" panose="020B0906030804020204" pitchFamily="34" charset="0"/>
                 <a:ea typeface="Open Sans Extrabold" panose="020B0906030804020204" pitchFamily="34" charset="0"/>
                 <a:cs typeface="Open Sans Extrabold" panose="020B0906030804020204" pitchFamily="34" charset="0"/>
@@ -10971,18 +10926,13 @@
           <a:p>
             <a:pPr algn="ctr"/>
             <a:r>
-              <a:rPr lang="en-US" altLang="ko-KR" sz="5400" dirty="0" smtClean="0">
+              <a:rPr lang="en-US" altLang="ko-KR" sz="5400" dirty="0">
                 <a:latin typeface="Open Sans Extrabold" panose="020B0906030804020204" pitchFamily="34" charset="0"/>
                 <a:ea typeface="Open Sans Extrabold" panose="020B0906030804020204" pitchFamily="34" charset="0"/>
                 <a:cs typeface="Open Sans Extrabold" panose="020B0906030804020204" pitchFamily="34" charset="0"/>
               </a:rPr>
               <a:t>Trading Algorithm</a:t>
             </a:r>
-            <a:endParaRPr lang="en-US" altLang="ko-KR" sz="5400" dirty="0">
-              <a:latin typeface="Open Sans Extrabold" panose="020B0906030804020204" pitchFamily="34" charset="0"/>
-              <a:ea typeface="Open Sans Extrabold" panose="020B0906030804020204" pitchFamily="34" charset="0"/>
-              <a:cs typeface="Open Sans Extrabold" panose="020B0906030804020204" pitchFamily="34" charset="0"/>
-            </a:endParaRPr>
           </a:p>
         </p:txBody>
       </p:sp>
@@ -11033,13 +10983,6 @@
   <p:clrMapOvr>
     <a:masterClrMapping/>
   </p:clrMapOvr>
-  <p:timing>
-    <p:tnLst>
-      <p:par>
-        <p:cTn id="1" dur="indefinite" restart="never" nodeType="tmRoot"/>
-      </p:par>
-    </p:tnLst>
-  </p:timing>
 </p:sld>
 </file>
 
@@ -11376,7 +11319,7 @@
           <a:lstStyle/>
           <a:p>
             <a:r>
-              <a:rPr lang="ko-KR" altLang="en-US" sz="3200" dirty="0" smtClean="0">
+              <a:rPr lang="ko-KR" altLang="en-US" sz="3200" dirty="0">
                 <a:latin typeface="나눔고딕" panose="020D0604000000000000" pitchFamily="50" charset="-127"/>
                 <a:ea typeface="나눔고딕" panose="020D0604000000000000" pitchFamily="50" charset="-127"/>
                 <a:cs typeface="Open Sans Semibold" panose="020B0706030804020204" pitchFamily="34" charset="0"/>
@@ -11448,58 +11391,46 @@
           <a:lstStyle/>
           <a:p>
             <a:r>
-              <a:rPr lang="ko-KR" altLang="en-US" b="1" dirty="0" smtClean="0"/>
+              <a:rPr lang="ko-KR" altLang="en-US" b="1" dirty="0"/>
               <a:t>운영체제</a:t>
             </a:r>
-            <a:endParaRPr lang="en-US" altLang="ko-KR" b="1" dirty="0" smtClean="0"/>
+            <a:endParaRPr lang="en-US" altLang="ko-KR" b="1" dirty="0"/>
           </a:p>
           <a:p>
             <a:r>
               <a:rPr lang="en-US" altLang="ko-KR" sz="1400" dirty="0"/>
-              <a:t>windows 10 home 64bit </a:t>
-            </a:r>
-            <a:r>
-              <a:rPr lang="en-US" altLang="ko-KR" sz="1400" dirty="0" smtClean="0"/>
-              <a:t>(</a:t>
-            </a:r>
-            <a:r>
-              <a:rPr lang="ko-KR" altLang="en-US" sz="1400" dirty="0" smtClean="0"/>
+              <a:t>windows 10 home 64bit (</a:t>
+            </a:r>
+            <a:r>
+              <a:rPr lang="ko-KR" altLang="en-US" sz="1400" dirty="0"/>
               <a:t>송훈일</a:t>
             </a:r>
             <a:r>
-              <a:rPr lang="en-US" altLang="ko-KR" sz="1400" dirty="0" smtClean="0"/>
+              <a:rPr lang="en-US" altLang="ko-KR" sz="1400" dirty="0"/>
               <a:t>) / </a:t>
             </a:r>
             <a:r>
-              <a:rPr lang="en-US" altLang="ko-KR" sz="1400" dirty="0" err="1" smtClean="0"/>
+              <a:rPr lang="en-US" altLang="ko-KR" sz="1400" dirty="0" err="1"/>
               <a:t>macOS</a:t>
             </a:r>
             <a:r>
-              <a:rPr lang="en-US" altLang="ko-KR" sz="1400" dirty="0" smtClean="0"/>
-              <a:t> </a:t>
-            </a:r>
-            <a:r>
               <a:rPr lang="en-US" altLang="ko-KR" sz="1400" dirty="0"/>
-              <a:t>Big Sur </a:t>
-            </a:r>
-            <a:r>
-              <a:rPr lang="en-US" altLang="ko-KR" sz="1400" dirty="0" smtClean="0"/>
-              <a:t>11.2.1 (</a:t>
-            </a:r>
-            <a:r>
-              <a:rPr lang="ko-KR" altLang="en-US" sz="1400" dirty="0" err="1" smtClean="0"/>
+              <a:t> Big Sur 11.2.1 (</a:t>
+            </a:r>
+            <a:r>
+              <a:rPr lang="ko-KR" altLang="en-US" sz="1400" dirty="0" err="1"/>
               <a:t>김택민</a:t>
             </a:r>
             <a:r>
-              <a:rPr lang="en-US" altLang="ko-KR" sz="1400" dirty="0" smtClean="0"/>
+              <a:rPr lang="en-US" altLang="ko-KR" sz="1400" dirty="0"/>
               <a:t>) / windows 10 home 64bit (</a:t>
             </a:r>
             <a:r>
-              <a:rPr lang="ko-KR" altLang="en-US" sz="1400" dirty="0" smtClean="0"/>
+              <a:rPr lang="ko-KR" altLang="en-US" sz="1400" dirty="0"/>
               <a:t>허선영</a:t>
             </a:r>
             <a:r>
-              <a:rPr lang="en-US" altLang="ko-KR" sz="1400" dirty="0" smtClean="0"/>
+              <a:rPr lang="en-US" altLang="ko-KR" sz="1400" dirty="0"/>
               <a:t>)</a:t>
             </a:r>
           </a:p>
@@ -11508,35 +11439,23 @@
           </a:p>
           <a:p>
             <a:r>
-              <a:rPr lang="ko-KR" altLang="en-US" b="1" dirty="0" smtClean="0"/>
+              <a:rPr lang="ko-KR" altLang="en-US" b="1" dirty="0"/>
               <a:t>개발언어</a:t>
             </a:r>
-            <a:endParaRPr lang="en-US" altLang="ko-KR" b="1" dirty="0" smtClean="0"/>
-          </a:p>
-          <a:p>
-            <a:r>
-              <a:rPr lang="en-US" altLang="ko-KR" sz="1600" dirty="0" smtClean="0"/>
-              <a:t>Java </a:t>
-            </a:r>
-            <a:r>
-              <a:rPr lang="en-US" altLang="ko-KR" sz="1600" dirty="0" smtClean="0"/>
-              <a:t>15.0.2 / </a:t>
-            </a:r>
-            <a:r>
-              <a:rPr lang="en-US" altLang="ko-KR" sz="1600" dirty="0" err="1" smtClean="0"/>
+            <a:endParaRPr lang="en-US" altLang="ko-KR" b="1" dirty="0"/>
+          </a:p>
+          <a:p>
+            <a:r>
+              <a:rPr lang="en-US" altLang="ko-KR" sz="1600" dirty="0"/>
+              <a:t>Java 15.0.2 / </a:t>
+            </a:r>
+            <a:r>
+              <a:rPr lang="en-US" altLang="ko-KR" sz="1600" dirty="0" err="1"/>
               <a:t>scala</a:t>
             </a:r>
             <a:r>
-              <a:rPr lang="en-US" altLang="ko-KR" sz="1600" dirty="0" smtClean="0"/>
-              <a:t> </a:t>
-            </a:r>
-            <a:r>
-              <a:rPr lang="en-US" altLang="ko-KR" sz="1600" dirty="0" smtClean="0"/>
-              <a:t>2.13.4 / </a:t>
-            </a:r>
-            <a:r>
-              <a:rPr lang="en-US" altLang="ko-KR" sz="1600" dirty="0" smtClean="0"/>
-              <a:t>python 3.9.2</a:t>
+              <a:rPr lang="en-US" altLang="ko-KR" sz="1600" dirty="0"/>
+              <a:t> 2.13.4 / python 3.9.2</a:t>
             </a:r>
           </a:p>
           <a:p>
@@ -11544,46 +11463,38 @@
           </a:p>
           <a:p>
             <a:r>
-              <a:rPr lang="ko-KR" altLang="en-US" b="1" dirty="0" smtClean="0"/>
+              <a:rPr lang="ko-KR" altLang="en-US" b="1" dirty="0"/>
               <a:t>개발 툴 </a:t>
             </a:r>
             <a:r>
-              <a:rPr lang="en-US" altLang="ko-KR" b="1" dirty="0" smtClean="0"/>
+              <a:rPr lang="en-US" altLang="ko-KR" b="1" dirty="0"/>
               <a:t>/ UI </a:t>
             </a:r>
             <a:r>
-              <a:rPr lang="ko-KR" altLang="en-US" b="1" dirty="0" smtClean="0"/>
+              <a:rPr lang="ko-KR" altLang="en-US" b="1" dirty="0"/>
               <a:t>설계</a:t>
             </a:r>
-            <a:endParaRPr lang="en-US" altLang="ko-KR" b="1" dirty="0" smtClean="0"/>
-          </a:p>
-          <a:p>
-            <a:r>
-              <a:rPr lang="en-US" altLang="ko-KR" sz="1600" dirty="0" smtClean="0"/>
-              <a:t>Android studio 4.1.3 </a:t>
-            </a:r>
-            <a:r>
-              <a:rPr lang="en-US" altLang="ko-KR" sz="1600" dirty="0" smtClean="0"/>
-              <a:t>/ </a:t>
-            </a:r>
-            <a:r>
-              <a:rPr lang="en-US" altLang="ko-KR" sz="1600" dirty="0" err="1" smtClean="0"/>
+            <a:endParaRPr lang="en-US" altLang="ko-KR" b="1" dirty="0"/>
+          </a:p>
+          <a:p>
+            <a:r>
+              <a:rPr lang="en-US" altLang="ko-KR" sz="1600" dirty="0"/>
+              <a:t>Android studio 4.1.3 / </a:t>
+            </a:r>
+            <a:r>
+              <a:rPr lang="en-US" altLang="ko-KR" sz="1600" dirty="0" err="1"/>
               <a:t>intelliJ</a:t>
             </a:r>
             <a:r>
-              <a:rPr lang="en-US" altLang="ko-KR" sz="1600" dirty="0" smtClean="0"/>
-              <a:t> </a:t>
-            </a:r>
-            <a:r>
-              <a:rPr lang="en-US" altLang="ko-KR" sz="1600" dirty="0" smtClean="0"/>
-              <a:t>IDEA 11.0.2 / </a:t>
-            </a:r>
-            <a:r>
-              <a:rPr lang="en-US" altLang="ko-KR" sz="1600" dirty="0" err="1" smtClean="0"/>
+              <a:rPr lang="en-US" altLang="ko-KR" sz="1600" dirty="0"/>
+              <a:t> IDEA 11.0.2 / </a:t>
+            </a:r>
+            <a:r>
+              <a:rPr lang="en-US" altLang="ko-KR" sz="1600" dirty="0" err="1"/>
               <a:t>Pycharm</a:t>
             </a:r>
             <a:r>
-              <a:rPr lang="en-US" altLang="ko-KR" sz="1600" dirty="0" smtClean="0"/>
+              <a:rPr lang="en-US" altLang="ko-KR" sz="1600" dirty="0"/>
               <a:t> 11.0.10</a:t>
             </a:r>
           </a:p>
@@ -11592,60 +11503,50 @@
           </a:p>
           <a:p>
             <a:r>
-              <a:rPr lang="en-US" altLang="ko-KR" b="1" dirty="0" smtClean="0"/>
+              <a:rPr lang="en-US" altLang="ko-KR" b="1" dirty="0"/>
               <a:t>DB </a:t>
             </a:r>
             <a:r>
-              <a:rPr lang="ko-KR" altLang="en-US" b="1" dirty="0" smtClean="0"/>
+              <a:rPr lang="ko-KR" altLang="en-US" b="1" dirty="0"/>
               <a:t>서버 구축</a:t>
             </a:r>
-            <a:endParaRPr lang="en-US" altLang="ko-KR" b="1" dirty="0" smtClean="0"/>
-          </a:p>
-          <a:p>
-            <a:r>
-              <a:rPr lang="en-US" altLang="ko-KR" sz="1600" dirty="0" smtClean="0"/>
-              <a:t>Amazon Web Service RDS </a:t>
-            </a:r>
-            <a:r>
-              <a:rPr lang="en-US" altLang="ko-KR" sz="1600" dirty="0" smtClean="0"/>
-              <a:t>MySQL 8.0.23</a:t>
-            </a:r>
-            <a:endParaRPr lang="en-US" altLang="ko-KR" sz="1600" dirty="0" smtClean="0"/>
+            <a:endParaRPr lang="en-US" altLang="ko-KR" b="1" dirty="0"/>
+          </a:p>
+          <a:p>
+            <a:r>
+              <a:rPr lang="en-US" altLang="ko-KR" sz="1600" dirty="0"/>
+              <a:t>Amazon Web Service RDS MySQL 8.0.23</a:t>
+            </a:r>
           </a:p>
           <a:p>
             <a:endParaRPr lang="en-US" altLang="ko-KR" dirty="0"/>
           </a:p>
           <a:p>
             <a:r>
-              <a:rPr lang="ko-KR" altLang="en-US" b="1" dirty="0" smtClean="0"/>
+              <a:rPr lang="ko-KR" altLang="en-US" b="1" dirty="0"/>
               <a:t>웹 서버 구축</a:t>
             </a:r>
-            <a:endParaRPr lang="en-US" altLang="ko-KR" b="1" dirty="0" smtClean="0"/>
-          </a:p>
-          <a:p>
-            <a:r>
-              <a:rPr lang="en-US" altLang="ko-KR" sz="1600" dirty="0" smtClean="0"/>
-              <a:t>Amazon </a:t>
-            </a:r>
+            <a:endParaRPr lang="en-US" altLang="ko-KR" b="1" dirty="0"/>
+          </a:p>
+          <a:p>
             <a:r>
               <a:rPr lang="en-US" altLang="ko-KR" sz="1600" dirty="0"/>
-              <a:t>Web Service Elastic Beanstalk</a:t>
-            </a:r>
-            <a:endParaRPr lang="en-US" altLang="ko-KR" sz="1600" dirty="0" smtClean="0"/>
+              <a:t>Amazon Web Service Elastic Beanstalk</a:t>
+            </a:r>
           </a:p>
           <a:p>
             <a:endParaRPr lang="en-US" altLang="ko-KR" dirty="0"/>
           </a:p>
           <a:p>
             <a:r>
-              <a:rPr lang="ko-KR" altLang="en-US" b="1" dirty="0" smtClean="0"/>
+              <a:rPr lang="ko-KR" altLang="en-US" b="1" dirty="0"/>
               <a:t>형상관리</a:t>
             </a:r>
-            <a:endParaRPr lang="en-US" altLang="ko-KR" b="1" dirty="0" smtClean="0"/>
-          </a:p>
-          <a:p>
-            <a:r>
-              <a:rPr lang="en-US" altLang="ko-KR" sz="1600" dirty="0" smtClean="0"/>
+            <a:endParaRPr lang="en-US" altLang="ko-KR" b="1" dirty="0"/>
+          </a:p>
+          <a:p>
+            <a:r>
+              <a:rPr lang="en-US" altLang="ko-KR" sz="1600" dirty="0"/>
               <a:t>GitHub 2.6.6 for window</a:t>
             </a:r>
           </a:p>
@@ -11661,13 +11562,6 @@
   <p:clrMapOvr>
     <a:masterClrMapping/>
   </p:clrMapOvr>
-  <p:timing>
-    <p:tnLst>
-      <p:par>
-        <p:cTn id="1" dur="indefinite" restart="never" nodeType="tmRoot"/>
-      </p:par>
-    </p:tnLst>
-  </p:timing>
 </p:sld>
 </file>
 
@@ -12169,7 +12063,7 @@
             <a:p>
               <a:pPr algn="ctr"/>
               <a:r>
-                <a:rPr lang="en-US" altLang="ko-KR" sz="6000" dirty="0" smtClean="0">
+                <a:rPr lang="en-US" altLang="ko-KR" sz="6000" dirty="0">
                   <a:solidFill>
                     <a:schemeClr val="bg1"/>
                   </a:solidFill>
@@ -12423,7 +12317,7 @@
             <a:p>
               <a:pPr algn="ctr"/>
               <a:r>
-                <a:rPr lang="en-US" altLang="ko-KR" sz="2400" u="sng" dirty="0" err="1" smtClean="0">
+                <a:rPr lang="en-US" altLang="ko-KR" sz="2400" u="sng" dirty="0" err="1">
                   <a:solidFill>
                     <a:schemeClr val="accent5">
                       <a:lumMod val="75000"/>
@@ -12637,7 +12531,7 @@
             <a:lstStyle/>
             <a:p>
               <a:r>
-                <a:rPr lang="ko-KR" altLang="en-US" sz="2400" b="1" u="sng" dirty="0" smtClean="0">
+                <a:rPr lang="ko-KR" altLang="en-US" sz="2400" b="1" u="sng" dirty="0">
                   <a:solidFill>
                     <a:schemeClr val="accent5">
                       <a:lumMod val="75000"/>
@@ -12667,13 +12561,6 @@
   <p:clrMapOvr>
     <a:masterClrMapping/>
   </p:clrMapOvr>
-  <p:timing>
-    <p:tnLst>
-      <p:par>
-        <p:cTn id="1" dur="indefinite" restart="never" nodeType="tmRoot"/>
-      </p:par>
-    </p:tnLst>
-  </p:timing>
 </p:sld>
 </file>
 
@@ -13010,7 +12897,7 @@
           <a:lstStyle/>
           <a:p>
             <a:r>
-              <a:rPr lang="ko-KR" altLang="en-US" sz="3200" dirty="0" smtClean="0">
+              <a:rPr lang="ko-KR" altLang="en-US" sz="3200" dirty="0">
                 <a:latin typeface="나눔고딕" panose="020D0604000000000000" pitchFamily="50" charset="-127"/>
                 <a:ea typeface="나눔고딕" panose="020D0604000000000000" pitchFamily="50" charset="-127"/>
                 <a:cs typeface="Open Sans Semibold" panose="020B0706030804020204" pitchFamily="34" charset="0"/>
@@ -13018,7 +12905,7 @@
               <a:t>프로젝트 일정 </a:t>
             </a:r>
             <a:r>
-              <a:rPr lang="en-US" altLang="ko-KR" sz="2800" dirty="0" smtClean="0">
+              <a:rPr lang="en-US" altLang="ko-KR" sz="2800" dirty="0">
                 <a:latin typeface="나눔고딕" panose="020D0604000000000000" pitchFamily="50" charset="-127"/>
                 <a:ea typeface="나눔고딕" panose="020D0604000000000000" pitchFamily="50" charset="-127"/>
                 <a:cs typeface="Open Sans Semibold" panose="020B0706030804020204" pitchFamily="34" charset="0"/>
@@ -13026,7 +12913,7 @@
               <a:t>(</a:t>
             </a:r>
             <a:r>
-              <a:rPr lang="ko-KR" altLang="en-US" sz="2800" dirty="0" smtClean="0">
+              <a:rPr lang="ko-KR" altLang="en-US" sz="2800" dirty="0">
                 <a:latin typeface="나눔고딕" panose="020D0604000000000000" pitchFamily="50" charset="-127"/>
                 <a:ea typeface="나눔고딕" panose="020D0604000000000000" pitchFamily="50" charset="-127"/>
                 <a:cs typeface="Open Sans Semibold" panose="020B0706030804020204" pitchFamily="34" charset="0"/>
@@ -13034,7 +12921,7 @@
               <a:t>송훈일</a:t>
             </a:r>
             <a:r>
-              <a:rPr lang="en-US" altLang="ko-KR" sz="2800" dirty="0" smtClean="0">
+              <a:rPr lang="en-US" altLang="ko-KR" sz="2800" dirty="0">
                 <a:latin typeface="나눔고딕" panose="020D0604000000000000" pitchFamily="50" charset="-127"/>
                 <a:ea typeface="나눔고딕" panose="020D0604000000000000" pitchFamily="50" charset="-127"/>
                 <a:cs typeface="Open Sans Semibold" panose="020B0706030804020204" pitchFamily="34" charset="0"/>
@@ -13042,18 +12929,13 @@
               <a:t>)</a:t>
             </a:r>
             <a:r>
-              <a:rPr lang="ko-KR" altLang="en-US" sz="2800" dirty="0" smtClean="0">
+              <a:rPr lang="ko-KR" altLang="en-US" sz="2800" dirty="0">
                 <a:latin typeface="나눔고딕" panose="020D0604000000000000" pitchFamily="50" charset="-127"/>
                 <a:ea typeface="나눔고딕" panose="020D0604000000000000" pitchFamily="50" charset="-127"/>
                 <a:cs typeface="Open Sans Semibold" panose="020B0706030804020204" pitchFamily="34" charset="0"/>
               </a:rPr>
               <a:t> </a:t>
             </a:r>
-            <a:endParaRPr lang="ko-KR" altLang="en-US" sz="2800" dirty="0">
-              <a:latin typeface="나눔고딕" panose="020D0604000000000000" pitchFamily="50" charset="-127"/>
-              <a:ea typeface="나눔고딕" panose="020D0604000000000000" pitchFamily="50" charset="-127"/>
-              <a:cs typeface="Open Sans Semibold" panose="020B0706030804020204" pitchFamily="34" charset="0"/>
-            </a:endParaRPr>
           </a:p>
         </p:txBody>
       </p:sp>
@@ -13079,7 +12961,7 @@
           <a:lstStyle/>
           <a:p>
             <a:r>
-              <a:rPr lang="en-US" altLang="ko-KR" sz="2400" dirty="0" smtClean="0">
+              <a:rPr lang="en-US" altLang="ko-KR" sz="2400" dirty="0">
                 <a:solidFill>
                   <a:schemeClr val="bg1"/>
                 </a:solidFill>
@@ -13116,13 +12998,55 @@
                 <a:tableStyleId>{8EC20E35-A176-4012-BC5E-935CFFF8708E}</a:tableStyleId>
               </a:tblPr>
               <a:tblGrid>
-                <a:gridCol w="1377834"/>
-                <a:gridCol w="1377834"/>
-                <a:gridCol w="1377834"/>
-                <a:gridCol w="1377834"/>
-                <a:gridCol w="1377834"/>
-                <a:gridCol w="1377834"/>
-                <a:gridCol w="1377834"/>
+                <a:gridCol w="1377834">
+                  <a:extLst>
+                    <a:ext uri="{9D8B030D-6E8A-4147-A177-3AD203B41FA5}">
+                      <a16:colId xmlns:a16="http://schemas.microsoft.com/office/drawing/2014/main" val="20000"/>
+                    </a:ext>
+                  </a:extLst>
+                </a:gridCol>
+                <a:gridCol w="1377834">
+                  <a:extLst>
+                    <a:ext uri="{9D8B030D-6E8A-4147-A177-3AD203B41FA5}">
+                      <a16:colId xmlns:a16="http://schemas.microsoft.com/office/drawing/2014/main" val="20001"/>
+                    </a:ext>
+                  </a:extLst>
+                </a:gridCol>
+                <a:gridCol w="1377834">
+                  <a:extLst>
+                    <a:ext uri="{9D8B030D-6E8A-4147-A177-3AD203B41FA5}">
+                      <a16:colId xmlns:a16="http://schemas.microsoft.com/office/drawing/2014/main" val="20002"/>
+                    </a:ext>
+                  </a:extLst>
+                </a:gridCol>
+                <a:gridCol w="1377834">
+                  <a:extLst>
+                    <a:ext uri="{9D8B030D-6E8A-4147-A177-3AD203B41FA5}">
+                      <a16:colId xmlns:a16="http://schemas.microsoft.com/office/drawing/2014/main" val="20003"/>
+                    </a:ext>
+                  </a:extLst>
+                </a:gridCol>
+                <a:gridCol w="1377834">
+                  <a:extLst>
+                    <a:ext uri="{9D8B030D-6E8A-4147-A177-3AD203B41FA5}">
+                      <a16:colId xmlns:a16="http://schemas.microsoft.com/office/drawing/2014/main" val="20004"/>
+                    </a:ext>
+                  </a:extLst>
+                </a:gridCol>
+                <a:gridCol w="1377834">
+                  <a:extLst>
+                    <a:ext uri="{9D8B030D-6E8A-4147-A177-3AD203B41FA5}">
+                      <a16:colId xmlns:a16="http://schemas.microsoft.com/office/drawing/2014/main" val="20005"/>
+                    </a:ext>
+                  </a:extLst>
+                </a:gridCol>
+                <a:gridCol w="1377834">
+                  <a:extLst>
+                    <a:ext uri="{9D8B030D-6E8A-4147-A177-3AD203B41FA5}">
+                      <a16:colId xmlns:a16="http://schemas.microsoft.com/office/drawing/2014/main" val="20006"/>
+                    </a:ext>
+                  </a:extLst>
+                </a:gridCol>
               </a:tblGrid>
               <a:tr h="309570">
                 <a:tc>
@@ -13132,10 +13056,9 @@
                     <a:p>
                       <a:pPr latinLnBrk="1"/>
                       <a:r>
-                        <a:rPr lang="ko-KR" altLang="en-US" dirty="0" smtClean="0"/>
+                        <a:rPr lang="ko-KR" altLang="en-US" dirty="0"/>
                         <a:t>일</a:t>
                       </a:r>
-                      <a:endParaRPr lang="ko-KR" altLang="en-US" dirty="0"/>
                     </a:p>
                   </a:txBody>
                   <a:tcPr/>
@@ -13147,10 +13070,9 @@
                     <a:p>
                       <a:pPr latinLnBrk="1"/>
                       <a:r>
-                        <a:rPr lang="ko-KR" altLang="en-US" dirty="0" smtClean="0"/>
+                        <a:rPr lang="ko-KR" altLang="en-US" dirty="0"/>
                         <a:t>월</a:t>
                       </a:r>
-                      <a:endParaRPr lang="ko-KR" altLang="en-US" dirty="0"/>
                     </a:p>
                   </a:txBody>
                   <a:tcPr/>
@@ -13162,10 +13084,9 @@
                     <a:p>
                       <a:pPr latinLnBrk="1"/>
                       <a:r>
-                        <a:rPr lang="ko-KR" altLang="en-US" dirty="0" smtClean="0"/>
+                        <a:rPr lang="ko-KR" altLang="en-US" dirty="0"/>
                         <a:t>화</a:t>
                       </a:r>
-                      <a:endParaRPr lang="ko-KR" altLang="en-US" dirty="0"/>
                     </a:p>
                   </a:txBody>
                   <a:tcPr/>
@@ -13177,10 +13098,9 @@
                     <a:p>
                       <a:pPr latinLnBrk="1"/>
                       <a:r>
-                        <a:rPr lang="ko-KR" altLang="en-US" dirty="0" smtClean="0"/>
+                        <a:rPr lang="ko-KR" altLang="en-US" dirty="0"/>
                         <a:t>수</a:t>
                       </a:r>
-                      <a:endParaRPr lang="ko-KR" altLang="en-US" dirty="0"/>
                     </a:p>
                   </a:txBody>
                   <a:tcPr/>
@@ -13192,10 +13112,9 @@
                     <a:p>
                       <a:pPr latinLnBrk="1"/>
                       <a:r>
-                        <a:rPr lang="ko-KR" altLang="en-US" dirty="0" smtClean="0"/>
+                        <a:rPr lang="ko-KR" altLang="en-US" dirty="0"/>
                         <a:t>목</a:t>
                       </a:r>
-                      <a:endParaRPr lang="ko-KR" altLang="en-US" dirty="0"/>
                     </a:p>
                   </a:txBody>
                   <a:tcPr/>
@@ -13207,10 +13126,9 @@
                     <a:p>
                       <a:pPr latinLnBrk="1"/>
                       <a:r>
-                        <a:rPr lang="ko-KR" altLang="en-US" dirty="0" smtClean="0"/>
+                        <a:rPr lang="ko-KR" altLang="en-US" dirty="0"/>
                         <a:t>금</a:t>
                       </a:r>
-                      <a:endParaRPr lang="ko-KR" altLang="en-US" dirty="0"/>
                     </a:p>
                   </a:txBody>
                   <a:tcPr/>
@@ -13222,14 +13140,18 @@
                     <a:p>
                       <a:pPr latinLnBrk="1"/>
                       <a:r>
-                        <a:rPr lang="ko-KR" altLang="en-US" dirty="0" smtClean="0"/>
+                        <a:rPr lang="ko-KR" altLang="en-US" dirty="0"/>
                         <a:t>토</a:t>
                       </a:r>
-                      <a:endParaRPr lang="ko-KR" altLang="en-US" dirty="0"/>
                     </a:p>
                   </a:txBody>
                   <a:tcPr/>
                 </a:tc>
+                <a:extLst>
+                  <a:ext uri="{0D108BD9-81ED-4DB2-BD59-A6C34878D82A}">
+                    <a16:rowId xmlns:a16="http://schemas.microsoft.com/office/drawing/2014/main" val="10000"/>
+                  </a:ext>
+                </a:extLst>
               </a:tr>
               <a:tr h="446568">
                 <a:tc>
@@ -13272,7 +13194,7 @@
                     <a:p>
                       <a:pPr latinLnBrk="1"/>
                       <a:r>
-                        <a:rPr lang="en-US" altLang="ko-KR" dirty="0" smtClean="0"/>
+                        <a:rPr lang="en-US" altLang="ko-KR" dirty="0"/>
                         <a:t>3/24</a:t>
                       </a:r>
                       <a:endParaRPr lang="ko-KR" altLang="en-US" dirty="0"/>
@@ -13287,7 +13209,7 @@
                     <a:p>
                       <a:pPr latinLnBrk="1"/>
                       <a:r>
-                        <a:rPr lang="en-US" altLang="ko-KR" dirty="0" smtClean="0"/>
+                        <a:rPr lang="en-US" altLang="ko-KR" dirty="0"/>
                         <a:t>3/25</a:t>
                       </a:r>
                       <a:endParaRPr lang="ko-KR" altLang="en-US" dirty="0"/>
@@ -13302,7 +13224,7 @@
                     <a:p>
                       <a:pPr latinLnBrk="1"/>
                       <a:r>
-                        <a:rPr lang="en-US" altLang="ko-KR" dirty="0" smtClean="0"/>
+                        <a:rPr lang="en-US" altLang="ko-KR" dirty="0"/>
                         <a:t>3/26</a:t>
                       </a:r>
                       <a:endParaRPr lang="ko-KR" altLang="en-US" dirty="0"/>
@@ -13317,7 +13239,7 @@
                     <a:p>
                       <a:pPr latinLnBrk="1"/>
                       <a:r>
-                        <a:rPr lang="en-US" altLang="ko-KR" dirty="0" smtClean="0"/>
+                        <a:rPr lang="en-US" altLang="ko-KR" dirty="0"/>
                         <a:t>3/27</a:t>
                       </a:r>
                       <a:endParaRPr lang="ko-KR" altLang="en-US" dirty="0"/>
@@ -13325,6 +13247,11 @@
                   </a:txBody>
                   <a:tcPr/>
                 </a:tc>
+                <a:extLst>
+                  <a:ext uri="{0D108BD9-81ED-4DB2-BD59-A6C34878D82A}">
+                    <a16:rowId xmlns:a16="http://schemas.microsoft.com/office/drawing/2014/main" val="10001"/>
+                  </a:ext>
+                </a:extLst>
               </a:tr>
               <a:tr h="1679945">
                 <a:tc>
@@ -13367,86 +13294,86 @@
                     <a:p>
                       <a:pPr latinLnBrk="1"/>
                       <a:r>
-                        <a:rPr lang="ko-KR" altLang="en-US" sz="1200" dirty="0" smtClean="0"/>
+                        <a:rPr lang="ko-KR" altLang="en-US" sz="1200" dirty="0"/>
                         <a:t>아이디어 </a:t>
                       </a:r>
-                      <a:endParaRPr lang="en-US" altLang="ko-KR" sz="1200" dirty="0" smtClean="0"/>
-                    </a:p>
-                    <a:p>
-                      <a:pPr latinLnBrk="1"/>
-                      <a:r>
-                        <a:rPr lang="ko-KR" altLang="en-US" sz="1200" dirty="0" smtClean="0"/>
+                      <a:endParaRPr lang="en-US" altLang="ko-KR" sz="1200" dirty="0"/>
+                    </a:p>
+                    <a:p>
+                      <a:pPr latinLnBrk="1"/>
+                      <a:r>
+                        <a:rPr lang="ko-KR" altLang="en-US" sz="1200" dirty="0"/>
                         <a:t>브레인 </a:t>
                       </a:r>
                       <a:r>
-                        <a:rPr lang="ko-KR" altLang="en-US" sz="1200" dirty="0" err="1" smtClean="0"/>
+                        <a:rPr lang="ko-KR" altLang="en-US" sz="1200" dirty="0" err="1"/>
                         <a:t>스토밍</a:t>
                       </a:r>
-                      <a:endParaRPr lang="en-US" altLang="ko-KR" sz="1200" dirty="0" smtClean="0"/>
-                    </a:p>
-                    <a:p>
-                      <a:pPr latinLnBrk="1"/>
-                      <a:endParaRPr lang="en-US" altLang="ko-KR" sz="1200" dirty="0" smtClean="0"/>
-                    </a:p>
-                    <a:p>
-                      <a:pPr latinLnBrk="1"/>
-                      <a:r>
-                        <a:rPr lang="ko-KR" altLang="en-US" sz="1200" dirty="0" smtClean="0"/>
+                      <a:endParaRPr lang="en-US" altLang="ko-KR" sz="1200" dirty="0"/>
+                    </a:p>
+                    <a:p>
+                      <a:pPr latinLnBrk="1"/>
+                      <a:endParaRPr lang="en-US" altLang="ko-KR" sz="1200" dirty="0"/>
+                    </a:p>
+                    <a:p>
+                      <a:pPr latinLnBrk="1"/>
+                      <a:r>
+                        <a:rPr lang="ko-KR" altLang="en-US" sz="1200" dirty="0"/>
                         <a:t>구조 수정</a:t>
                       </a:r>
-                      <a:endParaRPr lang="en-US" altLang="ko-KR" sz="1200" dirty="0" smtClean="0"/>
-                    </a:p>
-                    <a:p>
-                      <a:pPr latinLnBrk="1"/>
-                      <a:endParaRPr lang="en-US" altLang="ko-KR" sz="1200" dirty="0" smtClean="0"/>
-                    </a:p>
-                    <a:p>
-                      <a:pPr latinLnBrk="1"/>
-                      <a:r>
-                        <a:rPr lang="en-US" altLang="ko-KR" sz="1200" dirty="0" smtClean="0"/>
+                      <a:endParaRPr lang="en-US" altLang="ko-KR" sz="1200" dirty="0"/>
+                    </a:p>
+                    <a:p>
+                      <a:pPr latinLnBrk="1"/>
+                      <a:endParaRPr lang="en-US" altLang="ko-KR" sz="1200" dirty="0"/>
+                    </a:p>
+                    <a:p>
+                      <a:pPr latinLnBrk="1"/>
+                      <a:r>
+                        <a:rPr lang="en-US" altLang="ko-KR" sz="1200" dirty="0"/>
                         <a:t>Python</a:t>
                       </a:r>
                       <a:r>
-                        <a:rPr lang="en-US" altLang="ko-KR" sz="1200" baseline="0" dirty="0" smtClean="0"/>
+                        <a:rPr lang="en-US" altLang="ko-KR" sz="1200" baseline="0" dirty="0"/>
                         <a:t> -&gt; </a:t>
                       </a:r>
                       <a:r>
-                        <a:rPr lang="en-US" altLang="ko-KR" sz="1200" baseline="0" dirty="0" err="1" smtClean="0"/>
+                        <a:rPr lang="en-US" altLang="ko-KR" sz="1200" baseline="0" dirty="0" err="1"/>
                         <a:t>webServer</a:t>
                       </a:r>
                       <a:r>
-                        <a:rPr lang="en-US" altLang="ko-KR" sz="1200" baseline="0" dirty="0" smtClean="0"/>
+                        <a:rPr lang="en-US" altLang="ko-KR" sz="1200" baseline="0" dirty="0"/>
                         <a:t> </a:t>
                       </a:r>
                       <a:r>
-                        <a:rPr lang="ko-KR" altLang="en-US" sz="1200" baseline="0" dirty="0" smtClean="0"/>
+                        <a:rPr lang="ko-KR" altLang="en-US" sz="1200" baseline="0" dirty="0"/>
                         <a:t>통신</a:t>
                       </a:r>
-                      <a:endParaRPr lang="en-US" altLang="ko-KR" sz="1200" baseline="0" dirty="0" smtClean="0"/>
-                    </a:p>
-                    <a:p>
-                      <a:pPr latinLnBrk="1"/>
-                      <a:endParaRPr lang="en-US" altLang="ko-KR" sz="1200" baseline="0" dirty="0" smtClean="0"/>
-                    </a:p>
-                    <a:p>
-                      <a:pPr latinLnBrk="1"/>
-                      <a:r>
-                        <a:rPr lang="en-US" altLang="ko-KR" sz="1200" baseline="0" dirty="0" smtClean="0"/>
+                      <a:endParaRPr lang="en-US" altLang="ko-KR" sz="1200" baseline="0" dirty="0"/>
+                    </a:p>
+                    <a:p>
+                      <a:pPr latinLnBrk="1"/>
+                      <a:endParaRPr lang="en-US" altLang="ko-KR" sz="1200" baseline="0" dirty="0"/>
+                    </a:p>
+                    <a:p>
+                      <a:pPr latinLnBrk="1"/>
+                      <a:r>
+                        <a:rPr lang="en-US" altLang="ko-KR" sz="1200" baseline="0" dirty="0"/>
                         <a:t>Android -&gt; </a:t>
                       </a:r>
                       <a:r>
-                        <a:rPr lang="en-US" altLang="ko-KR" sz="1200" baseline="0" dirty="0" err="1" smtClean="0"/>
+                        <a:rPr lang="en-US" altLang="ko-KR" sz="1200" baseline="0" dirty="0" err="1"/>
                         <a:t>webServer</a:t>
                       </a:r>
                       <a:r>
-                        <a:rPr lang="en-US" altLang="ko-KR" sz="1200" baseline="0" dirty="0" smtClean="0"/>
+                        <a:rPr lang="en-US" altLang="ko-KR" sz="1200" baseline="0" dirty="0"/>
                         <a:t> </a:t>
                       </a:r>
                       <a:r>
-                        <a:rPr lang="ko-KR" altLang="en-US" sz="1200" baseline="0" dirty="0" smtClean="0"/>
+                        <a:rPr lang="ko-KR" altLang="en-US" sz="1200" baseline="0" dirty="0"/>
                         <a:t>통신</a:t>
                       </a:r>
-                      <a:endParaRPr lang="en-US" altLang="ko-KR" sz="1200" baseline="0" dirty="0" smtClean="0"/>
+                      <a:endParaRPr lang="en-US" altLang="ko-KR" sz="1200" baseline="0" dirty="0"/>
                     </a:p>
                     <a:p>
                       <a:pPr latinLnBrk="1"/>
@@ -13462,82 +13389,81 @@
                     <a:p>
                       <a:pPr latinLnBrk="1"/>
                       <a:r>
-                        <a:rPr lang="ko-KR" altLang="en-US" sz="1200" dirty="0" smtClean="0"/>
+                        <a:rPr lang="ko-KR" altLang="en-US" sz="1200" dirty="0"/>
                         <a:t>서버 기초 구현 테스트</a:t>
                       </a:r>
-                      <a:endParaRPr lang="en-US" altLang="ko-KR" sz="1200" dirty="0" smtClean="0"/>
-                    </a:p>
-                    <a:p>
-                      <a:pPr latinLnBrk="1"/>
-                      <a:endParaRPr lang="en-US" altLang="ko-KR" sz="1200" dirty="0" smtClean="0"/>
-                    </a:p>
-                    <a:p>
-                      <a:pPr latinLnBrk="1"/>
-                      <a:r>
-                        <a:rPr lang="en-US" altLang="ko-KR" sz="1200" dirty="0" smtClean="0"/>
+                      <a:endParaRPr lang="en-US" altLang="ko-KR" sz="1200" dirty="0"/>
+                    </a:p>
+                    <a:p>
+                      <a:pPr latinLnBrk="1"/>
+                      <a:endParaRPr lang="en-US" altLang="ko-KR" sz="1200" dirty="0"/>
+                    </a:p>
+                    <a:p>
+                      <a:pPr latinLnBrk="1"/>
+                      <a:r>
+                        <a:rPr lang="en-US" altLang="ko-KR" sz="1200" dirty="0"/>
                         <a:t>AWS </a:t>
                       </a:r>
                       <a:r>
-                        <a:rPr lang="ko-KR" altLang="en-US" sz="1200" dirty="0" smtClean="0"/>
+                        <a:rPr lang="ko-KR" altLang="en-US" sz="1200" dirty="0"/>
                         <a:t>연동 확인</a:t>
                       </a:r>
-                      <a:endParaRPr lang="en-US" altLang="ko-KR" sz="1200" dirty="0" smtClean="0"/>
-                    </a:p>
-                    <a:p>
-                      <a:pPr latinLnBrk="1"/>
-                      <a:endParaRPr lang="en-US" altLang="ko-KR" sz="1200" dirty="0" smtClean="0"/>
-                    </a:p>
-                    <a:p>
-                      <a:pPr latinLnBrk="1"/>
-                      <a:r>
-                        <a:rPr lang="ko-KR" altLang="en-US" sz="1200" dirty="0" smtClean="0"/>
+                      <a:endParaRPr lang="en-US" altLang="ko-KR" sz="1200" dirty="0"/>
+                    </a:p>
+                    <a:p>
+                      <a:pPr latinLnBrk="1"/>
+                      <a:endParaRPr lang="en-US" altLang="ko-KR" sz="1200" dirty="0"/>
+                    </a:p>
+                    <a:p>
+                      <a:pPr latinLnBrk="1"/>
+                      <a:r>
+                        <a:rPr lang="ko-KR" altLang="en-US" sz="1200" dirty="0"/>
                         <a:t>코딩 스타일 통일</a:t>
                       </a:r>
-                      <a:endParaRPr lang="en-US" altLang="ko-KR" sz="1200" dirty="0" smtClean="0"/>
-                    </a:p>
-                    <a:p>
-                      <a:pPr latinLnBrk="1"/>
-                      <a:endParaRPr lang="en-US" altLang="ko-KR" sz="1200" dirty="0" smtClean="0"/>
-                    </a:p>
-                    <a:p>
-                      <a:pPr latinLnBrk="1"/>
-                      <a:r>
-                        <a:rPr lang="en-US" altLang="ko-KR" sz="1200" dirty="0" smtClean="0"/>
+                      <a:endParaRPr lang="en-US" altLang="ko-KR" sz="1200" dirty="0"/>
+                    </a:p>
+                    <a:p>
+                      <a:pPr latinLnBrk="1"/>
+                      <a:endParaRPr lang="en-US" altLang="ko-KR" sz="1200" dirty="0"/>
+                    </a:p>
+                    <a:p>
+                      <a:pPr latinLnBrk="1"/>
+                      <a:r>
+                        <a:rPr lang="en-US" altLang="ko-KR" sz="1200" dirty="0"/>
                         <a:t>[</a:t>
                       </a:r>
                       <a:r>
-                        <a:rPr lang="en-US" altLang="ko-KR" sz="1200" dirty="0" err="1" smtClean="0"/>
+                        <a:rPr lang="en-US" altLang="ko-KR" sz="1200" dirty="0" err="1"/>
                         <a:t>scalatra</a:t>
                       </a:r>
                       <a:r>
-                        <a:rPr lang="en-US" altLang="ko-KR" sz="1200" dirty="0" smtClean="0"/>
+                        <a:rPr lang="en-US" altLang="ko-KR" sz="1200" dirty="0"/>
                         <a:t>] </a:t>
                       </a:r>
                       <a:r>
-                        <a:rPr lang="ko-KR" altLang="en-US" sz="1200" dirty="0" smtClean="0"/>
+                        <a:rPr lang="ko-KR" altLang="en-US" sz="1200" dirty="0"/>
                         <a:t>통신 </a:t>
                       </a:r>
-                      <a:endParaRPr lang="en-US" altLang="ko-KR" sz="1200" dirty="0" smtClean="0"/>
-                    </a:p>
-                    <a:p>
-                      <a:pPr latinLnBrk="1"/>
-                      <a:r>
-                        <a:rPr lang="ko-KR" altLang="en-US" sz="1200" dirty="0" smtClean="0"/>
+                      <a:endParaRPr lang="en-US" altLang="ko-KR" sz="1200" dirty="0"/>
+                    </a:p>
+                    <a:p>
+                      <a:pPr latinLnBrk="1"/>
+                      <a:r>
+                        <a:rPr lang="ko-KR" altLang="en-US" sz="1200" dirty="0"/>
                         <a:t>프로토콜 제공</a:t>
                       </a:r>
-                      <a:endParaRPr lang="en-US" altLang="ko-KR" sz="1200" dirty="0" smtClean="0"/>
-                    </a:p>
-                    <a:p>
-                      <a:pPr latinLnBrk="1"/>
-                      <a:endParaRPr lang="en-US" altLang="ko-KR" sz="1200" dirty="0" smtClean="0"/>
-                    </a:p>
-                    <a:p>
-                      <a:pPr latinLnBrk="1"/>
-                      <a:r>
-                        <a:rPr lang="ko-KR" altLang="en-US" sz="1200" dirty="0" smtClean="0"/>
+                      <a:endParaRPr lang="en-US" altLang="ko-KR" sz="1200" dirty="0"/>
+                    </a:p>
+                    <a:p>
+                      <a:pPr latinLnBrk="1"/>
+                      <a:endParaRPr lang="en-US" altLang="ko-KR" sz="1200" dirty="0"/>
+                    </a:p>
+                    <a:p>
+                      <a:pPr latinLnBrk="1"/>
+                      <a:r>
+                        <a:rPr lang="ko-KR" altLang="en-US" sz="1200" dirty="0"/>
                         <a:t>가설 입증 알고리즘 개발</a:t>
                       </a:r>
-                      <a:endParaRPr lang="ko-KR" altLang="en-US" sz="1200" dirty="0"/>
                     </a:p>
                   </a:txBody>
                   <a:tcPr/>
@@ -13549,50 +13475,49 @@
                     <a:p>
                       <a:pPr latinLnBrk="1"/>
                       <a:r>
-                        <a:rPr lang="ko-KR" altLang="en-US" sz="1200" dirty="0" smtClean="0"/>
+                        <a:rPr lang="ko-KR" altLang="en-US" sz="1200" dirty="0"/>
                         <a:t>각 개발환경에 </a:t>
                       </a:r>
-                      <a:endParaRPr lang="en-US" altLang="ko-KR" sz="1200" dirty="0" smtClean="0"/>
-                    </a:p>
-                    <a:p>
-                      <a:pPr latinLnBrk="1"/>
-                      <a:r>
-                        <a:rPr lang="ko-KR" altLang="en-US" sz="1200" dirty="0" smtClean="0"/>
+                      <a:endParaRPr lang="en-US" altLang="ko-KR" sz="1200" dirty="0"/>
+                    </a:p>
+                    <a:p>
+                      <a:pPr latinLnBrk="1"/>
+                      <a:r>
+                        <a:rPr lang="ko-KR" altLang="en-US" sz="1200" dirty="0"/>
                         <a:t>서버실행 환경 </a:t>
                       </a:r>
-                      <a:endParaRPr lang="en-US" altLang="ko-KR" sz="1200" dirty="0" smtClean="0"/>
-                    </a:p>
-                    <a:p>
-                      <a:pPr latinLnBrk="1"/>
-                      <a:r>
-                        <a:rPr lang="ko-KR" altLang="en-US" sz="1200" dirty="0" err="1" smtClean="0"/>
+                      <a:endParaRPr lang="en-US" altLang="ko-KR" sz="1200" dirty="0"/>
+                    </a:p>
+                    <a:p>
+                      <a:pPr latinLnBrk="1"/>
+                      <a:r>
+                        <a:rPr lang="ko-KR" altLang="en-US" sz="1200" dirty="0" err="1"/>
                         <a:t>셋팅</a:t>
                       </a:r>
-                      <a:endParaRPr lang="en-US" altLang="ko-KR" sz="1200" dirty="0" smtClean="0"/>
-                    </a:p>
-                    <a:p>
-                      <a:pPr latinLnBrk="1"/>
-                      <a:endParaRPr lang="en-US" altLang="ko-KR" sz="1200" dirty="0" smtClean="0"/>
-                    </a:p>
-                    <a:p>
-                      <a:pPr latinLnBrk="1"/>
-                      <a:r>
-                        <a:rPr lang="en-US" altLang="ko-KR" sz="1200" dirty="0" smtClean="0"/>
+                      <a:endParaRPr lang="en-US" altLang="ko-KR" sz="1200" dirty="0"/>
+                    </a:p>
+                    <a:p>
+                      <a:pPr latinLnBrk="1"/>
+                      <a:endParaRPr lang="en-US" altLang="ko-KR" sz="1200" dirty="0"/>
+                    </a:p>
+                    <a:p>
+                      <a:pPr latinLnBrk="1"/>
+                      <a:r>
+                        <a:rPr lang="en-US" altLang="ko-KR" sz="1200" dirty="0"/>
                         <a:t>[</a:t>
                       </a:r>
                       <a:r>
-                        <a:rPr lang="en-US" altLang="ko-KR" sz="1200" dirty="0" err="1" smtClean="0"/>
+                        <a:rPr lang="en-US" altLang="ko-KR" sz="1200" dirty="0" err="1"/>
                         <a:t>scalatra</a:t>
                       </a:r>
                       <a:r>
-                        <a:rPr lang="en-US" altLang="ko-KR" sz="1200" dirty="0" smtClean="0"/>
+                        <a:rPr lang="en-US" altLang="ko-KR" sz="1200" dirty="0"/>
                         <a:t>] </a:t>
                       </a:r>
                       <a:r>
-                        <a:rPr lang="ko-KR" altLang="en-US" sz="1200" dirty="0" smtClean="0"/>
+                        <a:rPr lang="ko-KR" altLang="en-US" sz="1200" dirty="0"/>
                         <a:t>통신 프로토콜 제공</a:t>
                       </a:r>
-                      <a:endParaRPr lang="ko-KR" altLang="en-US" sz="1200" dirty="0"/>
                     </a:p>
                   </a:txBody>
                   <a:tcPr/>
@@ -13604,50 +13529,55 @@
                     <a:p>
                       <a:pPr latinLnBrk="1"/>
                       <a:r>
-                        <a:rPr lang="en-US" altLang="ko-KR" sz="1200" dirty="0" smtClean="0"/>
+                        <a:rPr lang="en-US" altLang="ko-KR" sz="1200" dirty="0"/>
                         <a:t>[android] </a:t>
                       </a:r>
                       <a:r>
-                        <a:rPr lang="ko-KR" altLang="en-US" sz="1200" dirty="0" smtClean="0"/>
+                        <a:rPr lang="ko-KR" altLang="en-US" sz="1200" dirty="0"/>
                         <a:t>데이터 및 알고리즘 시각화</a:t>
                       </a:r>
-                      <a:endParaRPr lang="en-US" altLang="ko-KR" sz="1200" dirty="0" smtClean="0"/>
-                    </a:p>
-                    <a:p>
-                      <a:pPr latinLnBrk="1"/>
-                      <a:endParaRPr lang="en-US" altLang="ko-KR" sz="1200" dirty="0" smtClean="0"/>
-                    </a:p>
-                    <a:p>
-                      <a:pPr latinLnBrk="1"/>
-                      <a:r>
-                        <a:rPr lang="en-US" altLang="ko-KR" sz="1200" dirty="0" smtClean="0"/>
+                      <a:endParaRPr lang="en-US" altLang="ko-KR" sz="1200" dirty="0"/>
+                    </a:p>
+                    <a:p>
+                      <a:pPr latinLnBrk="1"/>
+                      <a:endParaRPr lang="en-US" altLang="ko-KR" sz="1200" dirty="0"/>
+                    </a:p>
+                    <a:p>
+                      <a:pPr latinLnBrk="1"/>
+                      <a:r>
+                        <a:rPr lang="en-US" altLang="ko-KR" sz="1200" dirty="0"/>
                         <a:t>[android] </a:t>
                       </a:r>
                       <a:r>
-                        <a:rPr lang="ko-KR" altLang="en-US" sz="1200" dirty="0" smtClean="0"/>
+                        <a:rPr lang="ko-KR" altLang="en-US" sz="1200" dirty="0"/>
                         <a:t>데이터 구조 설계</a:t>
                       </a:r>
-                      <a:endParaRPr lang="en-US" altLang="ko-KR" sz="1200" dirty="0" smtClean="0"/>
-                    </a:p>
-                    <a:p>
-                      <a:pPr latinLnBrk="1"/>
-                      <a:endParaRPr lang="en-US" altLang="ko-KR" sz="1200" dirty="0" smtClean="0"/>
-                    </a:p>
-                    <a:p>
-                      <a:pPr latinLnBrk="1"/>
-                      <a:r>
-                        <a:rPr lang="en-US" altLang="ko-KR" sz="1200" dirty="0" smtClean="0"/>
+                      <a:endParaRPr lang="en-US" altLang="ko-KR" sz="1200" dirty="0"/>
+                    </a:p>
+                    <a:p>
+                      <a:pPr latinLnBrk="1"/>
+                      <a:endParaRPr lang="en-US" altLang="ko-KR" sz="1200" dirty="0"/>
+                    </a:p>
+                    <a:p>
+                      <a:pPr latinLnBrk="1"/>
+                      <a:r>
+                        <a:rPr lang="en-US" altLang="ko-KR" sz="1200" dirty="0"/>
                         <a:t>[android] </a:t>
                       </a:r>
                       <a:r>
-                        <a:rPr lang="ko-KR" altLang="en-US" sz="1200" dirty="0" smtClean="0"/>
+                        <a:rPr lang="ko-KR" altLang="en-US" sz="1200" dirty="0"/>
                         <a:t>통신 구조 설계</a:t>
                       </a:r>
-                      <a:endParaRPr lang="en-US" altLang="ko-KR" sz="1200" dirty="0" smtClean="0"/>
+                      <a:endParaRPr lang="en-US" altLang="ko-KR" sz="1200" dirty="0"/>
                     </a:p>
                   </a:txBody>
                   <a:tcPr/>
                 </a:tc>
+                <a:extLst>
+                  <a:ext uri="{0D108BD9-81ED-4DB2-BD59-A6C34878D82A}">
+                    <a16:rowId xmlns:a16="http://schemas.microsoft.com/office/drawing/2014/main" val="10002"/>
+                  </a:ext>
+                </a:extLst>
               </a:tr>
               <a:tr h="422031">
                 <a:tc>
@@ -13657,7 +13587,7 @@
                     <a:p>
                       <a:pPr latinLnBrk="1"/>
                       <a:r>
-                        <a:rPr lang="en-US" altLang="ko-KR" dirty="0" smtClean="0"/>
+                        <a:rPr lang="en-US" altLang="ko-KR" dirty="0"/>
                         <a:t>3/28</a:t>
                       </a:r>
                       <a:endParaRPr lang="ko-KR" altLang="en-US" dirty="0"/>
@@ -13672,7 +13602,7 @@
                     <a:p>
                       <a:pPr latinLnBrk="1"/>
                       <a:r>
-                        <a:rPr lang="en-US" altLang="ko-KR" dirty="0" smtClean="0"/>
+                        <a:rPr lang="en-US" altLang="ko-KR" dirty="0"/>
                         <a:t>3/29</a:t>
                       </a:r>
                       <a:endParaRPr lang="ko-KR" altLang="en-US" dirty="0"/>
@@ -13687,7 +13617,7 @@
                     <a:p>
                       <a:pPr latinLnBrk="1"/>
                       <a:r>
-                        <a:rPr lang="en-US" altLang="ko-KR" dirty="0" smtClean="0"/>
+                        <a:rPr lang="en-US" altLang="ko-KR" dirty="0"/>
                         <a:t>3/30</a:t>
                       </a:r>
                       <a:endParaRPr lang="ko-KR" altLang="en-US" dirty="0"/>
@@ -13702,7 +13632,7 @@
                     <a:p>
                       <a:pPr latinLnBrk="1"/>
                       <a:r>
-                        <a:rPr lang="en-US" altLang="ko-KR" dirty="0" smtClean="0"/>
+                        <a:rPr lang="en-US" altLang="ko-KR" dirty="0"/>
                         <a:t>3/31</a:t>
                       </a:r>
                       <a:endParaRPr lang="ko-KR" altLang="en-US" dirty="0"/>
@@ -13717,7 +13647,7 @@
                     <a:p>
                       <a:pPr latinLnBrk="1"/>
                       <a:r>
-                        <a:rPr lang="en-US" altLang="ko-KR" dirty="0" smtClean="0"/>
+                        <a:rPr lang="en-US" altLang="ko-KR" dirty="0"/>
                         <a:t>4/1</a:t>
                       </a:r>
                       <a:endParaRPr lang="ko-KR" altLang="en-US" dirty="0"/>
@@ -13732,7 +13662,7 @@
                     <a:p>
                       <a:pPr latinLnBrk="1"/>
                       <a:r>
-                        <a:rPr lang="en-US" altLang="ko-KR" dirty="0" smtClean="0"/>
+                        <a:rPr lang="en-US" altLang="ko-KR" dirty="0"/>
                         <a:t>4/2</a:t>
                       </a:r>
                       <a:endParaRPr lang="ko-KR" altLang="en-US" dirty="0"/>
@@ -13751,6 +13681,11 @@
                   </a:txBody>
                   <a:tcPr/>
                 </a:tc>
+                <a:extLst>
+                  <a:ext uri="{0D108BD9-81ED-4DB2-BD59-A6C34878D82A}">
+                    <a16:rowId xmlns:a16="http://schemas.microsoft.com/office/drawing/2014/main" val="10003"/>
+                  </a:ext>
+                </a:extLst>
               </a:tr>
               <a:tr h="1717158">
                 <a:tc>
@@ -13776,14 +13711,14 @@
                         <a:defRPr/>
                       </a:pPr>
                       <a:r>
-                        <a:rPr lang="en-US" altLang="ko-KR" sz="1200" baseline="0" dirty="0" smtClean="0"/>
+                        <a:rPr lang="en-US" altLang="ko-KR" sz="1200" baseline="0" dirty="0"/>
                         <a:t>[android] </a:t>
                       </a:r>
                       <a:r>
-                        <a:rPr lang="ko-KR" altLang="en-US" sz="1200" baseline="0" dirty="0" smtClean="0"/>
+                        <a:rPr lang="ko-KR" altLang="en-US" sz="1200" baseline="0" dirty="0"/>
                         <a:t>테스트 알고리즘 개발</a:t>
                       </a:r>
-                      <a:endParaRPr lang="en-US" altLang="ko-KR" sz="1200" baseline="0" dirty="0" smtClean="0"/>
+                      <a:endParaRPr lang="en-US" altLang="ko-KR" sz="1200" baseline="0" dirty="0"/>
                     </a:p>
                     <a:p>
                       <a:pPr latinLnBrk="1"/>
@@ -13799,62 +13734,62 @@
                     <a:p>
                       <a:pPr latinLnBrk="1"/>
                       <a:r>
-                        <a:rPr lang="en-US" altLang="ko-KR" sz="1200" dirty="0" smtClean="0"/>
+                        <a:rPr lang="en-US" altLang="ko-KR" sz="1200" dirty="0"/>
                         <a:t>[AWS] </a:t>
                       </a:r>
                       <a:r>
-                        <a:rPr lang="ko-KR" altLang="en-US" sz="1200" dirty="0" smtClean="0"/>
+                        <a:rPr lang="ko-KR" altLang="en-US" sz="1200" dirty="0"/>
                         <a:t>비용 처리</a:t>
                       </a:r>
-                      <a:endParaRPr lang="en-US" altLang="ko-KR" sz="1200" dirty="0" smtClean="0"/>
-                    </a:p>
-                    <a:p>
-                      <a:pPr latinLnBrk="1"/>
-                      <a:endParaRPr lang="en-US" altLang="ko-KR" sz="1200" dirty="0" smtClean="0"/>
-                    </a:p>
-                    <a:p>
-                      <a:pPr latinLnBrk="1"/>
-                      <a:r>
-                        <a:rPr lang="en-US" altLang="ko-KR" sz="1200" dirty="0" smtClean="0"/>
+                      <a:endParaRPr lang="en-US" altLang="ko-KR" sz="1200" dirty="0"/>
+                    </a:p>
+                    <a:p>
+                      <a:pPr latinLnBrk="1"/>
+                      <a:endParaRPr lang="en-US" altLang="ko-KR" sz="1200" dirty="0"/>
+                    </a:p>
+                    <a:p>
+                      <a:pPr latinLnBrk="1"/>
+                      <a:r>
+                        <a:rPr lang="en-US" altLang="ko-KR" sz="1200" dirty="0"/>
                         <a:t>[AWS] </a:t>
                       </a:r>
                       <a:r>
-                        <a:rPr lang="ko-KR" altLang="en-US" sz="1200" dirty="0" smtClean="0"/>
+                        <a:rPr lang="ko-KR" altLang="en-US" sz="1200" dirty="0"/>
                         <a:t>비용 감소 방안 고안</a:t>
                       </a:r>
-                      <a:endParaRPr lang="en-US" altLang="ko-KR" sz="1200" baseline="0" dirty="0" smtClean="0"/>
-                    </a:p>
-                    <a:p>
-                      <a:pPr latinLnBrk="1"/>
-                      <a:endParaRPr lang="en-US" altLang="ko-KR" sz="1200" baseline="0" dirty="0" smtClean="0"/>
-                    </a:p>
-                    <a:p>
-                      <a:pPr latinLnBrk="1"/>
-                      <a:r>
-                        <a:rPr lang="en-US" altLang="ko-KR" sz="1200" baseline="0" dirty="0" smtClean="0"/>
+                      <a:endParaRPr lang="en-US" altLang="ko-KR" sz="1200" baseline="0" dirty="0"/>
+                    </a:p>
+                    <a:p>
+                      <a:pPr latinLnBrk="1"/>
+                      <a:endParaRPr lang="en-US" altLang="ko-KR" sz="1200" baseline="0" dirty="0"/>
+                    </a:p>
+                    <a:p>
+                      <a:pPr latinLnBrk="1"/>
+                      <a:r>
+                        <a:rPr lang="en-US" altLang="ko-KR" sz="1200" baseline="0" dirty="0"/>
                         <a:t>[android] </a:t>
                       </a:r>
                       <a:r>
-                        <a:rPr lang="ko-KR" altLang="en-US" sz="1200" baseline="0" dirty="0" smtClean="0"/>
+                        <a:rPr lang="ko-KR" altLang="en-US" sz="1200" baseline="0" dirty="0"/>
                         <a:t>테스트 알고리즘 개발</a:t>
                       </a:r>
-                      <a:endParaRPr lang="en-US" altLang="ko-KR" sz="1200" baseline="0" dirty="0" smtClean="0"/>
-                    </a:p>
-                    <a:p>
-                      <a:pPr latinLnBrk="1"/>
-                      <a:endParaRPr lang="en-US" altLang="ko-KR" sz="1200" baseline="0" dirty="0" smtClean="0"/>
-                    </a:p>
-                    <a:p>
-                      <a:pPr latinLnBrk="1"/>
-                      <a:r>
-                        <a:rPr lang="en-US" altLang="ko-KR" sz="1200" baseline="0" dirty="0" smtClean="0"/>
+                      <a:endParaRPr lang="en-US" altLang="ko-KR" sz="1200" baseline="0" dirty="0"/>
+                    </a:p>
+                    <a:p>
+                      <a:pPr latinLnBrk="1"/>
+                      <a:endParaRPr lang="en-US" altLang="ko-KR" sz="1200" baseline="0" dirty="0"/>
+                    </a:p>
+                    <a:p>
+                      <a:pPr latinLnBrk="1"/>
+                      <a:r>
+                        <a:rPr lang="en-US" altLang="ko-KR" sz="1200" baseline="0" dirty="0"/>
                         <a:t>[android] </a:t>
                       </a:r>
                       <a:r>
-                        <a:rPr lang="ko-KR" altLang="en-US" sz="1200" baseline="0" dirty="0" smtClean="0"/>
+                        <a:rPr lang="ko-KR" altLang="en-US" sz="1200" baseline="0" dirty="0"/>
                         <a:t>데이터 및 알고리즘 시각화</a:t>
                       </a:r>
-                      <a:endParaRPr lang="en-US" altLang="ko-KR" sz="1200" dirty="0" smtClean="0"/>
+                      <a:endParaRPr lang="en-US" altLang="ko-KR" sz="1200" dirty="0"/>
                     </a:p>
                     <a:p>
                       <a:pPr latinLnBrk="1"/>
@@ -13870,41 +13805,40 @@
                     <a:p>
                       <a:pPr latinLnBrk="1"/>
                       <a:r>
-                        <a:rPr lang="en-US" altLang="ko-KR" sz="1200" dirty="0" smtClean="0"/>
+                        <a:rPr lang="en-US" altLang="ko-KR" sz="1200" dirty="0"/>
                         <a:t>[android]</a:t>
                       </a:r>
                     </a:p>
                     <a:p>
                       <a:pPr latinLnBrk="1"/>
                       <a:r>
-                        <a:rPr lang="en-US" altLang="ko-KR" sz="1200" dirty="0" err="1" smtClean="0"/>
+                        <a:rPr lang="en-US" altLang="ko-KR" sz="1200" dirty="0" err="1"/>
                         <a:t>anyChart</a:t>
                       </a:r>
                       <a:r>
-                        <a:rPr lang="en-US" altLang="ko-KR" sz="1200" baseline="0" dirty="0" smtClean="0"/>
+                        <a:rPr lang="en-US" altLang="ko-KR" sz="1200" baseline="0" dirty="0"/>
                         <a:t> scroll</a:t>
                       </a:r>
                       <a:r>
-                        <a:rPr lang="ko-KR" altLang="en-US" sz="1200" baseline="0" dirty="0" smtClean="0"/>
+                        <a:rPr lang="ko-KR" altLang="en-US" sz="1200" baseline="0" dirty="0"/>
                         <a:t>을 고려하여</a:t>
                       </a:r>
                       <a:r>
-                        <a:rPr lang="en-US" altLang="ko-KR" sz="1200" dirty="0" smtClean="0"/>
+                        <a:rPr lang="en-US" altLang="ko-KR" sz="1200" dirty="0"/>
                         <a:t>viewPager2</a:t>
                       </a:r>
                       <a:r>
-                        <a:rPr lang="ko-KR" altLang="en-US" sz="1200" dirty="0" smtClean="0"/>
+                        <a:rPr lang="ko-KR" altLang="en-US" sz="1200" dirty="0"/>
                         <a:t>를 </a:t>
                       </a:r>
-                      <a:endParaRPr lang="en-US" altLang="ko-KR" sz="1200" dirty="0" smtClean="0"/>
-                    </a:p>
-                    <a:p>
-                      <a:pPr latinLnBrk="1"/>
-                      <a:r>
-                        <a:rPr lang="ko-KR" altLang="en-US" sz="1200" dirty="0" smtClean="0"/>
+                      <a:endParaRPr lang="en-US" altLang="ko-KR" sz="1200" dirty="0"/>
+                    </a:p>
+                    <a:p>
+                      <a:pPr latinLnBrk="1"/>
+                      <a:r>
+                        <a:rPr lang="ko-KR" altLang="en-US" sz="1200" dirty="0"/>
                         <a:t>탭으로 변경</a:t>
                       </a:r>
-                      <a:endParaRPr lang="ko-KR" altLang="en-US" sz="1200" dirty="0"/>
                     </a:p>
                   </a:txBody>
                   <a:tcPr/>
@@ -13916,90 +13850,90 @@
                     <a:p>
                       <a:pPr latinLnBrk="1"/>
                       <a:r>
-                        <a:rPr lang="en-US" altLang="ko-KR" sz="1200" dirty="0" smtClean="0"/>
+                        <a:rPr lang="en-US" altLang="ko-KR" sz="1200" dirty="0"/>
                         <a:t>[python] request</a:t>
                       </a:r>
                       <a:r>
-                        <a:rPr lang="ko-KR" altLang="en-US" sz="1200" dirty="0" smtClean="0"/>
+                        <a:rPr lang="ko-KR" altLang="en-US" sz="1200" dirty="0"/>
                         <a:t>를 </a:t>
                       </a:r>
                       <a:r>
-                        <a:rPr lang="en-US" altLang="ko-KR" sz="1200" dirty="0" err="1" smtClean="0"/>
+                        <a:rPr lang="en-US" altLang="ko-KR" sz="1200" dirty="0" err="1"/>
                         <a:t>jsonarray</a:t>
                       </a:r>
                       <a:r>
-                        <a:rPr lang="ko-KR" altLang="en-US" sz="1200" dirty="0" smtClean="0"/>
+                        <a:rPr lang="ko-KR" altLang="en-US" sz="1200" dirty="0"/>
                         <a:t>형태로</a:t>
                       </a:r>
                       <a:r>
-                        <a:rPr lang="en-US" altLang="ko-KR" sz="1200" baseline="0" dirty="0" smtClean="0"/>
+                        <a:rPr lang="en-US" altLang="ko-KR" sz="1200" baseline="0" dirty="0"/>
                         <a:t> </a:t>
                       </a:r>
                       <a:r>
-                        <a:rPr lang="ko-KR" altLang="en-US" sz="1200" baseline="0" dirty="0" smtClean="0"/>
+                        <a:rPr lang="ko-KR" altLang="en-US" sz="1200" baseline="0" dirty="0"/>
                         <a:t>한 번에 전송하도록 변경</a:t>
                       </a:r>
-                      <a:endParaRPr lang="en-US" altLang="ko-KR" sz="1200" baseline="0" dirty="0" smtClean="0"/>
-                    </a:p>
-                    <a:p>
-                      <a:pPr latinLnBrk="1"/>
-                      <a:endParaRPr lang="en-US" altLang="ko-KR" sz="1200" baseline="0" dirty="0" smtClean="0"/>
-                    </a:p>
-                    <a:p>
-                      <a:pPr latinLnBrk="1"/>
-                      <a:r>
-                        <a:rPr lang="en-US" altLang="ko-KR" sz="1200" baseline="0" dirty="0" smtClean="0"/>
+                      <a:endParaRPr lang="en-US" altLang="ko-KR" sz="1200" baseline="0" dirty="0"/>
+                    </a:p>
+                    <a:p>
+                      <a:pPr latinLnBrk="1"/>
+                      <a:endParaRPr lang="en-US" altLang="ko-KR" sz="1200" baseline="0" dirty="0"/>
+                    </a:p>
+                    <a:p>
+                      <a:pPr latinLnBrk="1"/>
+                      <a:r>
+                        <a:rPr lang="en-US" altLang="ko-KR" sz="1200" baseline="0" dirty="0"/>
                         <a:t>[</a:t>
                       </a:r>
                       <a:r>
-                        <a:rPr lang="en-US" altLang="ko-KR" sz="1200" baseline="0" dirty="0" err="1" smtClean="0"/>
+                        <a:rPr lang="en-US" altLang="ko-KR" sz="1200" baseline="0" dirty="0" err="1"/>
                         <a:t>scalatra</a:t>
                       </a:r>
                       <a:r>
-                        <a:rPr lang="en-US" altLang="ko-KR" sz="1200" baseline="0" dirty="0" smtClean="0"/>
+                        <a:rPr lang="en-US" altLang="ko-KR" sz="1200" baseline="0" dirty="0"/>
                         <a:t>] </a:t>
                       </a:r>
                       <a:r>
-                        <a:rPr lang="en-US" altLang="ko-KR" sz="1200" baseline="0" dirty="0" err="1" smtClean="0"/>
+                        <a:rPr lang="en-US" altLang="ko-KR" sz="1200" baseline="0" dirty="0" err="1"/>
                         <a:t>jsonArray</a:t>
                       </a:r>
                       <a:r>
-                        <a:rPr lang="ko-KR" altLang="en-US" sz="1200" baseline="0" dirty="0" smtClean="0"/>
+                        <a:rPr lang="ko-KR" altLang="en-US" sz="1200" baseline="0" dirty="0"/>
                         <a:t>형태의 </a:t>
                       </a:r>
                       <a:r>
-                        <a:rPr lang="en-US" altLang="ko-KR" sz="1200" baseline="0" dirty="0" smtClean="0"/>
+                        <a:rPr lang="en-US" altLang="ko-KR" sz="1200" baseline="0" dirty="0"/>
                         <a:t>request </a:t>
                       </a:r>
                       <a:r>
-                        <a:rPr lang="ko-KR" altLang="en-US" sz="1200" baseline="0" dirty="0" smtClean="0"/>
+                        <a:rPr lang="ko-KR" altLang="en-US" sz="1200" baseline="0" dirty="0"/>
                         <a:t>처리 </a:t>
                       </a:r>
-                      <a:endParaRPr lang="en-US" altLang="ko-KR" sz="1200" baseline="0" dirty="0" smtClean="0"/>
-                    </a:p>
-                    <a:p>
-                      <a:pPr latinLnBrk="1"/>
-                      <a:r>
-                        <a:rPr lang="ko-KR" altLang="en-US" sz="1200" baseline="0" dirty="0" err="1" smtClean="0"/>
+                      <a:endParaRPr lang="en-US" altLang="ko-KR" sz="1200" baseline="0" dirty="0"/>
+                    </a:p>
+                    <a:p>
+                      <a:pPr latinLnBrk="1"/>
+                      <a:r>
+                        <a:rPr lang="ko-KR" altLang="en-US" sz="1200" baseline="0" dirty="0" err="1"/>
                         <a:t>로직</a:t>
                       </a:r>
-                      <a:endParaRPr lang="en-US" altLang="ko-KR" sz="1200" baseline="0" dirty="0" smtClean="0"/>
-                    </a:p>
-                    <a:p>
-                      <a:pPr latinLnBrk="1"/>
-                      <a:endParaRPr lang="en-US" altLang="ko-KR" sz="1200" baseline="0" dirty="0" smtClean="0"/>
-                    </a:p>
-                    <a:p>
-                      <a:pPr latinLnBrk="1"/>
-                      <a:r>
-                        <a:rPr lang="en-US" altLang="ko-KR" sz="1200" baseline="0" dirty="0" smtClean="0"/>
+                      <a:endParaRPr lang="en-US" altLang="ko-KR" sz="1200" baseline="0" dirty="0"/>
+                    </a:p>
+                    <a:p>
+                      <a:pPr latinLnBrk="1"/>
+                      <a:endParaRPr lang="en-US" altLang="ko-KR" sz="1200" baseline="0" dirty="0"/>
+                    </a:p>
+                    <a:p>
+                      <a:pPr latinLnBrk="1"/>
+                      <a:r>
+                        <a:rPr lang="en-US" altLang="ko-KR" sz="1200" baseline="0" dirty="0"/>
                         <a:t>[android]  </a:t>
                       </a:r>
                       <a:r>
-                        <a:rPr lang="ko-KR" altLang="en-US" sz="1200" baseline="0" dirty="0" smtClean="0"/>
+                        <a:rPr lang="ko-KR" altLang="en-US" sz="1200" baseline="0" dirty="0"/>
                         <a:t>알고리즘 리스트 정리</a:t>
                       </a:r>
-                      <a:endParaRPr lang="en-US" altLang="ko-KR" sz="1200" dirty="0" smtClean="0"/>
+                      <a:endParaRPr lang="en-US" altLang="ko-KR" sz="1200" dirty="0"/>
                     </a:p>
                   </a:txBody>
                   <a:tcPr/>
@@ -14011,45 +13945,45 @@
                     <a:p>
                       <a:pPr latinLnBrk="1"/>
                       <a:r>
-                        <a:rPr lang="en-US" altLang="ko-KR" sz="1200" dirty="0" smtClean="0"/>
+                        <a:rPr lang="en-US" altLang="ko-KR" sz="1200" dirty="0"/>
                         <a:t>[python] </a:t>
                       </a:r>
                       <a:r>
-                        <a:rPr lang="ko-KR" altLang="en-US" sz="1200" dirty="0" err="1" smtClean="0"/>
+                        <a:rPr lang="ko-KR" altLang="en-US" sz="1200" dirty="0" err="1"/>
                         <a:t>크롤링</a:t>
                       </a:r>
                       <a:r>
-                        <a:rPr lang="ko-KR" altLang="en-US" sz="1200" dirty="0" smtClean="0"/>
+                        <a:rPr lang="ko-KR" altLang="en-US" sz="1200" dirty="0"/>
                         <a:t> 속도 최적화</a:t>
                       </a:r>
                       <a:r>
-                        <a:rPr lang="en-US" altLang="ko-KR" sz="1200" dirty="0" smtClean="0"/>
+                        <a:rPr lang="en-US" altLang="ko-KR" sz="1200" dirty="0"/>
                         <a:t>: </a:t>
                       </a:r>
                     </a:p>
                     <a:p>
                       <a:pPr latinLnBrk="1"/>
                       <a:r>
-                        <a:rPr lang="ko-KR" altLang="en-US" sz="1200" dirty="0" smtClean="0"/>
+                        <a:rPr lang="ko-KR" altLang="en-US" sz="1200" dirty="0"/>
                         <a:t>이미 </a:t>
                       </a:r>
                       <a:r>
-                        <a:rPr lang="ko-KR" altLang="en-US" sz="1200" dirty="0" err="1" smtClean="0"/>
+                        <a:rPr lang="ko-KR" altLang="en-US" sz="1200" dirty="0" err="1"/>
                         <a:t>크롤링</a:t>
                       </a:r>
                       <a:r>
-                        <a:rPr lang="ko-KR" altLang="en-US" sz="1200" dirty="0" smtClean="0"/>
+                        <a:rPr lang="ko-KR" altLang="en-US" sz="1200" dirty="0"/>
                         <a:t> 된 데이터가 있는지 확인 후 </a:t>
                       </a:r>
                       <a:r>
-                        <a:rPr lang="ko-KR" altLang="en-US" sz="1200" dirty="0" err="1" smtClean="0"/>
+                        <a:rPr lang="ko-KR" altLang="en-US" sz="1200" dirty="0" err="1"/>
                         <a:t>크롤링</a:t>
                       </a:r>
-                      <a:endParaRPr lang="en-US" altLang="ko-KR" sz="1200" dirty="0" smtClean="0"/>
-                    </a:p>
-                    <a:p>
-                      <a:pPr latinLnBrk="1"/>
-                      <a:endParaRPr lang="en-US" altLang="ko-KR" sz="1200" dirty="0" smtClean="0"/>
+                      <a:endParaRPr lang="en-US" altLang="ko-KR" sz="1200" dirty="0"/>
+                    </a:p>
+                    <a:p>
+                      <a:pPr latinLnBrk="1"/>
+                      <a:endParaRPr lang="en-US" altLang="ko-KR" sz="1200" dirty="0"/>
                     </a:p>
                   </a:txBody>
                   <a:tcPr/>
@@ -14077,26 +14011,26 @@
                         <a:defRPr/>
                       </a:pPr>
                       <a:r>
-                        <a:rPr lang="en-US" altLang="ko-KR" sz="1200" dirty="0" smtClean="0"/>
+                        <a:rPr lang="en-US" altLang="ko-KR" sz="1200" dirty="0"/>
                         <a:t>[python] </a:t>
                       </a:r>
                       <a:r>
-                        <a:rPr lang="ko-KR" altLang="en-US" sz="1200" dirty="0" err="1" smtClean="0"/>
+                        <a:rPr lang="ko-KR" altLang="en-US" sz="1200" dirty="0" err="1"/>
                         <a:t>크롤링</a:t>
                       </a:r>
                       <a:r>
-                        <a:rPr lang="ko-KR" altLang="en-US" sz="1200" dirty="0" smtClean="0"/>
+                        <a:rPr lang="ko-KR" altLang="en-US" sz="1200" dirty="0"/>
                         <a:t> 멀티 </a:t>
                       </a:r>
                       <a:r>
-                        <a:rPr lang="ko-KR" altLang="en-US" sz="1200" dirty="0" err="1" smtClean="0"/>
+                        <a:rPr lang="ko-KR" altLang="en-US" sz="1200" dirty="0" err="1"/>
                         <a:t>스레딩</a:t>
                       </a:r>
                       <a:r>
-                        <a:rPr lang="ko-KR" altLang="en-US" sz="1200" dirty="0" smtClean="0"/>
+                        <a:rPr lang="ko-KR" altLang="en-US" sz="1200" dirty="0"/>
                         <a:t> 시도</a:t>
                       </a:r>
-                      <a:endParaRPr lang="en-US" altLang="ko-KR" sz="1200" dirty="0" smtClean="0"/>
+                      <a:endParaRPr lang="en-US" altLang="ko-KR" sz="1200" dirty="0"/>
                     </a:p>
                     <a:p>
                       <a:pPr marL="0" marR="0" indent="0" algn="l" defTabSz="914400" rtl="0" eaLnBrk="1" fontAlgn="auto" latinLnBrk="1" hangingPunct="1">
@@ -14116,7 +14050,7 @@
                         <a:tabLst/>
                         <a:defRPr/>
                       </a:pPr>
-                      <a:endParaRPr lang="en-US" altLang="ko-KR" sz="1200" dirty="0" smtClean="0"/>
+                      <a:endParaRPr lang="en-US" altLang="ko-KR" sz="1200" dirty="0"/>
                     </a:p>
                     <a:p>
                       <a:pPr marL="0" marR="0" indent="0" algn="l" defTabSz="914400" rtl="0" eaLnBrk="1" fontAlgn="auto" latinLnBrk="1" hangingPunct="1">
@@ -14137,14 +14071,14 @@
                         <a:defRPr/>
                       </a:pPr>
                       <a:r>
-                        <a:rPr lang="en-US" altLang="ko-KR" sz="1200" dirty="0" smtClean="0"/>
+                        <a:rPr lang="en-US" altLang="ko-KR" sz="1200" dirty="0"/>
                         <a:t>[AWS] </a:t>
                       </a:r>
                       <a:r>
-                        <a:rPr lang="ko-KR" altLang="en-US" sz="1200" dirty="0" smtClean="0"/>
+                        <a:rPr lang="ko-KR" altLang="en-US" sz="1200" dirty="0"/>
                         <a:t>서버</a:t>
                       </a:r>
-                      <a:endParaRPr lang="en-US" altLang="ko-KR" sz="1200" dirty="0" smtClean="0"/>
+                      <a:endParaRPr lang="en-US" altLang="ko-KR" sz="1200" dirty="0"/>
                     </a:p>
                     <a:p>
                       <a:pPr marL="0" marR="0" indent="0" algn="l" defTabSz="914400" rtl="0" eaLnBrk="1" fontAlgn="auto" latinLnBrk="1" hangingPunct="1">
@@ -14165,10 +14099,10 @@
                         <a:defRPr/>
                       </a:pPr>
                       <a:r>
-                        <a:rPr lang="ko-KR" altLang="en-US" sz="1200" dirty="0" err="1" smtClean="0"/>
+                        <a:rPr lang="ko-KR" altLang="en-US" sz="1200" dirty="0" err="1"/>
                         <a:t>디플로이</a:t>
                       </a:r>
-                      <a:endParaRPr lang="en-US" altLang="ko-KR" sz="1200" dirty="0" smtClean="0"/>
+                      <a:endParaRPr lang="en-US" altLang="ko-KR" sz="1200" dirty="0"/>
                     </a:p>
                     <a:p>
                       <a:pPr marL="0" marR="0" indent="0" algn="l" defTabSz="914400" rtl="0" eaLnBrk="1" fontAlgn="auto" latinLnBrk="1" hangingPunct="1">
@@ -14188,7 +14122,7 @@
                         <a:tabLst/>
                         <a:defRPr/>
                       </a:pPr>
-                      <a:endParaRPr lang="en-US" altLang="ko-KR" sz="1200" dirty="0" smtClean="0"/>
+                      <a:endParaRPr lang="en-US" altLang="ko-KR" sz="1200" dirty="0"/>
                     </a:p>
                     <a:p>
                       <a:pPr marL="0" marR="0" indent="0" algn="l" defTabSz="914400" rtl="0" eaLnBrk="1" fontAlgn="auto" latinLnBrk="1" hangingPunct="1">
@@ -14209,22 +14143,22 @@
                         <a:defRPr/>
                       </a:pPr>
                       <a:r>
-                        <a:rPr lang="en-US" altLang="ko-KR" sz="1200" dirty="0" smtClean="0"/>
+                        <a:rPr lang="en-US" altLang="ko-KR" sz="1200" dirty="0"/>
                         <a:t>[AWS] </a:t>
                       </a:r>
                       <a:r>
-                        <a:rPr lang="ko-KR" altLang="en-US" sz="1200" dirty="0" smtClean="0"/>
+                        <a:rPr lang="ko-KR" altLang="en-US" sz="1200" dirty="0"/>
                         <a:t>외부 기기와 </a:t>
                       </a:r>
                       <a:r>
-                        <a:rPr lang="en-US" altLang="ko-KR" sz="1200" dirty="0" smtClean="0"/>
+                        <a:rPr lang="en-US" altLang="ko-KR" sz="1200" dirty="0"/>
                         <a:t>AWS </a:t>
                       </a:r>
                       <a:r>
-                        <a:rPr lang="ko-KR" altLang="en-US" sz="1200" dirty="0" smtClean="0"/>
+                        <a:rPr lang="ko-KR" altLang="en-US" sz="1200" dirty="0"/>
                         <a:t>서버</a:t>
                       </a:r>
-                      <a:endParaRPr lang="en-US" altLang="ko-KR" sz="1200" dirty="0" smtClean="0"/>
+                      <a:endParaRPr lang="en-US" altLang="ko-KR" sz="1200" dirty="0"/>
                     </a:p>
                     <a:p>
                       <a:pPr marL="0" marR="0" indent="0" algn="l" defTabSz="914400" rtl="0" eaLnBrk="1" fontAlgn="auto" latinLnBrk="1" hangingPunct="1">
@@ -14245,10 +14179,10 @@
                         <a:defRPr/>
                       </a:pPr>
                       <a:r>
-                        <a:rPr lang="ko-KR" altLang="en-US" sz="1200" dirty="0" smtClean="0"/>
+                        <a:rPr lang="ko-KR" altLang="en-US" sz="1200" dirty="0"/>
                         <a:t>작동 테스트</a:t>
                       </a:r>
-                      <a:endParaRPr lang="en-US" altLang="ko-KR" sz="1200" dirty="0" smtClean="0"/>
+                      <a:endParaRPr lang="en-US" altLang="ko-KR" sz="1200" dirty="0"/>
                     </a:p>
                     <a:p>
                       <a:pPr marL="0" marR="0" indent="0" algn="l" defTabSz="914400" rtl="0" eaLnBrk="1" fontAlgn="auto" latinLnBrk="1" hangingPunct="1">
@@ -14268,7 +14202,7 @@
                         <a:tabLst/>
                         <a:defRPr/>
                       </a:pPr>
-                      <a:endParaRPr lang="en-US" altLang="ko-KR" sz="1200" dirty="0" smtClean="0"/>
+                      <a:endParaRPr lang="en-US" altLang="ko-KR" sz="1200" dirty="0"/>
                     </a:p>
                     <a:p>
                       <a:pPr marL="0" marR="0" indent="0" algn="l" defTabSz="914400" rtl="0" eaLnBrk="1" fontAlgn="auto" latinLnBrk="1" hangingPunct="1">
@@ -14289,7 +14223,7 @@
                         <a:defRPr/>
                       </a:pPr>
                       <a:r>
-                        <a:rPr lang="ko-KR" altLang="en-US" sz="1200" dirty="0" smtClean="0"/>
+                        <a:rPr lang="ko-KR" altLang="en-US" sz="1200" dirty="0"/>
                         <a:t>디버깅</a:t>
                       </a:r>
                     </a:p>
@@ -14307,6 +14241,11 @@
                   </a:txBody>
                   <a:tcPr/>
                 </a:tc>
+                <a:extLst>
+                  <a:ext uri="{0D108BD9-81ED-4DB2-BD59-A6C34878D82A}">
+                    <a16:rowId xmlns:a16="http://schemas.microsoft.com/office/drawing/2014/main" val="10004"/>
+                  </a:ext>
+                </a:extLst>
               </a:tr>
             </a:tbl>
           </a:graphicData>
@@ -14322,13 +14261,6 @@
   <p:clrMapOvr>
     <a:masterClrMapping/>
   </p:clrMapOvr>
-  <p:timing>
-    <p:tnLst>
-      <p:par>
-        <p:cTn id="1" dur="indefinite" restart="never" nodeType="tmRoot"/>
-      </p:par>
-    </p:tnLst>
-  </p:timing>
 </p:sld>
 </file>
 
@@ -14665,7 +14597,7 @@
           <a:lstStyle/>
           <a:p>
             <a:r>
-              <a:rPr lang="ko-KR" altLang="en-US" sz="3200" dirty="0" smtClean="0">
+              <a:rPr lang="ko-KR" altLang="en-US" sz="3200" dirty="0">
                 <a:latin typeface="나눔고딕" panose="020D0604000000000000" pitchFamily="50" charset="-127"/>
                 <a:ea typeface="나눔고딕" panose="020D0604000000000000" pitchFamily="50" charset="-127"/>
                 <a:cs typeface="Open Sans Semibold" panose="020B0706030804020204" pitchFamily="34" charset="0"/>
@@ -14673,7 +14605,7 @@
               <a:t>프로젝트 일정 </a:t>
             </a:r>
             <a:r>
-              <a:rPr lang="en-US" altLang="ko-KR" sz="2800" dirty="0" smtClean="0">
+              <a:rPr lang="en-US" altLang="ko-KR" sz="2800" dirty="0">
                 <a:latin typeface="나눔고딕" panose="020D0604000000000000" pitchFamily="50" charset="-127"/>
                 <a:ea typeface="나눔고딕" panose="020D0604000000000000" pitchFamily="50" charset="-127"/>
                 <a:cs typeface="Open Sans Semibold" panose="020B0706030804020204" pitchFamily="34" charset="0"/>
@@ -14681,7 +14613,7 @@
               <a:t>(</a:t>
             </a:r>
             <a:r>
-              <a:rPr lang="ko-KR" altLang="en-US" sz="2800" dirty="0" err="1" smtClean="0">
+              <a:rPr lang="ko-KR" altLang="en-US" sz="2800" dirty="0" err="1">
                 <a:latin typeface="나눔고딕" panose="020D0604000000000000" pitchFamily="50" charset="-127"/>
                 <a:ea typeface="나눔고딕" panose="020D0604000000000000" pitchFamily="50" charset="-127"/>
                 <a:cs typeface="Open Sans Semibold" panose="020B0706030804020204" pitchFamily="34" charset="0"/>
@@ -14689,7 +14621,7 @@
               <a:t>김택민</a:t>
             </a:r>
             <a:r>
-              <a:rPr lang="en-US" altLang="ko-KR" sz="2800" dirty="0" smtClean="0">
+              <a:rPr lang="en-US" altLang="ko-KR" sz="2800" dirty="0">
                 <a:latin typeface="나눔고딕" panose="020D0604000000000000" pitchFamily="50" charset="-127"/>
                 <a:ea typeface="나눔고딕" panose="020D0604000000000000" pitchFamily="50" charset="-127"/>
                 <a:cs typeface="Open Sans Semibold" panose="020B0706030804020204" pitchFamily="34" charset="0"/>
@@ -14697,18 +14629,13 @@
               <a:t>)</a:t>
             </a:r>
             <a:r>
-              <a:rPr lang="ko-KR" altLang="en-US" sz="2800" dirty="0" smtClean="0">
+              <a:rPr lang="ko-KR" altLang="en-US" sz="2800" dirty="0">
                 <a:latin typeface="나눔고딕" panose="020D0604000000000000" pitchFamily="50" charset="-127"/>
                 <a:ea typeface="나눔고딕" panose="020D0604000000000000" pitchFamily="50" charset="-127"/>
                 <a:cs typeface="Open Sans Semibold" panose="020B0706030804020204" pitchFamily="34" charset="0"/>
               </a:rPr>
               <a:t> </a:t>
             </a:r>
-            <a:endParaRPr lang="ko-KR" altLang="en-US" sz="2800" dirty="0">
-              <a:latin typeface="나눔고딕" panose="020D0604000000000000" pitchFamily="50" charset="-127"/>
-              <a:ea typeface="나눔고딕" panose="020D0604000000000000" pitchFamily="50" charset="-127"/>
-              <a:cs typeface="Open Sans Semibold" panose="020B0706030804020204" pitchFamily="34" charset="0"/>
-            </a:endParaRPr>
           </a:p>
         </p:txBody>
       </p:sp>
@@ -14771,13 +14698,55 @@
                 <a:tableStyleId>{8EC20E35-A176-4012-BC5E-935CFFF8708E}</a:tableStyleId>
               </a:tblPr>
               <a:tblGrid>
-                <a:gridCol w="1377834"/>
-                <a:gridCol w="1377834"/>
-                <a:gridCol w="1377834"/>
-                <a:gridCol w="1377834"/>
-                <a:gridCol w="1377834"/>
-                <a:gridCol w="1377834"/>
-                <a:gridCol w="1377834"/>
+                <a:gridCol w="1377834">
+                  <a:extLst>
+                    <a:ext uri="{9D8B030D-6E8A-4147-A177-3AD203B41FA5}">
+                      <a16:colId xmlns:a16="http://schemas.microsoft.com/office/drawing/2014/main" val="20000"/>
+                    </a:ext>
+                  </a:extLst>
+                </a:gridCol>
+                <a:gridCol w="1377834">
+                  <a:extLst>
+                    <a:ext uri="{9D8B030D-6E8A-4147-A177-3AD203B41FA5}">
+                      <a16:colId xmlns:a16="http://schemas.microsoft.com/office/drawing/2014/main" val="20001"/>
+                    </a:ext>
+                  </a:extLst>
+                </a:gridCol>
+                <a:gridCol w="1377834">
+                  <a:extLst>
+                    <a:ext uri="{9D8B030D-6E8A-4147-A177-3AD203B41FA5}">
+                      <a16:colId xmlns:a16="http://schemas.microsoft.com/office/drawing/2014/main" val="20002"/>
+                    </a:ext>
+                  </a:extLst>
+                </a:gridCol>
+                <a:gridCol w="1377834">
+                  <a:extLst>
+                    <a:ext uri="{9D8B030D-6E8A-4147-A177-3AD203B41FA5}">
+                      <a16:colId xmlns:a16="http://schemas.microsoft.com/office/drawing/2014/main" val="20003"/>
+                    </a:ext>
+                  </a:extLst>
+                </a:gridCol>
+                <a:gridCol w="1377834">
+                  <a:extLst>
+                    <a:ext uri="{9D8B030D-6E8A-4147-A177-3AD203B41FA5}">
+                      <a16:colId xmlns:a16="http://schemas.microsoft.com/office/drawing/2014/main" val="20004"/>
+                    </a:ext>
+                  </a:extLst>
+                </a:gridCol>
+                <a:gridCol w="1377834">
+                  <a:extLst>
+                    <a:ext uri="{9D8B030D-6E8A-4147-A177-3AD203B41FA5}">
+                      <a16:colId xmlns:a16="http://schemas.microsoft.com/office/drawing/2014/main" val="20005"/>
+                    </a:ext>
+                  </a:extLst>
+                </a:gridCol>
+                <a:gridCol w="1377834">
+                  <a:extLst>
+                    <a:ext uri="{9D8B030D-6E8A-4147-A177-3AD203B41FA5}">
+                      <a16:colId xmlns:a16="http://schemas.microsoft.com/office/drawing/2014/main" val="20006"/>
+                    </a:ext>
+                  </a:extLst>
+                </a:gridCol>
               </a:tblGrid>
               <a:tr h="309570">
                 <a:tc>
@@ -14787,10 +14756,9 @@
                     <a:p>
                       <a:pPr latinLnBrk="1"/>
                       <a:r>
-                        <a:rPr lang="ko-KR" altLang="en-US" dirty="0" smtClean="0"/>
+                        <a:rPr lang="ko-KR" altLang="en-US" dirty="0"/>
                         <a:t>일</a:t>
                       </a:r>
-                      <a:endParaRPr lang="ko-KR" altLang="en-US" dirty="0"/>
                     </a:p>
                   </a:txBody>
                   <a:tcPr/>
@@ -14802,10 +14770,9 @@
                     <a:p>
                       <a:pPr latinLnBrk="1"/>
                       <a:r>
-                        <a:rPr lang="ko-KR" altLang="en-US" dirty="0" smtClean="0"/>
+                        <a:rPr lang="ko-KR" altLang="en-US" dirty="0"/>
                         <a:t>월</a:t>
                       </a:r>
-                      <a:endParaRPr lang="ko-KR" altLang="en-US" dirty="0"/>
                     </a:p>
                   </a:txBody>
                   <a:tcPr/>
@@ -14817,10 +14784,9 @@
                     <a:p>
                       <a:pPr latinLnBrk="1"/>
                       <a:r>
-                        <a:rPr lang="ko-KR" altLang="en-US" dirty="0" smtClean="0"/>
+                        <a:rPr lang="ko-KR" altLang="en-US" dirty="0"/>
                         <a:t>화</a:t>
                       </a:r>
-                      <a:endParaRPr lang="ko-KR" altLang="en-US" dirty="0"/>
                     </a:p>
                   </a:txBody>
                   <a:tcPr/>
@@ -14832,10 +14798,9 @@
                     <a:p>
                       <a:pPr latinLnBrk="1"/>
                       <a:r>
-                        <a:rPr lang="ko-KR" altLang="en-US" dirty="0" smtClean="0"/>
+                        <a:rPr lang="ko-KR" altLang="en-US" dirty="0"/>
                         <a:t>수</a:t>
                       </a:r>
-                      <a:endParaRPr lang="ko-KR" altLang="en-US" dirty="0"/>
                     </a:p>
                   </a:txBody>
                   <a:tcPr/>
@@ -14847,10 +14812,9 @@
                     <a:p>
                       <a:pPr latinLnBrk="1"/>
                       <a:r>
-                        <a:rPr lang="ko-KR" altLang="en-US" dirty="0" smtClean="0"/>
+                        <a:rPr lang="ko-KR" altLang="en-US" dirty="0"/>
                         <a:t>목</a:t>
                       </a:r>
-                      <a:endParaRPr lang="ko-KR" altLang="en-US" dirty="0"/>
                     </a:p>
                   </a:txBody>
                   <a:tcPr/>
@@ -14862,10 +14826,9 @@
                     <a:p>
                       <a:pPr latinLnBrk="1"/>
                       <a:r>
-                        <a:rPr lang="ko-KR" altLang="en-US" dirty="0" smtClean="0"/>
+                        <a:rPr lang="ko-KR" altLang="en-US" dirty="0"/>
                         <a:t>금</a:t>
                       </a:r>
-                      <a:endParaRPr lang="ko-KR" altLang="en-US" dirty="0"/>
                     </a:p>
                   </a:txBody>
                   <a:tcPr/>
@@ -14877,14 +14840,18 @@
                     <a:p>
                       <a:pPr latinLnBrk="1"/>
                       <a:r>
-                        <a:rPr lang="ko-KR" altLang="en-US" dirty="0" smtClean="0"/>
+                        <a:rPr lang="ko-KR" altLang="en-US" dirty="0"/>
                         <a:t>토</a:t>
                       </a:r>
-                      <a:endParaRPr lang="ko-KR" altLang="en-US" dirty="0"/>
                     </a:p>
                   </a:txBody>
                   <a:tcPr/>
                 </a:tc>
+                <a:extLst>
+                  <a:ext uri="{0D108BD9-81ED-4DB2-BD59-A6C34878D82A}">
+                    <a16:rowId xmlns:a16="http://schemas.microsoft.com/office/drawing/2014/main" val="10000"/>
+                  </a:ext>
+                </a:extLst>
               </a:tr>
               <a:tr h="446568">
                 <a:tc>
@@ -14927,7 +14894,7 @@
                     <a:p>
                       <a:pPr latinLnBrk="1"/>
                       <a:r>
-                        <a:rPr lang="en-US" altLang="ko-KR" dirty="0" smtClean="0"/>
+                        <a:rPr lang="en-US" altLang="ko-KR" dirty="0"/>
                         <a:t>3/24</a:t>
                       </a:r>
                       <a:endParaRPr lang="ko-KR" altLang="en-US" dirty="0"/>
@@ -14942,7 +14909,7 @@
                     <a:p>
                       <a:pPr latinLnBrk="1"/>
                       <a:r>
-                        <a:rPr lang="en-US" altLang="ko-KR" dirty="0" smtClean="0"/>
+                        <a:rPr lang="en-US" altLang="ko-KR" dirty="0"/>
                         <a:t>3/25</a:t>
                       </a:r>
                       <a:endParaRPr lang="ko-KR" altLang="en-US" dirty="0"/>
@@ -14957,7 +14924,7 @@
                     <a:p>
                       <a:pPr latinLnBrk="1"/>
                       <a:r>
-                        <a:rPr lang="en-US" altLang="ko-KR" dirty="0" smtClean="0"/>
+                        <a:rPr lang="en-US" altLang="ko-KR" dirty="0"/>
                         <a:t>3/26</a:t>
                       </a:r>
                       <a:endParaRPr lang="ko-KR" altLang="en-US" dirty="0"/>
@@ -14972,7 +14939,7 @@
                     <a:p>
                       <a:pPr latinLnBrk="1"/>
                       <a:r>
-                        <a:rPr lang="en-US" altLang="ko-KR" dirty="0" smtClean="0"/>
+                        <a:rPr lang="en-US" altLang="ko-KR" dirty="0"/>
                         <a:t>3/27</a:t>
                       </a:r>
                       <a:endParaRPr lang="ko-KR" altLang="en-US" dirty="0"/>
@@ -14980,6 +14947,11 @@
                   </a:txBody>
                   <a:tcPr/>
                 </a:tc>
+                <a:extLst>
+                  <a:ext uri="{0D108BD9-81ED-4DB2-BD59-A6C34878D82A}">
+                    <a16:rowId xmlns:a16="http://schemas.microsoft.com/office/drawing/2014/main" val="10001"/>
+                  </a:ext>
+                </a:extLst>
               </a:tr>
               <a:tr h="1679945">
                 <a:tc>
@@ -15022,22 +14994,22 @@
                     <a:p>
                       <a:pPr latinLnBrk="1"/>
                       <a:r>
-                        <a:rPr lang="en-US" altLang="ko-KR" sz="1200" baseline="0" dirty="0" smtClean="0"/>
+                        <a:rPr lang="en-US" altLang="ko-KR" sz="1200" baseline="0" dirty="0"/>
                         <a:t>Android -&gt; </a:t>
                       </a:r>
                       <a:r>
-                        <a:rPr lang="en-US" altLang="ko-KR" sz="1200" baseline="0" dirty="0" err="1" smtClean="0"/>
+                        <a:rPr lang="en-US" altLang="ko-KR" sz="1200" baseline="0" dirty="0" err="1"/>
                         <a:t>webServer</a:t>
                       </a:r>
                       <a:r>
-                        <a:rPr lang="en-US" altLang="ko-KR" sz="1200" baseline="0" dirty="0" smtClean="0"/>
+                        <a:rPr lang="en-US" altLang="ko-KR" sz="1200" baseline="0" dirty="0"/>
                         <a:t> </a:t>
                       </a:r>
                       <a:r>
-                        <a:rPr lang="ko-KR" altLang="en-US" sz="1200" baseline="0" dirty="0" smtClean="0"/>
+                        <a:rPr lang="ko-KR" altLang="en-US" sz="1200" baseline="0" dirty="0"/>
                         <a:t>통신</a:t>
                       </a:r>
-                      <a:endParaRPr lang="en-US" altLang="ko-KR" sz="1200" baseline="0" dirty="0" smtClean="0"/>
+                      <a:endParaRPr lang="en-US" altLang="ko-KR" sz="1200" baseline="0" dirty="0"/>
                     </a:p>
                     <a:p>
                       <a:pPr latinLnBrk="1"/>
@@ -15053,45 +15025,45 @@
                     <a:p>
                       <a:pPr latinLnBrk="1"/>
                       <a:r>
-                        <a:rPr lang="ko-KR" altLang="en-US" sz="1200" dirty="0" smtClean="0"/>
+                        <a:rPr lang="ko-KR" altLang="en-US" sz="1200" dirty="0"/>
                         <a:t>코딩 스타일 통일</a:t>
                       </a:r>
-                      <a:endParaRPr lang="en-US" altLang="ko-KR" sz="1200" dirty="0" smtClean="0"/>
-                    </a:p>
-                    <a:p>
-                      <a:pPr latinLnBrk="1"/>
-                      <a:endParaRPr lang="en-US" altLang="ko-KR" sz="1200" dirty="0" smtClean="0"/>
-                    </a:p>
-                    <a:p>
-                      <a:pPr latinLnBrk="1"/>
-                      <a:r>
-                        <a:rPr lang="en-US" altLang="ko-KR" sz="1200" dirty="0" smtClean="0"/>
+                      <a:endParaRPr lang="en-US" altLang="ko-KR" sz="1200" dirty="0"/>
+                    </a:p>
+                    <a:p>
+                      <a:pPr latinLnBrk="1"/>
+                      <a:endParaRPr lang="en-US" altLang="ko-KR" sz="1200" dirty="0"/>
+                    </a:p>
+                    <a:p>
+                      <a:pPr latinLnBrk="1"/>
+                      <a:r>
+                        <a:rPr lang="en-US" altLang="ko-KR" sz="1200" dirty="0"/>
                         <a:t>[</a:t>
                       </a:r>
                       <a:r>
-                        <a:rPr lang="en-US" altLang="ko-KR" sz="1200" dirty="0" err="1" smtClean="0"/>
+                        <a:rPr lang="en-US" altLang="ko-KR" sz="1200" dirty="0" err="1"/>
                         <a:t>mysql</a:t>
                       </a:r>
                       <a:r>
-                        <a:rPr lang="en-US" altLang="ko-KR" sz="1200" dirty="0" smtClean="0"/>
+                        <a:rPr lang="en-US" altLang="ko-KR" sz="1200" dirty="0"/>
                         <a:t>] </a:t>
                       </a:r>
                       <a:r>
-                        <a:rPr lang="en-US" altLang="ko-KR" sz="1200" dirty="0" err="1" smtClean="0"/>
+                        <a:rPr lang="en-US" altLang="ko-KR" sz="1200" dirty="0" err="1"/>
                         <a:t>mysql</a:t>
                       </a:r>
                       <a:r>
-                        <a:rPr lang="en-US" altLang="ko-KR" sz="1200" dirty="0" smtClean="0"/>
+                        <a:rPr lang="en-US" altLang="ko-KR" sz="1200" dirty="0"/>
                         <a:t> </a:t>
                       </a:r>
                     </a:p>
                     <a:p>
                       <a:pPr latinLnBrk="1"/>
                       <a:r>
-                        <a:rPr lang="ko-KR" altLang="en-US" sz="1200" dirty="0" smtClean="0"/>
+                        <a:rPr lang="ko-KR" altLang="en-US" sz="1200" dirty="0"/>
                         <a:t>테이블 구현</a:t>
                       </a:r>
-                      <a:endParaRPr lang="en-US" altLang="ko-KR" sz="1200" dirty="0" smtClean="0"/>
+                      <a:endParaRPr lang="en-US" altLang="ko-KR" sz="1200" dirty="0"/>
                     </a:p>
                   </a:txBody>
                   <a:tcPr/>
@@ -15103,46 +15075,45 @@
                     <a:p>
                       <a:pPr latinLnBrk="1"/>
                       <a:r>
-                        <a:rPr lang="en-US" altLang="ko-KR" sz="1200" dirty="0" smtClean="0"/>
+                        <a:rPr lang="en-US" altLang="ko-KR" sz="1200" dirty="0"/>
                         <a:t>[android] </a:t>
                       </a:r>
                       <a:r>
-                        <a:rPr lang="ko-KR" altLang="en-US" sz="1200" dirty="0" smtClean="0"/>
+                        <a:rPr lang="ko-KR" altLang="en-US" sz="1200" dirty="0"/>
                         <a:t>메인 </a:t>
                       </a:r>
-                      <a:endParaRPr lang="en-US" altLang="ko-KR" sz="1200" dirty="0" smtClean="0"/>
-                    </a:p>
-                    <a:p>
-                      <a:pPr latinLnBrk="1"/>
-                      <a:r>
-                        <a:rPr lang="ko-KR" altLang="en-US" sz="1200" dirty="0" smtClean="0"/>
+                      <a:endParaRPr lang="en-US" altLang="ko-KR" sz="1200" dirty="0"/>
+                    </a:p>
+                    <a:p>
+                      <a:pPr latinLnBrk="1"/>
+                      <a:r>
+                        <a:rPr lang="ko-KR" altLang="en-US" sz="1200" dirty="0"/>
                         <a:t>디자인 설계</a:t>
                       </a:r>
-                      <a:endParaRPr lang="en-US" altLang="ko-KR" sz="1200" dirty="0" smtClean="0"/>
-                    </a:p>
-                    <a:p>
-                      <a:pPr latinLnBrk="1"/>
-                      <a:endParaRPr lang="en-US" altLang="ko-KR" sz="1200" dirty="0" smtClean="0"/>
-                    </a:p>
-                    <a:p>
-                      <a:pPr latinLnBrk="1"/>
-                      <a:r>
-                        <a:rPr lang="en-US" altLang="ko-KR" sz="1200" dirty="0" smtClean="0"/>
+                      <a:endParaRPr lang="en-US" altLang="ko-KR" sz="1200" dirty="0"/>
+                    </a:p>
+                    <a:p>
+                      <a:pPr latinLnBrk="1"/>
+                      <a:endParaRPr lang="en-US" altLang="ko-KR" sz="1200" dirty="0"/>
+                    </a:p>
+                    <a:p>
+                      <a:pPr latinLnBrk="1"/>
+                      <a:r>
+                        <a:rPr lang="en-US" altLang="ko-KR" sz="1200" dirty="0"/>
                         <a:t>[android] </a:t>
                       </a:r>
                       <a:r>
-                        <a:rPr lang="ko-KR" altLang="en-US" sz="1200" dirty="0" smtClean="0"/>
+                        <a:rPr lang="ko-KR" altLang="en-US" sz="1200" dirty="0"/>
                         <a:t>메인</a:t>
                       </a:r>
-                      <a:endParaRPr lang="en-US" altLang="ko-KR" sz="1200" dirty="0" smtClean="0"/>
-                    </a:p>
-                    <a:p>
-                      <a:pPr latinLnBrk="1"/>
-                      <a:r>
-                        <a:rPr lang="ko-KR" altLang="en-US" sz="1200" dirty="0" smtClean="0"/>
+                      <a:endParaRPr lang="en-US" altLang="ko-KR" sz="1200" dirty="0"/>
+                    </a:p>
+                    <a:p>
+                      <a:pPr latinLnBrk="1"/>
+                      <a:r>
+                        <a:rPr lang="ko-KR" altLang="en-US" sz="1200" dirty="0"/>
                         <a:t>화면 디자인 구현</a:t>
                       </a:r>
-                      <a:endParaRPr lang="ko-KR" altLang="en-US" sz="1200" dirty="0"/>
                     </a:p>
                   </a:txBody>
                   <a:tcPr/>
@@ -15153,11 +15124,16 @@
                     <a:lstStyle/>
                     <a:p>
                       <a:pPr latinLnBrk="1"/>
-                      <a:endParaRPr lang="en-US" altLang="ko-KR" sz="1200" dirty="0" smtClean="0"/>
+                      <a:endParaRPr lang="en-US" altLang="ko-KR" sz="1200" dirty="0"/>
                     </a:p>
                   </a:txBody>
                   <a:tcPr/>
                 </a:tc>
+                <a:extLst>
+                  <a:ext uri="{0D108BD9-81ED-4DB2-BD59-A6C34878D82A}">
+                    <a16:rowId xmlns:a16="http://schemas.microsoft.com/office/drawing/2014/main" val="10002"/>
+                  </a:ext>
+                </a:extLst>
               </a:tr>
               <a:tr h="422031">
                 <a:tc>
@@ -15167,7 +15143,7 @@
                     <a:p>
                       <a:pPr latinLnBrk="1"/>
                       <a:r>
-                        <a:rPr lang="en-US" altLang="ko-KR" dirty="0" smtClean="0"/>
+                        <a:rPr lang="en-US" altLang="ko-KR" dirty="0"/>
                         <a:t>3/28</a:t>
                       </a:r>
                       <a:endParaRPr lang="ko-KR" altLang="en-US" dirty="0"/>
@@ -15182,7 +15158,7 @@
                     <a:p>
                       <a:pPr latinLnBrk="1"/>
                       <a:r>
-                        <a:rPr lang="en-US" altLang="ko-KR" dirty="0" smtClean="0"/>
+                        <a:rPr lang="en-US" altLang="ko-KR" dirty="0"/>
                         <a:t>3/29</a:t>
                       </a:r>
                       <a:endParaRPr lang="ko-KR" altLang="en-US" dirty="0"/>
@@ -15197,7 +15173,7 @@
                     <a:p>
                       <a:pPr latinLnBrk="1"/>
                       <a:r>
-                        <a:rPr lang="en-US" altLang="ko-KR" dirty="0" smtClean="0"/>
+                        <a:rPr lang="en-US" altLang="ko-KR" dirty="0"/>
                         <a:t>3/30</a:t>
                       </a:r>
                       <a:endParaRPr lang="ko-KR" altLang="en-US" dirty="0"/>
@@ -15212,7 +15188,7 @@
                     <a:p>
                       <a:pPr latinLnBrk="1"/>
                       <a:r>
-                        <a:rPr lang="en-US" altLang="ko-KR" dirty="0" smtClean="0"/>
+                        <a:rPr lang="en-US" altLang="ko-KR" dirty="0"/>
                         <a:t>3/31</a:t>
                       </a:r>
                       <a:endParaRPr lang="ko-KR" altLang="en-US" dirty="0"/>
@@ -15227,7 +15203,7 @@
                     <a:p>
                       <a:pPr latinLnBrk="1"/>
                       <a:r>
-                        <a:rPr lang="en-US" altLang="ko-KR" dirty="0" smtClean="0"/>
+                        <a:rPr lang="en-US" altLang="ko-KR" dirty="0"/>
                         <a:t>4/1</a:t>
                       </a:r>
                       <a:endParaRPr lang="ko-KR" altLang="en-US" dirty="0"/>
@@ -15242,7 +15218,7 @@
                     <a:p>
                       <a:pPr latinLnBrk="1"/>
                       <a:r>
-                        <a:rPr lang="en-US" altLang="ko-KR" dirty="0" smtClean="0"/>
+                        <a:rPr lang="en-US" altLang="ko-KR" dirty="0"/>
                         <a:t>4/2</a:t>
                       </a:r>
                       <a:endParaRPr lang="ko-KR" altLang="en-US" dirty="0"/>
@@ -15261,6 +15237,11 @@
                   </a:txBody>
                   <a:tcPr/>
                 </a:tc>
+                <a:extLst>
+                  <a:ext uri="{0D108BD9-81ED-4DB2-BD59-A6C34878D82A}">
+                    <a16:rowId xmlns:a16="http://schemas.microsoft.com/office/drawing/2014/main" val="10003"/>
+                  </a:ext>
+                </a:extLst>
               </a:tr>
               <a:tr h="1717158">
                 <a:tc>
@@ -15281,15 +15262,15 @@
                     <a:p>
                       <a:pPr latinLnBrk="1"/>
                       <a:r>
-                        <a:rPr lang="ko-KR" altLang="en-US" sz="1200" dirty="0" smtClean="0"/>
+                        <a:rPr lang="ko-KR" altLang="en-US" sz="1200" dirty="0"/>
                         <a:t>가격평균</a:t>
                       </a:r>
                       <a:r>
-                        <a:rPr lang="en-US" altLang="ko-KR" sz="1200" dirty="0" smtClean="0"/>
+                        <a:rPr lang="en-US" altLang="ko-KR" sz="1200" dirty="0"/>
                         <a:t>_</a:t>
                       </a:r>
                       <a:r>
-                        <a:rPr lang="en-US" altLang="ko-KR" sz="1200" dirty="0" err="1" smtClean="0"/>
+                        <a:rPr lang="en-US" altLang="ko-KR" sz="1200" dirty="0" err="1"/>
                         <a:t>high_low</a:t>
                       </a:r>
                       <a:endParaRPr lang="ko-KR" altLang="en-US" sz="1200" dirty="0"/>
@@ -15304,42 +15285,42 @@
                     <a:p>
                       <a:pPr latinLnBrk="1"/>
                       <a:r>
-                        <a:rPr lang="ko-KR" altLang="en-US" sz="1200" dirty="0" smtClean="0"/>
+                        <a:rPr lang="ko-KR" altLang="en-US" sz="1200" dirty="0"/>
                         <a:t>가격평균</a:t>
                       </a:r>
                       <a:r>
-                        <a:rPr lang="en-US" altLang="ko-KR" sz="1200" dirty="0" smtClean="0"/>
+                        <a:rPr lang="en-US" altLang="ko-KR" sz="1200" dirty="0"/>
                         <a:t>_</a:t>
                       </a:r>
                       <a:r>
-                        <a:rPr lang="ko-KR" altLang="en-US" sz="1200" dirty="0" err="1" smtClean="0"/>
+                        <a:rPr lang="ko-KR" altLang="en-US" sz="1200" dirty="0" err="1"/>
                         <a:t>전일대비</a:t>
                       </a:r>
                       <a:r>
-                        <a:rPr lang="en-US" altLang="ko-KR" sz="1200" dirty="0" smtClean="0"/>
+                        <a:rPr lang="en-US" altLang="ko-KR" sz="1200" dirty="0"/>
                         <a:t>_</a:t>
                       </a:r>
                       <a:r>
-                        <a:rPr lang="ko-KR" altLang="en-US" sz="1200" dirty="0" smtClean="0"/>
+                        <a:rPr lang="ko-KR" altLang="en-US" sz="1200" dirty="0"/>
                         <a:t>거래량</a:t>
                       </a:r>
                       <a:r>
-                        <a:rPr lang="en-US" altLang="ko-KR" sz="1200" dirty="0" smtClean="0"/>
+                        <a:rPr lang="en-US" altLang="ko-KR" sz="1200" dirty="0"/>
                         <a:t>_100%_</a:t>
                       </a:r>
                       <a:r>
-                        <a:rPr lang="ko-KR" altLang="en-US" sz="1200" dirty="0" smtClean="0"/>
+                        <a:rPr lang="ko-KR" altLang="en-US" sz="1200" dirty="0"/>
                         <a:t>감소</a:t>
                       </a:r>
                       <a:r>
-                        <a:rPr lang="en-US" altLang="ko-KR" sz="1200" dirty="0" smtClean="0"/>
+                        <a:rPr lang="en-US" altLang="ko-KR" sz="1200" dirty="0"/>
                         <a:t>_low_</a:t>
                       </a:r>
                       <a:r>
-                        <a:rPr lang="ko-KR" altLang="en-US" sz="1200" dirty="0" smtClean="0"/>
+                        <a:rPr lang="ko-KR" altLang="en-US" sz="1200" dirty="0"/>
                         <a:t>매수</a:t>
                       </a:r>
-                      <a:endParaRPr lang="en-US" altLang="ko-KR" sz="1200" dirty="0" smtClean="0"/>
+                      <a:endParaRPr lang="en-US" altLang="ko-KR" sz="1200" dirty="0"/>
                     </a:p>
                   </a:txBody>
                   <a:tcPr/>
@@ -15351,15 +15332,15 @@
                     <a:p>
                       <a:pPr latinLnBrk="1"/>
                       <a:r>
-                        <a:rPr lang="ko-KR" altLang="en-US" sz="1200" dirty="0" smtClean="0"/>
+                        <a:rPr lang="ko-KR" altLang="en-US" sz="1200" dirty="0"/>
                         <a:t>가격평균</a:t>
                       </a:r>
                       <a:r>
-                        <a:rPr lang="en-US" altLang="ko-KR" sz="1200" dirty="0" smtClean="0"/>
+                        <a:rPr lang="en-US" altLang="ko-KR" sz="1200" dirty="0"/>
                         <a:t>_</a:t>
                       </a:r>
                       <a:r>
-                        <a:rPr lang="en-US" altLang="ko-KR" sz="1200" dirty="0" err="1" smtClean="0"/>
+                        <a:rPr lang="en-US" altLang="ko-KR" sz="1200" dirty="0" err="1"/>
                         <a:t>close_open</a:t>
                       </a:r>
                       <a:endParaRPr lang="ko-KR" altLang="en-US" sz="1200" dirty="0"/>
@@ -15385,15 +15366,15 @@
                     <a:p>
                       <a:pPr latinLnBrk="1"/>
                       <a:r>
-                        <a:rPr lang="ko-KR" altLang="en-US" sz="1200" dirty="0" smtClean="0"/>
+                        <a:rPr lang="ko-KR" altLang="en-US" sz="1200" dirty="0"/>
                         <a:t>빈도</a:t>
                       </a:r>
                       <a:r>
-                        <a:rPr lang="en-US" altLang="ko-KR" sz="1200" dirty="0" smtClean="0"/>
+                        <a:rPr lang="en-US" altLang="ko-KR" sz="1200" dirty="0"/>
                         <a:t>_</a:t>
                       </a:r>
                       <a:r>
-                        <a:rPr lang="ko-KR" altLang="en-US" sz="1200" dirty="0" err="1" smtClean="0"/>
+                        <a:rPr lang="ko-KR" altLang="en-US" sz="1200" dirty="0" err="1"/>
                         <a:t>약세장</a:t>
                       </a:r>
                       <a:endParaRPr lang="ko-KR" altLang="en-US" sz="1200" dirty="0"/>
@@ -15412,6 +15393,11 @@
                   </a:txBody>
                   <a:tcPr/>
                 </a:tc>
+                <a:extLst>
+                  <a:ext uri="{0D108BD9-81ED-4DB2-BD59-A6C34878D82A}">
+                    <a16:rowId xmlns:a16="http://schemas.microsoft.com/office/drawing/2014/main" val="10004"/>
+                  </a:ext>
+                </a:extLst>
               </a:tr>
             </a:tbl>
           </a:graphicData>
@@ -15427,13 +15413,6 @@
   <p:clrMapOvr>
     <a:masterClrMapping/>
   </p:clrMapOvr>
-  <p:timing>
-    <p:tnLst>
-      <p:par>
-        <p:cTn id="1" dur="indefinite" restart="never" nodeType="tmRoot"/>
-      </p:par>
-    </p:tnLst>
-  </p:timing>
 </p:sld>
 </file>
 
@@ -15770,7 +15749,7 @@
           <a:lstStyle/>
           <a:p>
             <a:r>
-              <a:rPr lang="ko-KR" altLang="en-US" sz="3200" dirty="0" smtClean="0">
+              <a:rPr lang="ko-KR" altLang="en-US" sz="3200" dirty="0">
                 <a:latin typeface="나눔고딕" panose="020D0604000000000000" pitchFamily="50" charset="-127"/>
                 <a:ea typeface="나눔고딕" panose="020D0604000000000000" pitchFamily="50" charset="-127"/>
                 <a:cs typeface="Open Sans Semibold" panose="020B0706030804020204" pitchFamily="34" charset="0"/>
@@ -15778,7 +15757,7 @@
               <a:t>프로젝트 일정 </a:t>
             </a:r>
             <a:r>
-              <a:rPr lang="en-US" altLang="ko-KR" sz="2800" dirty="0" smtClean="0">
+              <a:rPr lang="en-US" altLang="ko-KR" sz="2800" dirty="0">
                 <a:latin typeface="나눔고딕" panose="020D0604000000000000" pitchFamily="50" charset="-127"/>
                 <a:ea typeface="나눔고딕" panose="020D0604000000000000" pitchFamily="50" charset="-127"/>
                 <a:cs typeface="Open Sans Semibold" panose="020B0706030804020204" pitchFamily="34" charset="0"/>
@@ -15786,7 +15765,7 @@
               <a:t>(</a:t>
             </a:r>
             <a:r>
-              <a:rPr lang="ko-KR" altLang="en-US" sz="2800" dirty="0" smtClean="0">
+              <a:rPr lang="ko-KR" altLang="en-US" sz="2800" dirty="0">
                 <a:latin typeface="나눔고딕" panose="020D0604000000000000" pitchFamily="50" charset="-127"/>
                 <a:ea typeface="나눔고딕" panose="020D0604000000000000" pitchFamily="50" charset="-127"/>
                 <a:cs typeface="Open Sans Semibold" panose="020B0706030804020204" pitchFamily="34" charset="0"/>
@@ -15794,7 +15773,7 @@
               <a:t>허선영</a:t>
             </a:r>
             <a:r>
-              <a:rPr lang="en-US" altLang="ko-KR" sz="2800" dirty="0" smtClean="0">
+              <a:rPr lang="en-US" altLang="ko-KR" sz="2800" dirty="0">
                 <a:latin typeface="나눔고딕" panose="020D0604000000000000" pitchFamily="50" charset="-127"/>
                 <a:ea typeface="나눔고딕" panose="020D0604000000000000" pitchFamily="50" charset="-127"/>
                 <a:cs typeface="Open Sans Semibold" panose="020B0706030804020204" pitchFamily="34" charset="0"/>
@@ -15802,18 +15781,13 @@
               <a:t>)</a:t>
             </a:r>
             <a:r>
-              <a:rPr lang="ko-KR" altLang="en-US" sz="2800" dirty="0" smtClean="0">
+              <a:rPr lang="ko-KR" altLang="en-US" sz="2800" dirty="0">
                 <a:latin typeface="나눔고딕" panose="020D0604000000000000" pitchFamily="50" charset="-127"/>
                 <a:ea typeface="나눔고딕" panose="020D0604000000000000" pitchFamily="50" charset="-127"/>
                 <a:cs typeface="Open Sans Semibold" panose="020B0706030804020204" pitchFamily="34" charset="0"/>
               </a:rPr>
               <a:t> </a:t>
             </a:r>
-            <a:endParaRPr lang="ko-KR" altLang="en-US" sz="2800" dirty="0">
-              <a:latin typeface="나눔고딕" panose="020D0604000000000000" pitchFamily="50" charset="-127"/>
-              <a:ea typeface="나눔고딕" panose="020D0604000000000000" pitchFamily="50" charset="-127"/>
-              <a:cs typeface="Open Sans Semibold" panose="020B0706030804020204" pitchFamily="34" charset="0"/>
-            </a:endParaRPr>
           </a:p>
         </p:txBody>
       </p:sp>
@@ -15876,13 +15850,55 @@
                 <a:tableStyleId>{8EC20E35-A176-4012-BC5E-935CFFF8708E}</a:tableStyleId>
               </a:tblPr>
               <a:tblGrid>
-                <a:gridCol w="1377834"/>
-                <a:gridCol w="1377834"/>
-                <a:gridCol w="1377834"/>
-                <a:gridCol w="1377834"/>
-                <a:gridCol w="1377834"/>
-                <a:gridCol w="1377834"/>
-                <a:gridCol w="1377834"/>
+                <a:gridCol w="1377834">
+                  <a:extLst>
+                    <a:ext uri="{9D8B030D-6E8A-4147-A177-3AD203B41FA5}">
+                      <a16:colId xmlns:a16="http://schemas.microsoft.com/office/drawing/2014/main" val="20000"/>
+                    </a:ext>
+                  </a:extLst>
+                </a:gridCol>
+                <a:gridCol w="1377834">
+                  <a:extLst>
+                    <a:ext uri="{9D8B030D-6E8A-4147-A177-3AD203B41FA5}">
+                      <a16:colId xmlns:a16="http://schemas.microsoft.com/office/drawing/2014/main" val="20001"/>
+                    </a:ext>
+                  </a:extLst>
+                </a:gridCol>
+                <a:gridCol w="1377834">
+                  <a:extLst>
+                    <a:ext uri="{9D8B030D-6E8A-4147-A177-3AD203B41FA5}">
+                      <a16:colId xmlns:a16="http://schemas.microsoft.com/office/drawing/2014/main" val="20002"/>
+                    </a:ext>
+                  </a:extLst>
+                </a:gridCol>
+                <a:gridCol w="1377834">
+                  <a:extLst>
+                    <a:ext uri="{9D8B030D-6E8A-4147-A177-3AD203B41FA5}">
+                      <a16:colId xmlns:a16="http://schemas.microsoft.com/office/drawing/2014/main" val="20003"/>
+                    </a:ext>
+                  </a:extLst>
+                </a:gridCol>
+                <a:gridCol w="1377834">
+                  <a:extLst>
+                    <a:ext uri="{9D8B030D-6E8A-4147-A177-3AD203B41FA5}">
+                      <a16:colId xmlns:a16="http://schemas.microsoft.com/office/drawing/2014/main" val="20004"/>
+                    </a:ext>
+                  </a:extLst>
+                </a:gridCol>
+                <a:gridCol w="1377834">
+                  <a:extLst>
+                    <a:ext uri="{9D8B030D-6E8A-4147-A177-3AD203B41FA5}">
+                      <a16:colId xmlns:a16="http://schemas.microsoft.com/office/drawing/2014/main" val="20005"/>
+                    </a:ext>
+                  </a:extLst>
+                </a:gridCol>
+                <a:gridCol w="1377834">
+                  <a:extLst>
+                    <a:ext uri="{9D8B030D-6E8A-4147-A177-3AD203B41FA5}">
+                      <a16:colId xmlns:a16="http://schemas.microsoft.com/office/drawing/2014/main" val="20006"/>
+                    </a:ext>
+                  </a:extLst>
+                </a:gridCol>
               </a:tblGrid>
               <a:tr h="314141">
                 <a:tc>
@@ -15892,10 +15908,9 @@
                     <a:p>
                       <a:pPr latinLnBrk="1"/>
                       <a:r>
-                        <a:rPr lang="ko-KR" altLang="en-US" dirty="0" smtClean="0"/>
+                        <a:rPr lang="ko-KR" altLang="en-US" dirty="0"/>
                         <a:t>일</a:t>
                       </a:r>
-                      <a:endParaRPr lang="ko-KR" altLang="en-US" dirty="0"/>
                     </a:p>
                   </a:txBody>
                   <a:tcPr/>
@@ -15907,10 +15922,9 @@
                     <a:p>
                       <a:pPr latinLnBrk="1"/>
                       <a:r>
-                        <a:rPr lang="ko-KR" altLang="en-US" dirty="0" smtClean="0"/>
+                        <a:rPr lang="ko-KR" altLang="en-US" dirty="0"/>
                         <a:t>월</a:t>
                       </a:r>
-                      <a:endParaRPr lang="ko-KR" altLang="en-US" dirty="0"/>
                     </a:p>
                   </a:txBody>
                   <a:tcPr/>
@@ -15922,10 +15936,9 @@
                     <a:p>
                       <a:pPr latinLnBrk="1"/>
                       <a:r>
-                        <a:rPr lang="ko-KR" altLang="en-US" dirty="0" smtClean="0"/>
+                        <a:rPr lang="ko-KR" altLang="en-US" dirty="0"/>
                         <a:t>화</a:t>
                       </a:r>
-                      <a:endParaRPr lang="ko-KR" altLang="en-US" dirty="0"/>
                     </a:p>
                   </a:txBody>
                   <a:tcPr/>
@@ -15937,10 +15950,9 @@
                     <a:p>
                       <a:pPr latinLnBrk="1"/>
                       <a:r>
-                        <a:rPr lang="ko-KR" altLang="en-US" dirty="0" smtClean="0"/>
+                        <a:rPr lang="ko-KR" altLang="en-US" dirty="0"/>
                         <a:t>수</a:t>
                       </a:r>
-                      <a:endParaRPr lang="ko-KR" altLang="en-US" dirty="0"/>
                     </a:p>
                   </a:txBody>
                   <a:tcPr/>
@@ -15952,10 +15964,9 @@
                     <a:p>
                       <a:pPr latinLnBrk="1"/>
                       <a:r>
-                        <a:rPr lang="ko-KR" altLang="en-US" dirty="0" smtClean="0"/>
+                        <a:rPr lang="ko-KR" altLang="en-US" dirty="0"/>
                         <a:t>목</a:t>
                       </a:r>
-                      <a:endParaRPr lang="ko-KR" altLang="en-US" dirty="0"/>
                     </a:p>
                   </a:txBody>
                   <a:tcPr/>
@@ -15967,10 +15978,9 @@
                     <a:p>
                       <a:pPr latinLnBrk="1"/>
                       <a:r>
-                        <a:rPr lang="ko-KR" altLang="en-US" dirty="0" smtClean="0"/>
+                        <a:rPr lang="ko-KR" altLang="en-US" dirty="0"/>
                         <a:t>금</a:t>
                       </a:r>
-                      <a:endParaRPr lang="ko-KR" altLang="en-US" dirty="0"/>
                     </a:p>
                   </a:txBody>
                   <a:tcPr/>
@@ -15982,14 +15992,18 @@
                     <a:p>
                       <a:pPr latinLnBrk="1"/>
                       <a:r>
-                        <a:rPr lang="ko-KR" altLang="en-US" dirty="0" smtClean="0"/>
+                        <a:rPr lang="ko-KR" altLang="en-US" dirty="0"/>
                         <a:t>토</a:t>
                       </a:r>
-                      <a:endParaRPr lang="ko-KR" altLang="en-US" dirty="0"/>
                     </a:p>
                   </a:txBody>
                   <a:tcPr/>
                 </a:tc>
+                <a:extLst>
+                  <a:ext uri="{0D108BD9-81ED-4DB2-BD59-A6C34878D82A}">
+                    <a16:rowId xmlns:a16="http://schemas.microsoft.com/office/drawing/2014/main" val="10000"/>
+                  </a:ext>
+                </a:extLst>
               </a:tr>
               <a:tr h="287428">
                 <a:tc>
@@ -16032,7 +16046,7 @@
                     <a:p>
                       <a:pPr latinLnBrk="1"/>
                       <a:r>
-                        <a:rPr lang="en-US" altLang="ko-KR" dirty="0" smtClean="0"/>
+                        <a:rPr lang="en-US" altLang="ko-KR" dirty="0"/>
                         <a:t>3/24</a:t>
                       </a:r>
                       <a:endParaRPr lang="ko-KR" altLang="en-US" dirty="0"/>
@@ -16047,7 +16061,7 @@
                     <a:p>
                       <a:pPr latinLnBrk="1"/>
                       <a:r>
-                        <a:rPr lang="en-US" altLang="ko-KR" dirty="0" smtClean="0"/>
+                        <a:rPr lang="en-US" altLang="ko-KR" dirty="0"/>
                         <a:t>3/25</a:t>
                       </a:r>
                       <a:endParaRPr lang="ko-KR" altLang="en-US" dirty="0"/>
@@ -16062,7 +16076,7 @@
                     <a:p>
                       <a:pPr latinLnBrk="1"/>
                       <a:r>
-                        <a:rPr lang="en-US" altLang="ko-KR" dirty="0" smtClean="0"/>
+                        <a:rPr lang="en-US" altLang="ko-KR" dirty="0"/>
                         <a:t>3/26</a:t>
                       </a:r>
                       <a:endParaRPr lang="ko-KR" altLang="en-US" dirty="0"/>
@@ -16077,7 +16091,7 @@
                     <a:p>
                       <a:pPr latinLnBrk="1"/>
                       <a:r>
-                        <a:rPr lang="en-US" altLang="ko-KR" dirty="0" smtClean="0"/>
+                        <a:rPr lang="en-US" altLang="ko-KR" dirty="0"/>
                         <a:t>3/27</a:t>
                       </a:r>
                       <a:endParaRPr lang="ko-KR" altLang="en-US" dirty="0"/>
@@ -16085,6 +16099,11 @@
                   </a:txBody>
                   <a:tcPr/>
                 </a:tc>
+                <a:extLst>
+                  <a:ext uri="{0D108BD9-81ED-4DB2-BD59-A6C34878D82A}">
+                    <a16:rowId xmlns:a16="http://schemas.microsoft.com/office/drawing/2014/main" val="10001"/>
+                  </a:ext>
+                </a:extLst>
               </a:tr>
               <a:tr h="1534990">
                 <a:tc>
@@ -16127,81 +16146,81 @@
                     <a:p>
                       <a:pPr latinLnBrk="1"/>
                       <a:r>
-                        <a:rPr lang="ko-KR" altLang="en-US" sz="1200" dirty="0" smtClean="0"/>
+                        <a:rPr lang="ko-KR" altLang="en-US" sz="1200" dirty="0"/>
                         <a:t>아이디어</a:t>
                       </a:r>
-                      <a:endParaRPr lang="en-US" altLang="ko-KR" sz="1200" dirty="0" smtClean="0"/>
-                    </a:p>
-                    <a:p>
-                      <a:pPr latinLnBrk="1"/>
-                      <a:r>
-                        <a:rPr lang="ko-KR" altLang="en-US" sz="1200" dirty="0" err="1" smtClean="0"/>
+                      <a:endParaRPr lang="en-US" altLang="ko-KR" sz="1200" dirty="0"/>
+                    </a:p>
+                    <a:p>
+                      <a:pPr latinLnBrk="1"/>
+                      <a:r>
+                        <a:rPr lang="ko-KR" altLang="en-US" sz="1200" dirty="0" err="1"/>
                         <a:t>브레인스토밍</a:t>
                       </a:r>
-                      <a:endParaRPr lang="en-US" altLang="ko-KR" sz="1200" dirty="0" smtClean="0"/>
-                    </a:p>
-                    <a:p>
-                      <a:pPr latinLnBrk="1"/>
-                      <a:endParaRPr lang="en-US" altLang="ko-KR" sz="1200" dirty="0" smtClean="0"/>
-                    </a:p>
-                    <a:p>
-                      <a:pPr latinLnBrk="1"/>
-                      <a:r>
-                        <a:rPr lang="ko-KR" altLang="en-US" sz="1200" dirty="0" smtClean="0"/>
+                      <a:endParaRPr lang="en-US" altLang="ko-KR" sz="1200" dirty="0"/>
+                    </a:p>
+                    <a:p>
+                      <a:pPr latinLnBrk="1"/>
+                      <a:endParaRPr lang="en-US" altLang="ko-KR" sz="1200" dirty="0"/>
+                    </a:p>
+                    <a:p>
+                      <a:pPr latinLnBrk="1"/>
+                      <a:r>
+                        <a:rPr lang="ko-KR" altLang="en-US" sz="1200" dirty="0"/>
                         <a:t>구조 설계</a:t>
                       </a:r>
-                      <a:endParaRPr lang="en-US" altLang="ko-KR" sz="1200" dirty="0" smtClean="0"/>
-                    </a:p>
-                    <a:p>
-                      <a:pPr latinLnBrk="1"/>
-                      <a:endParaRPr lang="en-US" altLang="ko-KR" sz="1200" dirty="0" smtClean="0"/>
-                    </a:p>
-                    <a:p>
-                      <a:pPr latinLnBrk="1"/>
-                      <a:r>
-                        <a:rPr lang="en-US" altLang="ko-KR" sz="1200" dirty="0" smtClean="0"/>
+                      <a:endParaRPr lang="en-US" altLang="ko-KR" sz="1200" dirty="0"/>
+                    </a:p>
+                    <a:p>
+                      <a:pPr latinLnBrk="1"/>
+                      <a:endParaRPr lang="en-US" altLang="ko-KR" sz="1200" dirty="0"/>
+                    </a:p>
+                    <a:p>
+                      <a:pPr latinLnBrk="1"/>
+                      <a:r>
+                        <a:rPr lang="en-US" altLang="ko-KR" sz="1200" dirty="0"/>
                         <a:t>Python</a:t>
                       </a:r>
                       <a:r>
-                        <a:rPr lang="en-US" altLang="ko-KR" sz="1200" baseline="0" dirty="0" smtClean="0"/>
+                        <a:rPr lang="en-US" altLang="ko-KR" sz="1200" baseline="0" dirty="0"/>
                         <a:t> -&gt; </a:t>
                       </a:r>
                       <a:r>
-                        <a:rPr lang="en-US" altLang="ko-KR" sz="1200" baseline="0" dirty="0" err="1" smtClean="0"/>
+                        <a:rPr lang="en-US" altLang="ko-KR" sz="1200" baseline="0" dirty="0" err="1"/>
                         <a:t>webServer</a:t>
                       </a:r>
                       <a:r>
-                        <a:rPr lang="en-US" altLang="ko-KR" sz="1200" baseline="0" dirty="0" smtClean="0"/>
+                        <a:rPr lang="en-US" altLang="ko-KR" sz="1200" baseline="0" dirty="0"/>
                         <a:t> </a:t>
                       </a:r>
                       <a:r>
-                        <a:rPr lang="ko-KR" altLang="en-US" sz="1200" baseline="0" dirty="0" smtClean="0"/>
+                        <a:rPr lang="ko-KR" altLang="en-US" sz="1200" baseline="0" dirty="0"/>
                         <a:t>통신</a:t>
                       </a:r>
-                      <a:endParaRPr lang="en-US" altLang="ko-KR" sz="1200" baseline="0" dirty="0" smtClean="0"/>
-                    </a:p>
-                    <a:p>
-                      <a:pPr latinLnBrk="1"/>
-                      <a:r>
-                        <a:rPr lang="en-US" altLang="ko-KR" sz="1200" baseline="0" dirty="0" smtClean="0"/>
+                      <a:endParaRPr lang="en-US" altLang="ko-KR" sz="1200" baseline="0" dirty="0"/>
+                    </a:p>
+                    <a:p>
+                      <a:pPr latinLnBrk="1"/>
+                      <a:r>
+                        <a:rPr lang="en-US" altLang="ko-KR" sz="1200" baseline="0" dirty="0"/>
                         <a:t>Request &amp; response</a:t>
                       </a:r>
                     </a:p>
                     <a:p>
                       <a:pPr latinLnBrk="1"/>
-                      <a:endParaRPr lang="en-US" altLang="ko-KR" sz="1200" baseline="0" dirty="0" smtClean="0"/>
-                    </a:p>
-                    <a:p>
-                      <a:pPr latinLnBrk="1"/>
-                      <a:r>
-                        <a:rPr lang="en-US" altLang="ko-KR" sz="1200" baseline="0" dirty="0" smtClean="0"/>
+                      <a:endParaRPr lang="en-US" altLang="ko-KR" sz="1200" baseline="0" dirty="0"/>
+                    </a:p>
+                    <a:p>
+                      <a:pPr latinLnBrk="1"/>
+                      <a:r>
+                        <a:rPr lang="en-US" altLang="ko-KR" sz="1200" baseline="0" dirty="0"/>
                         <a:t>Volley </a:t>
                       </a:r>
                       <a:r>
-                        <a:rPr lang="ko-KR" altLang="en-US" sz="1200" baseline="0" dirty="0" smtClean="0"/>
+                        <a:rPr lang="ko-KR" altLang="en-US" sz="1200" baseline="0" dirty="0"/>
                         <a:t>통신</a:t>
                       </a:r>
-                      <a:endParaRPr lang="en-US" altLang="ko-KR" sz="1200" baseline="0" dirty="0" smtClean="0"/>
+                      <a:endParaRPr lang="en-US" altLang="ko-KR" sz="1200" baseline="0" dirty="0"/>
                     </a:p>
                   </a:txBody>
                   <a:tcPr/>
@@ -16213,78 +16232,78 @@
                     <a:p>
                       <a:pPr latinLnBrk="1"/>
                       <a:r>
-                        <a:rPr lang="ko-KR" altLang="en-US" sz="1200" dirty="0" smtClean="0"/>
+                        <a:rPr lang="ko-KR" altLang="en-US" sz="1200" dirty="0"/>
                         <a:t>코딩 스타일 통일</a:t>
                       </a:r>
-                      <a:endParaRPr lang="en-US" altLang="ko-KR" sz="1200" dirty="0" smtClean="0"/>
-                    </a:p>
-                    <a:p>
-                      <a:pPr latinLnBrk="1"/>
-                      <a:endParaRPr lang="en-US" altLang="ko-KR" sz="1200" dirty="0" smtClean="0"/>
-                    </a:p>
-                    <a:p>
-                      <a:pPr latinLnBrk="1"/>
-                      <a:r>
-                        <a:rPr lang="ko-KR" altLang="en-US" sz="1200" dirty="0" smtClean="0"/>
+                      <a:endParaRPr lang="en-US" altLang="ko-KR" sz="1200" dirty="0"/>
+                    </a:p>
+                    <a:p>
+                      <a:pPr latinLnBrk="1"/>
+                      <a:endParaRPr lang="en-US" altLang="ko-KR" sz="1200" dirty="0"/>
+                    </a:p>
+                    <a:p>
+                      <a:pPr latinLnBrk="1"/>
+                      <a:r>
+                        <a:rPr lang="ko-KR" altLang="en-US" sz="1200" dirty="0"/>
                         <a:t>주식 종목 </a:t>
                       </a:r>
                       <a:r>
-                        <a:rPr lang="en-US" altLang="ko-KR" sz="1200" dirty="0" smtClean="0"/>
+                        <a:rPr lang="en-US" altLang="ko-KR" sz="1200" dirty="0"/>
                         <a:t>1</a:t>
                       </a:r>
                       <a:r>
-                        <a:rPr lang="ko-KR" altLang="en-US" sz="1200" dirty="0" smtClean="0"/>
+                        <a:rPr lang="ko-KR" altLang="en-US" sz="1200" dirty="0"/>
                         <a:t>년 </a:t>
                       </a:r>
-                      <a:endParaRPr lang="en-US" altLang="ko-KR" sz="1200" dirty="0" smtClean="0"/>
-                    </a:p>
-                    <a:p>
-                      <a:pPr latinLnBrk="1"/>
-                      <a:r>
-                        <a:rPr lang="ko-KR" altLang="en-US" sz="1200" dirty="0" err="1" smtClean="0"/>
+                      <a:endParaRPr lang="en-US" altLang="ko-KR" sz="1200" dirty="0"/>
+                    </a:p>
+                    <a:p>
+                      <a:pPr latinLnBrk="1"/>
+                      <a:r>
+                        <a:rPr lang="ko-KR" altLang="en-US" sz="1200" dirty="0" err="1"/>
                         <a:t>시고저종</a:t>
                       </a:r>
                       <a:r>
-                        <a:rPr lang="ko-KR" altLang="en-US" sz="1200" dirty="0" smtClean="0"/>
+                        <a:rPr lang="ko-KR" altLang="en-US" sz="1200" dirty="0"/>
                         <a:t> 데이터 </a:t>
                       </a:r>
                       <a:r>
-                        <a:rPr lang="ko-KR" altLang="en-US" sz="1200" dirty="0" err="1" smtClean="0"/>
+                        <a:rPr lang="ko-KR" altLang="en-US" sz="1200" dirty="0" err="1"/>
                         <a:t>크롤링</a:t>
                       </a:r>
-                      <a:endParaRPr lang="en-US" altLang="ko-KR" sz="1200" dirty="0" smtClean="0"/>
-                    </a:p>
-                    <a:p>
-                      <a:pPr latinLnBrk="1"/>
-                      <a:endParaRPr lang="en-US" altLang="ko-KR" sz="1200" dirty="0" smtClean="0"/>
-                    </a:p>
-                    <a:p>
-                      <a:pPr latinLnBrk="1"/>
-                      <a:r>
-                        <a:rPr lang="en-US" altLang="ko-KR" sz="1200" dirty="0" smtClean="0"/>
+                      <a:endParaRPr lang="en-US" altLang="ko-KR" sz="1200" dirty="0"/>
+                    </a:p>
+                    <a:p>
+                      <a:pPr latinLnBrk="1"/>
+                      <a:endParaRPr lang="en-US" altLang="ko-KR" sz="1200" dirty="0"/>
+                    </a:p>
+                    <a:p>
+                      <a:pPr latinLnBrk="1"/>
+                      <a:r>
+                        <a:rPr lang="en-US" altLang="ko-KR" sz="1200" dirty="0"/>
                         <a:t>[</a:t>
                       </a:r>
                       <a:r>
-                        <a:rPr lang="en-US" altLang="ko-KR" sz="1200" dirty="0" err="1" smtClean="0"/>
+                        <a:rPr lang="en-US" altLang="ko-KR" sz="1200" dirty="0" err="1"/>
                         <a:t>mysql</a:t>
                       </a:r>
                       <a:r>
-                        <a:rPr lang="en-US" altLang="ko-KR" sz="1200" dirty="0" smtClean="0"/>
+                        <a:rPr lang="en-US" altLang="ko-KR" sz="1200" dirty="0"/>
                         <a:t>] </a:t>
                       </a:r>
                       <a:r>
-                        <a:rPr lang="en-US" altLang="ko-KR" sz="1200" dirty="0" err="1" smtClean="0"/>
+                        <a:rPr lang="en-US" altLang="ko-KR" sz="1200" dirty="0" err="1"/>
                         <a:t>mysql</a:t>
                       </a:r>
-                      <a:endParaRPr lang="en-US" altLang="ko-KR" sz="1200" dirty="0" smtClean="0"/>
-                    </a:p>
-                    <a:p>
-                      <a:pPr latinLnBrk="1"/>
-                      <a:r>
-                        <a:rPr lang="ko-KR" altLang="en-US" sz="1200" dirty="0" smtClean="0"/>
+                      <a:endParaRPr lang="en-US" altLang="ko-KR" sz="1200" dirty="0"/>
+                    </a:p>
+                    <a:p>
+                      <a:pPr latinLnBrk="1"/>
+                      <a:r>
+                        <a:rPr lang="ko-KR" altLang="en-US" sz="1200" dirty="0"/>
                         <a:t>테이블 설계 </a:t>
                       </a:r>
-                      <a:endParaRPr lang="en-US" altLang="ko-KR" sz="1200" dirty="0" smtClean="0"/>
+                      <a:endParaRPr lang="en-US" altLang="ko-KR" sz="1200" dirty="0"/>
                     </a:p>
                   </a:txBody>
                   <a:tcPr/>
@@ -16296,46 +16315,46 @@
                     <a:p>
                       <a:pPr latinLnBrk="1"/>
                       <a:r>
-                        <a:rPr lang="en-US" altLang="ko-KR" sz="1200" dirty="0" smtClean="0"/>
+                        <a:rPr lang="en-US" altLang="ko-KR" sz="1200" dirty="0"/>
                         <a:t>[python] </a:t>
                       </a:r>
                       <a:r>
-                        <a:rPr lang="ko-KR" altLang="en-US" sz="1200" dirty="0" smtClean="0"/>
+                        <a:rPr lang="ko-KR" altLang="en-US" sz="1200" dirty="0"/>
                         <a:t>주식 </a:t>
                       </a:r>
-                      <a:endParaRPr lang="en-US" altLang="ko-KR" sz="1200" dirty="0" smtClean="0"/>
-                    </a:p>
-                    <a:p>
-                      <a:pPr latinLnBrk="1"/>
-                      <a:r>
-                        <a:rPr lang="ko-KR" altLang="en-US" sz="1200" dirty="0" smtClean="0"/>
+                      <a:endParaRPr lang="en-US" altLang="ko-KR" sz="1200" dirty="0"/>
+                    </a:p>
+                    <a:p>
+                      <a:pPr latinLnBrk="1"/>
+                      <a:r>
+                        <a:rPr lang="ko-KR" altLang="en-US" sz="1200" dirty="0"/>
                         <a:t>종목 </a:t>
                       </a:r>
                       <a:r>
-                        <a:rPr lang="en-US" altLang="ko-KR" sz="1200" dirty="0" smtClean="0"/>
+                        <a:rPr lang="en-US" altLang="ko-KR" sz="1200" dirty="0"/>
                         <a:t>1</a:t>
                       </a:r>
                       <a:r>
-                        <a:rPr lang="ko-KR" altLang="en-US" sz="1200" dirty="0" smtClean="0"/>
+                        <a:rPr lang="ko-KR" altLang="en-US" sz="1200" dirty="0"/>
                         <a:t>년 </a:t>
                       </a:r>
-                      <a:endParaRPr lang="en-US" altLang="ko-KR" sz="1200" dirty="0" smtClean="0"/>
-                    </a:p>
-                    <a:p>
-                      <a:pPr latinLnBrk="1"/>
-                      <a:r>
-                        <a:rPr lang="ko-KR" altLang="en-US" sz="1200" dirty="0" err="1" smtClean="0"/>
+                      <a:endParaRPr lang="en-US" altLang="ko-KR" sz="1200" dirty="0"/>
+                    </a:p>
+                    <a:p>
+                      <a:pPr latinLnBrk="1"/>
+                      <a:r>
+                        <a:rPr lang="ko-KR" altLang="en-US" sz="1200" dirty="0" err="1"/>
                         <a:t>시고저종</a:t>
                       </a:r>
                       <a:r>
-                        <a:rPr lang="ko-KR" altLang="en-US" sz="1200" dirty="0" smtClean="0"/>
+                        <a:rPr lang="ko-KR" altLang="en-US" sz="1200" dirty="0"/>
                         <a:t> 데이터 </a:t>
                       </a:r>
                       <a:r>
-                        <a:rPr lang="ko-KR" altLang="en-US" sz="1200" dirty="0" err="1" smtClean="0"/>
+                        <a:rPr lang="ko-KR" altLang="en-US" sz="1200" dirty="0" err="1"/>
                         <a:t>크롤링</a:t>
                       </a:r>
-                      <a:endParaRPr lang="en-US" altLang="ko-KR" sz="1200" dirty="0" smtClean="0"/>
+                      <a:endParaRPr lang="en-US" altLang="ko-KR" sz="1200" dirty="0"/>
                     </a:p>
                     <a:p>
                       <a:pPr latinLnBrk="1"/>
@@ -16351,22 +16370,27 @@
                     <a:p>
                       <a:pPr latinLnBrk="1"/>
                       <a:r>
-                        <a:rPr lang="ko-KR" altLang="en-US" sz="1200" dirty="0" smtClean="0"/>
+                        <a:rPr lang="ko-KR" altLang="en-US" sz="1200" dirty="0"/>
                         <a:t>알고리즘 </a:t>
                       </a:r>
-                      <a:endParaRPr lang="en-US" altLang="ko-KR" sz="1200" dirty="0" smtClean="0"/>
-                    </a:p>
-                    <a:p>
-                      <a:pPr latinLnBrk="1"/>
-                      <a:r>
-                        <a:rPr lang="ko-KR" altLang="en-US" sz="1200" dirty="0" smtClean="0"/>
+                      <a:endParaRPr lang="en-US" altLang="ko-KR" sz="1200" dirty="0"/>
+                    </a:p>
+                    <a:p>
+                      <a:pPr latinLnBrk="1"/>
+                      <a:r>
+                        <a:rPr lang="ko-KR" altLang="en-US" sz="1200" dirty="0"/>
                         <a:t>시나리오 개발</a:t>
                       </a:r>
-                      <a:endParaRPr lang="en-US" altLang="ko-KR" sz="1200" dirty="0" smtClean="0"/>
+                      <a:endParaRPr lang="en-US" altLang="ko-KR" sz="1200" dirty="0"/>
                     </a:p>
                   </a:txBody>
                   <a:tcPr/>
                 </a:tc>
+                <a:extLst>
+                  <a:ext uri="{0D108BD9-81ED-4DB2-BD59-A6C34878D82A}">
+                    <a16:rowId xmlns:a16="http://schemas.microsoft.com/office/drawing/2014/main" val="10002"/>
+                  </a:ext>
+                </a:extLst>
               </a:tr>
               <a:tr h="294620">
                 <a:tc>
@@ -16376,7 +16400,7 @@
                     <a:p>
                       <a:pPr latinLnBrk="1"/>
                       <a:r>
-                        <a:rPr lang="en-US" altLang="ko-KR" dirty="0" smtClean="0"/>
+                        <a:rPr lang="en-US" altLang="ko-KR" dirty="0"/>
                         <a:t>3/28</a:t>
                       </a:r>
                       <a:endParaRPr lang="ko-KR" altLang="en-US" dirty="0"/>
@@ -16391,7 +16415,7 @@
                     <a:p>
                       <a:pPr latinLnBrk="1"/>
                       <a:r>
-                        <a:rPr lang="en-US" altLang="ko-KR" dirty="0" smtClean="0"/>
+                        <a:rPr lang="en-US" altLang="ko-KR" dirty="0"/>
                         <a:t>3/29</a:t>
                       </a:r>
                       <a:endParaRPr lang="ko-KR" altLang="en-US" dirty="0"/>
@@ -16406,7 +16430,7 @@
                     <a:p>
                       <a:pPr latinLnBrk="1"/>
                       <a:r>
-                        <a:rPr lang="en-US" altLang="ko-KR" dirty="0" smtClean="0"/>
+                        <a:rPr lang="en-US" altLang="ko-KR" dirty="0"/>
                         <a:t>3/30</a:t>
                       </a:r>
                       <a:endParaRPr lang="ko-KR" altLang="en-US" dirty="0"/>
@@ -16421,7 +16445,7 @@
                     <a:p>
                       <a:pPr latinLnBrk="1"/>
                       <a:r>
-                        <a:rPr lang="en-US" altLang="ko-KR" dirty="0" smtClean="0"/>
+                        <a:rPr lang="en-US" altLang="ko-KR" dirty="0"/>
                         <a:t>3/31</a:t>
                       </a:r>
                       <a:endParaRPr lang="ko-KR" altLang="en-US" dirty="0"/>
@@ -16436,7 +16460,7 @@
                     <a:p>
                       <a:pPr latinLnBrk="1"/>
                       <a:r>
-                        <a:rPr lang="en-US" altLang="ko-KR" dirty="0" smtClean="0"/>
+                        <a:rPr lang="en-US" altLang="ko-KR" dirty="0"/>
                         <a:t>4/1</a:t>
                       </a:r>
                       <a:endParaRPr lang="ko-KR" altLang="en-US" dirty="0"/>
@@ -16451,7 +16475,7 @@
                     <a:p>
                       <a:pPr latinLnBrk="1"/>
                       <a:r>
-                        <a:rPr lang="en-US" altLang="ko-KR" dirty="0" smtClean="0"/>
+                        <a:rPr lang="en-US" altLang="ko-KR" dirty="0"/>
                         <a:t>4/2</a:t>
                       </a:r>
                       <a:endParaRPr lang="ko-KR" altLang="en-US" dirty="0"/>
@@ -16470,6 +16494,11 @@
                   </a:txBody>
                   <a:tcPr/>
                 </a:tc>
+                <a:extLst>
+                  <a:ext uri="{0D108BD9-81ED-4DB2-BD59-A6C34878D82A}">
+                    <a16:rowId xmlns:a16="http://schemas.microsoft.com/office/drawing/2014/main" val="10003"/>
+                  </a:ext>
+                </a:extLst>
               </a:tr>
               <a:tr h="2762720">
                 <a:tc>
@@ -16479,18 +16508,17 @@
                     <a:p>
                       <a:pPr latinLnBrk="1"/>
                       <a:r>
-                        <a:rPr lang="ko-KR" altLang="en-US" sz="1200" dirty="0" smtClean="0"/>
+                        <a:rPr lang="ko-KR" altLang="en-US" sz="1200" dirty="0"/>
                         <a:t>알고리즘</a:t>
                       </a:r>
-                      <a:endParaRPr lang="en-US" altLang="ko-KR" sz="1200" dirty="0" smtClean="0"/>
-                    </a:p>
-                    <a:p>
-                      <a:pPr latinLnBrk="1"/>
-                      <a:r>
-                        <a:rPr lang="ko-KR" altLang="en-US" sz="1200" dirty="0" smtClean="0"/>
+                      <a:endParaRPr lang="en-US" altLang="ko-KR" sz="1200" dirty="0"/>
+                    </a:p>
+                    <a:p>
+                      <a:pPr latinLnBrk="1"/>
+                      <a:r>
+                        <a:rPr lang="ko-KR" altLang="en-US" sz="1200" dirty="0"/>
                         <a:t>시나리오 개발</a:t>
                       </a:r>
-                      <a:endParaRPr lang="ko-KR" altLang="en-US" sz="1200" dirty="0"/>
                     </a:p>
                   </a:txBody>
                   <a:tcPr/>
@@ -16502,86 +16530,86 @@
                     <a:p>
                       <a:pPr latinLnBrk="1"/>
                       <a:r>
-                        <a:rPr lang="en-US" altLang="ko-KR" sz="1200" dirty="0" smtClean="0"/>
+                        <a:rPr lang="en-US" altLang="ko-KR" sz="1200" dirty="0"/>
                         <a:t>[python] </a:t>
                       </a:r>
                       <a:r>
-                        <a:rPr lang="en-US" altLang="ko-KR" sz="1200" dirty="0" err="1" smtClean="0"/>
+                        <a:rPr lang="en-US" altLang="ko-KR" sz="1200" dirty="0" err="1"/>
                         <a:t>url</a:t>
                       </a:r>
                       <a:r>
-                        <a:rPr lang="en-US" altLang="ko-KR" sz="1200" baseline="0" dirty="0" smtClean="0"/>
+                        <a:rPr lang="en-US" altLang="ko-KR" sz="1200" baseline="0" dirty="0"/>
                         <a:t> </a:t>
                       </a:r>
                       <a:r>
-                        <a:rPr lang="ko-KR" altLang="en-US" sz="1200" baseline="0" dirty="0" smtClean="0"/>
+                        <a:rPr lang="ko-KR" altLang="en-US" sz="1200" baseline="0" dirty="0"/>
                         <a:t>변경 자동화 하여 </a:t>
                       </a:r>
-                      <a:endParaRPr lang="en-US" altLang="ko-KR" sz="1200" baseline="0" dirty="0" smtClean="0"/>
-                    </a:p>
-                    <a:p>
-                      <a:pPr latinLnBrk="1"/>
-                      <a:r>
-                        <a:rPr lang="ko-KR" altLang="en-US" sz="1200" baseline="0" dirty="0" err="1" smtClean="0"/>
+                      <a:endParaRPr lang="en-US" altLang="ko-KR" sz="1200" baseline="0" dirty="0"/>
+                    </a:p>
+                    <a:p>
+                      <a:pPr latinLnBrk="1"/>
+                      <a:r>
+                        <a:rPr lang="ko-KR" altLang="en-US" sz="1200" baseline="0" dirty="0" err="1"/>
                         <a:t>크롤링</a:t>
                       </a:r>
-                      <a:endParaRPr lang="en-US" altLang="ko-KR" sz="1200" baseline="0" dirty="0" smtClean="0"/>
-                    </a:p>
-                    <a:p>
-                      <a:pPr latinLnBrk="1"/>
-                      <a:endParaRPr lang="en-US" altLang="ko-KR" sz="1200" baseline="0" dirty="0" smtClean="0"/>
-                    </a:p>
-                    <a:p>
-                      <a:pPr latinLnBrk="1"/>
-                      <a:r>
-                        <a:rPr lang="ko-KR" altLang="en-US" sz="1200" baseline="0" dirty="0" smtClean="0"/>
+                      <a:endParaRPr lang="en-US" altLang="ko-KR" sz="1200" baseline="0" dirty="0"/>
+                    </a:p>
+                    <a:p>
+                      <a:pPr latinLnBrk="1"/>
+                      <a:endParaRPr lang="en-US" altLang="ko-KR" sz="1200" baseline="0" dirty="0"/>
+                    </a:p>
+                    <a:p>
+                      <a:pPr latinLnBrk="1"/>
+                      <a:r>
+                        <a:rPr lang="ko-KR" altLang="en-US" sz="1200" baseline="0" dirty="0"/>
                         <a:t>가격평균</a:t>
                       </a:r>
                       <a:r>
-                        <a:rPr lang="en-US" altLang="ko-KR" sz="1200" baseline="0" dirty="0" smtClean="0"/>
+                        <a:rPr lang="en-US" altLang="ko-KR" sz="1200" baseline="0" dirty="0"/>
                         <a:t>_</a:t>
                       </a:r>
                       <a:r>
-                        <a:rPr lang="ko-KR" altLang="en-US" sz="1200" baseline="0" dirty="0" smtClean="0"/>
+                        <a:rPr lang="ko-KR" altLang="en-US" sz="1200" baseline="0" dirty="0"/>
                         <a:t>가격상승</a:t>
                       </a:r>
                       <a:r>
-                        <a:rPr lang="en-US" altLang="ko-KR" sz="1200" baseline="0" dirty="0" smtClean="0"/>
+                        <a:rPr lang="en-US" altLang="ko-KR" sz="1200" baseline="0" dirty="0"/>
                         <a:t>_14</a:t>
                       </a:r>
                       <a:r>
-                        <a:rPr lang="ko-KR" altLang="en-US" sz="1200" baseline="0" dirty="0" smtClean="0"/>
+                        <a:rPr lang="ko-KR" altLang="en-US" sz="1200" baseline="0" dirty="0"/>
                         <a:t>일중</a:t>
                       </a:r>
                       <a:r>
-                        <a:rPr lang="en-US" altLang="ko-KR" sz="1200" baseline="0" dirty="0" smtClean="0"/>
+                        <a:rPr lang="en-US" altLang="ko-KR" sz="1200" baseline="0" dirty="0"/>
                         <a:t>_8</a:t>
                       </a:r>
                       <a:r>
-                        <a:rPr lang="ko-KR" altLang="en-US" sz="1200" baseline="0" dirty="0" err="1" smtClean="0"/>
+                        <a:rPr lang="ko-KR" altLang="en-US" sz="1200" baseline="0" dirty="0" err="1"/>
                         <a:t>일이상</a:t>
                       </a:r>
                       <a:r>
-                        <a:rPr lang="en-US" altLang="ko-KR" sz="1200" baseline="0" dirty="0" smtClean="0"/>
+                        <a:rPr lang="en-US" altLang="ko-KR" sz="1200" baseline="0" dirty="0"/>
                         <a:t>_14</a:t>
                       </a:r>
                       <a:r>
-                        <a:rPr lang="ko-KR" altLang="en-US" sz="1200" baseline="0" dirty="0" smtClean="0"/>
+                        <a:rPr lang="ko-KR" altLang="en-US" sz="1200" baseline="0" dirty="0"/>
                         <a:t>일째</a:t>
                       </a:r>
                       <a:r>
-                        <a:rPr lang="en-US" altLang="ko-KR" sz="1200" baseline="0" dirty="0" smtClean="0"/>
+                        <a:rPr lang="en-US" altLang="ko-KR" sz="1200" baseline="0" dirty="0"/>
                         <a:t>_</a:t>
                       </a:r>
                       <a:r>
-                        <a:rPr lang="ko-KR" altLang="en-US" sz="1200" baseline="0" dirty="0" smtClean="0"/>
+                        <a:rPr lang="ko-KR" altLang="en-US" sz="1200" baseline="0" dirty="0"/>
                         <a:t>매도</a:t>
                       </a:r>
-                      <a:endParaRPr lang="en-US" altLang="ko-KR" sz="1200" baseline="0" dirty="0" smtClean="0"/>
-                    </a:p>
-                    <a:p>
-                      <a:pPr latinLnBrk="1"/>
-                      <a:endParaRPr lang="en-US" altLang="ko-KR" sz="1200" baseline="0" dirty="0" smtClean="0"/>
+                      <a:endParaRPr lang="en-US" altLang="ko-KR" sz="1200" baseline="0" dirty="0"/>
+                    </a:p>
+                    <a:p>
+                      <a:pPr latinLnBrk="1"/>
+                      <a:endParaRPr lang="en-US" altLang="ko-KR" sz="1200" baseline="0" dirty="0"/>
                     </a:p>
                     <a:p>
                       <a:pPr marL="0" marR="0" indent="0" algn="l" defTabSz="914400" rtl="0" eaLnBrk="1" fontAlgn="auto" latinLnBrk="1" hangingPunct="1">
@@ -16602,58 +16630,58 @@
                         <a:defRPr/>
                       </a:pPr>
                       <a:r>
-                        <a:rPr lang="ko-KR" altLang="en-US" sz="1200" baseline="0" dirty="0" smtClean="0"/>
+                        <a:rPr lang="ko-KR" altLang="en-US" sz="1200" baseline="0" dirty="0"/>
                         <a:t>가격평균</a:t>
                       </a:r>
                       <a:r>
-                        <a:rPr lang="en-US" altLang="ko-KR" sz="1200" baseline="0" dirty="0" smtClean="0"/>
+                        <a:rPr lang="en-US" altLang="ko-KR" sz="1200" baseline="0" dirty="0"/>
                         <a:t>_</a:t>
                       </a:r>
                       <a:r>
-                        <a:rPr lang="ko-KR" altLang="en-US" sz="1200" baseline="0" dirty="0" smtClean="0"/>
+                        <a:rPr lang="ko-KR" altLang="en-US" sz="1200" baseline="0" dirty="0"/>
                         <a:t>가격</a:t>
                       </a:r>
                       <a:r>
-                        <a:rPr lang="en-US" altLang="ko-KR" sz="1200" baseline="0" dirty="0" smtClean="0"/>
+                        <a:rPr lang="en-US" altLang="ko-KR" sz="1200" baseline="0" dirty="0"/>
                         <a:t>_</a:t>
                       </a:r>
                       <a:r>
-                        <a:rPr lang="ko-KR" altLang="en-US" sz="1200" baseline="0" dirty="0" smtClean="0"/>
+                        <a:rPr lang="ko-KR" altLang="en-US" sz="1200" baseline="0" dirty="0"/>
                         <a:t>거래량상승</a:t>
                       </a:r>
                       <a:r>
-                        <a:rPr lang="en-US" altLang="ko-KR" sz="1200" baseline="0" dirty="0" smtClean="0"/>
+                        <a:rPr lang="en-US" altLang="ko-KR" sz="1200" baseline="0" dirty="0"/>
                         <a:t>_14</a:t>
                       </a:r>
                       <a:r>
-                        <a:rPr lang="ko-KR" altLang="en-US" sz="1200" baseline="0" dirty="0" smtClean="0"/>
+                        <a:rPr lang="ko-KR" altLang="en-US" sz="1200" baseline="0" dirty="0"/>
                         <a:t>일중</a:t>
                       </a:r>
                       <a:r>
-                        <a:rPr lang="en-US" altLang="ko-KR" sz="1200" baseline="0" dirty="0" smtClean="0"/>
+                        <a:rPr lang="en-US" altLang="ko-KR" sz="1200" baseline="0" dirty="0"/>
                         <a:t>_8</a:t>
                       </a:r>
                       <a:r>
-                        <a:rPr lang="ko-KR" altLang="en-US" sz="1200" baseline="0" dirty="0" err="1" smtClean="0"/>
+                        <a:rPr lang="ko-KR" altLang="en-US" sz="1200" baseline="0" dirty="0" err="1"/>
                         <a:t>일이상</a:t>
                       </a:r>
                       <a:r>
-                        <a:rPr lang="en-US" altLang="ko-KR" sz="1200" baseline="0" dirty="0" smtClean="0"/>
+                        <a:rPr lang="en-US" altLang="ko-KR" sz="1200" baseline="0" dirty="0"/>
                         <a:t>_14</a:t>
                       </a:r>
                       <a:r>
-                        <a:rPr lang="ko-KR" altLang="en-US" sz="1200" baseline="0" dirty="0" smtClean="0"/>
+                        <a:rPr lang="ko-KR" altLang="en-US" sz="1200" baseline="0" dirty="0"/>
                         <a:t>일째</a:t>
                       </a:r>
                       <a:r>
-                        <a:rPr lang="en-US" altLang="ko-KR" sz="1200" baseline="0" dirty="0" smtClean="0"/>
+                        <a:rPr lang="en-US" altLang="ko-KR" sz="1200" baseline="0" dirty="0"/>
                         <a:t>_</a:t>
                       </a:r>
                       <a:r>
-                        <a:rPr lang="ko-KR" altLang="en-US" sz="1200" baseline="0" dirty="0" smtClean="0"/>
+                        <a:rPr lang="ko-KR" altLang="en-US" sz="1200" baseline="0" dirty="0"/>
                         <a:t>매도</a:t>
                       </a:r>
-                      <a:endParaRPr lang="en-US" altLang="ko-KR" sz="1200" baseline="0" dirty="0" smtClean="0"/>
+                      <a:endParaRPr lang="en-US" altLang="ko-KR" sz="1200" baseline="0" dirty="0"/>
                     </a:p>
                     <a:p>
                       <a:pPr marL="0" marR="0" indent="0" algn="l" defTabSz="914400" rtl="0" eaLnBrk="1" fontAlgn="auto" latinLnBrk="1" hangingPunct="1">
@@ -16673,7 +16701,7 @@
                         <a:tabLst/>
                         <a:defRPr/>
                       </a:pPr>
-                      <a:endParaRPr lang="en-US" altLang="ko-KR" sz="1200" baseline="0" dirty="0" smtClean="0"/>
+                      <a:endParaRPr lang="en-US" altLang="ko-KR" sz="1200" baseline="0" dirty="0"/>
                     </a:p>
                     <a:p>
                       <a:pPr marL="0" marR="0" indent="0" algn="l" defTabSz="914400" rtl="0" eaLnBrk="1" fontAlgn="auto" latinLnBrk="1" hangingPunct="1">
@@ -16694,15 +16722,15 @@
                         <a:defRPr/>
                       </a:pPr>
                       <a:r>
-                        <a:rPr lang="ko-KR" altLang="en-US" sz="1200" baseline="0" dirty="0" smtClean="0"/>
+                        <a:rPr lang="ko-KR" altLang="en-US" sz="1200" baseline="0" dirty="0"/>
                         <a:t>평균시간</a:t>
                       </a:r>
                       <a:r>
-                        <a:rPr lang="en-US" altLang="ko-KR" sz="1200" baseline="0" dirty="0" smtClean="0"/>
+                        <a:rPr lang="en-US" altLang="ko-KR" sz="1200" baseline="0" dirty="0"/>
                         <a:t>_</a:t>
                       </a:r>
                       <a:r>
-                        <a:rPr lang="ko-KR" altLang="en-US" sz="1200" baseline="0" dirty="0" smtClean="0"/>
+                        <a:rPr lang="ko-KR" altLang="en-US" sz="1200" baseline="0" dirty="0"/>
                         <a:t>가격매도</a:t>
                       </a:r>
                       <a:endParaRPr lang="ko-KR" altLang="en-US" sz="1200" dirty="0"/>
@@ -16717,82 +16745,81 @@
                     <a:p>
                       <a:pPr latinLnBrk="1"/>
                       <a:r>
-                        <a:rPr lang="ko-KR" altLang="en-US" sz="1200" dirty="0" smtClean="0"/>
+                        <a:rPr lang="ko-KR" altLang="en-US" sz="1200" dirty="0"/>
                         <a:t>가격평균</a:t>
                       </a:r>
                       <a:r>
-                        <a:rPr lang="en-US" altLang="ko-KR" sz="1200" dirty="0" smtClean="0"/>
+                        <a:rPr lang="en-US" altLang="ko-KR" sz="1200" dirty="0"/>
                         <a:t>_low</a:t>
                       </a:r>
                       <a:r>
-                        <a:rPr lang="ko-KR" altLang="en-US" sz="1200" dirty="0" smtClean="0"/>
+                        <a:rPr lang="ko-KR" altLang="en-US" sz="1200" dirty="0"/>
                         <a:t>매수</a:t>
                       </a:r>
-                      <a:endParaRPr lang="en-US" altLang="ko-KR" sz="1200" dirty="0" smtClean="0"/>
-                    </a:p>
-                    <a:p>
-                      <a:pPr latinLnBrk="1"/>
-                      <a:endParaRPr lang="en-US" altLang="ko-KR" sz="1200" dirty="0" smtClean="0"/>
-                    </a:p>
-                    <a:p>
-                      <a:pPr latinLnBrk="1"/>
-                      <a:r>
-                        <a:rPr lang="ko-KR" altLang="en-US" sz="1200" dirty="0" smtClean="0"/>
+                      <a:endParaRPr lang="en-US" altLang="ko-KR" sz="1200" dirty="0"/>
+                    </a:p>
+                    <a:p>
+                      <a:pPr latinLnBrk="1"/>
+                      <a:endParaRPr lang="en-US" altLang="ko-KR" sz="1200" dirty="0"/>
+                    </a:p>
+                    <a:p>
+                      <a:pPr latinLnBrk="1"/>
+                      <a:r>
+                        <a:rPr lang="ko-KR" altLang="en-US" sz="1200" dirty="0"/>
                         <a:t>가격평균</a:t>
                       </a:r>
                       <a:r>
-                        <a:rPr lang="en-US" altLang="ko-KR" sz="1200" dirty="0" smtClean="0"/>
+                        <a:rPr lang="en-US" altLang="ko-KR" sz="1200" dirty="0"/>
                         <a:t>_3</a:t>
                       </a:r>
                       <a:r>
-                        <a:rPr lang="ko-KR" altLang="en-US" sz="1200" dirty="0" smtClean="0"/>
+                        <a:rPr lang="ko-KR" altLang="en-US" sz="1200" dirty="0"/>
                         <a:t>일</a:t>
                       </a:r>
                       <a:r>
-                        <a:rPr lang="en-US" altLang="ko-KR" sz="1200" dirty="0" smtClean="0"/>
+                        <a:rPr lang="en-US" altLang="ko-KR" sz="1200" dirty="0"/>
                         <a:t>_</a:t>
                       </a:r>
                       <a:r>
-                        <a:rPr lang="ko-KR" altLang="en-US" sz="1200" dirty="0" smtClean="0"/>
+                        <a:rPr lang="ko-KR" altLang="en-US" sz="1200" dirty="0"/>
                         <a:t>연속하락</a:t>
                       </a:r>
                       <a:r>
-                        <a:rPr lang="en-US" altLang="ko-KR" sz="1200" dirty="0" smtClean="0"/>
+                        <a:rPr lang="en-US" altLang="ko-KR" sz="1200" dirty="0"/>
                         <a:t>_close</a:t>
                       </a:r>
                       <a:r>
-                        <a:rPr lang="ko-KR" altLang="en-US" sz="1200" dirty="0" smtClean="0"/>
+                        <a:rPr lang="ko-KR" altLang="en-US" sz="1200" dirty="0"/>
                         <a:t>매수</a:t>
                       </a:r>
-                      <a:endParaRPr lang="en-US" altLang="ko-KR" sz="1200" dirty="0" smtClean="0"/>
-                    </a:p>
-                    <a:p>
-                      <a:pPr latinLnBrk="1"/>
-                      <a:endParaRPr lang="en-US" altLang="ko-KR" sz="1200" dirty="0" smtClean="0"/>
-                    </a:p>
-                    <a:p>
-                      <a:pPr latinLnBrk="1"/>
-                      <a:r>
-                        <a:rPr lang="en-US" altLang="ko-KR" sz="1200" dirty="0" err="1" smtClean="0"/>
+                      <a:endParaRPr lang="en-US" altLang="ko-KR" sz="1200" dirty="0"/>
+                    </a:p>
+                    <a:p>
+                      <a:pPr latinLnBrk="1"/>
+                      <a:endParaRPr lang="en-US" altLang="ko-KR" sz="1200" dirty="0"/>
+                    </a:p>
+                    <a:p>
+                      <a:pPr latinLnBrk="1"/>
+                      <a:r>
+                        <a:rPr lang="en-US" altLang="ko-KR" sz="1200" dirty="0" err="1"/>
                         <a:t>Opne_high_low_close</a:t>
                       </a:r>
                       <a:r>
-                        <a:rPr lang="en-US" altLang="ko-KR" sz="1200" dirty="0" smtClean="0"/>
+                        <a:rPr lang="en-US" altLang="ko-KR" sz="1200" dirty="0"/>
                         <a:t>_</a:t>
                       </a:r>
                       <a:r>
-                        <a:rPr lang="ko-KR" altLang="en-US" sz="1200" dirty="0" err="1" smtClean="0"/>
+                        <a:rPr lang="ko-KR" altLang="en-US" sz="1200" dirty="0" err="1"/>
                         <a:t>하루변동률</a:t>
                       </a:r>
                       <a:r>
-                        <a:rPr lang="en-US" altLang="ko-KR" sz="1200" dirty="0" smtClean="0"/>
+                        <a:rPr lang="en-US" altLang="ko-KR" sz="1200" dirty="0"/>
                         <a:t>_</a:t>
                       </a:r>
                       <a:r>
-                        <a:rPr lang="ko-KR" altLang="en-US" sz="1200" dirty="0" smtClean="0"/>
+                        <a:rPr lang="ko-KR" altLang="en-US" sz="1200" dirty="0"/>
                         <a:t>평균</a:t>
                       </a:r>
-                      <a:endParaRPr lang="ko-KR" altLang="en-US" sz="1200" dirty="0"/>
                     </a:p>
                   </a:txBody>
                   <a:tcPr/>
@@ -16804,70 +16831,70 @@
                     <a:p>
                       <a:pPr latinLnBrk="1"/>
                       <a:r>
-                        <a:rPr lang="ko-KR" altLang="en-US" sz="1200" dirty="0" smtClean="0"/>
+                        <a:rPr lang="ko-KR" altLang="en-US" sz="1200" dirty="0"/>
                         <a:t>변동률평균</a:t>
                       </a:r>
                       <a:r>
-                        <a:rPr lang="en-US" altLang="ko-KR" sz="1200" dirty="0" smtClean="0"/>
+                        <a:rPr lang="en-US" altLang="ko-KR" sz="1200" dirty="0"/>
                         <a:t>_</a:t>
                       </a:r>
                     </a:p>
                     <a:p>
                       <a:pPr latinLnBrk="1"/>
                       <a:r>
-                        <a:rPr lang="ko-KR" altLang="en-US" sz="1200" dirty="0" smtClean="0"/>
+                        <a:rPr lang="ko-KR" altLang="en-US" sz="1200" dirty="0"/>
                         <a:t>특정일 기준</a:t>
                       </a:r>
-                      <a:endParaRPr lang="en-US" altLang="ko-KR" sz="1200" dirty="0" smtClean="0"/>
-                    </a:p>
-                    <a:p>
-                      <a:pPr latinLnBrk="1"/>
-                      <a:endParaRPr lang="en-US" altLang="ko-KR" sz="1200" dirty="0" smtClean="0"/>
-                    </a:p>
-                    <a:p>
-                      <a:pPr latinLnBrk="1"/>
-                      <a:r>
-                        <a:rPr lang="ko-KR" altLang="en-US" sz="1200" dirty="0" smtClean="0"/>
+                      <a:endParaRPr lang="en-US" altLang="ko-KR" sz="1200" dirty="0"/>
+                    </a:p>
+                    <a:p>
+                      <a:pPr latinLnBrk="1"/>
+                      <a:endParaRPr lang="en-US" altLang="ko-KR" sz="1200" dirty="0"/>
+                    </a:p>
+                    <a:p>
+                      <a:pPr latinLnBrk="1"/>
+                      <a:r>
+                        <a:rPr lang="ko-KR" altLang="en-US" sz="1200" dirty="0"/>
                         <a:t>가격평균</a:t>
                       </a:r>
                       <a:r>
-                        <a:rPr lang="en-US" altLang="ko-KR" sz="1200" dirty="0" smtClean="0"/>
+                        <a:rPr lang="en-US" altLang="ko-KR" sz="1200" dirty="0"/>
                         <a:t>_</a:t>
                       </a:r>
                       <a:r>
-                        <a:rPr lang="ko-KR" altLang="en-US" sz="1200" dirty="0" smtClean="0"/>
+                        <a:rPr lang="ko-KR" altLang="en-US" sz="1200" dirty="0"/>
                         <a:t>연속하락</a:t>
                       </a:r>
                       <a:r>
-                        <a:rPr lang="en-US" altLang="ko-KR" sz="1200" dirty="0" smtClean="0"/>
+                        <a:rPr lang="en-US" altLang="ko-KR" sz="1200" dirty="0"/>
                         <a:t>_3</a:t>
                       </a:r>
                       <a:r>
-                        <a:rPr lang="ko-KR" altLang="en-US" sz="1200" dirty="0" smtClean="0"/>
+                        <a:rPr lang="ko-KR" altLang="en-US" sz="1200" dirty="0"/>
                         <a:t>일째</a:t>
                       </a:r>
                       <a:r>
-                        <a:rPr lang="en-US" altLang="ko-KR" sz="1200" dirty="0" smtClean="0"/>
+                        <a:rPr lang="en-US" altLang="ko-KR" sz="1200" dirty="0"/>
                         <a:t>_</a:t>
                       </a:r>
                       <a:r>
-                        <a:rPr lang="ko-KR" altLang="en-US" sz="1200" dirty="0" smtClean="0"/>
+                        <a:rPr lang="ko-KR" altLang="en-US" sz="1200" dirty="0"/>
                         <a:t>매수</a:t>
                       </a:r>
-                      <a:endParaRPr lang="en-US" altLang="ko-KR" sz="1200" dirty="0" smtClean="0"/>
-                    </a:p>
-                    <a:p>
-                      <a:pPr latinLnBrk="1"/>
-                      <a:endParaRPr lang="en-US" altLang="ko-KR" sz="1200" dirty="0" smtClean="0"/>
-                    </a:p>
-                    <a:p>
-                      <a:pPr latinLnBrk="1"/>
-                      <a:r>
-                        <a:rPr lang="ko-KR" altLang="en-US" sz="1200" dirty="0" smtClean="0"/>
+                      <a:endParaRPr lang="en-US" altLang="ko-KR" sz="1200" dirty="0"/>
+                    </a:p>
+                    <a:p>
+                      <a:pPr latinLnBrk="1"/>
+                      <a:endParaRPr lang="en-US" altLang="ko-KR" sz="1200" dirty="0"/>
+                    </a:p>
+                    <a:p>
+                      <a:pPr latinLnBrk="1"/>
+                      <a:r>
+                        <a:rPr lang="ko-KR" altLang="en-US" sz="1200" dirty="0"/>
                         <a:t>상관관계</a:t>
                       </a:r>
                       <a:r>
-                        <a:rPr lang="en-US" altLang="ko-KR" sz="1200" dirty="0" smtClean="0"/>
+                        <a:rPr lang="en-US" altLang="ko-KR" sz="1200" dirty="0"/>
                         <a:t>_NASDAQ</a:t>
                       </a:r>
                     </a:p>
@@ -16901,38 +16928,38 @@
                         <a:defRPr/>
                       </a:pPr>
                       <a:r>
-                        <a:rPr lang="ko-KR" altLang="en-US" sz="1200" dirty="0" smtClean="0"/>
+                        <a:rPr lang="ko-KR" altLang="en-US" sz="1200" dirty="0"/>
                         <a:t>상관관계</a:t>
                       </a:r>
                       <a:r>
-                        <a:rPr lang="en-US" altLang="ko-KR" sz="1200" dirty="0" smtClean="0"/>
+                        <a:rPr lang="en-US" altLang="ko-KR" sz="1200" dirty="0"/>
                         <a:t>_NASDAQ</a:t>
                       </a:r>
                     </a:p>
                     <a:p>
                       <a:pPr latinLnBrk="1"/>
-                      <a:endParaRPr lang="en-US" altLang="ko-KR" sz="1200" dirty="0" smtClean="0"/>
-                    </a:p>
-                    <a:p>
-                      <a:pPr latinLnBrk="1"/>
-                      <a:r>
-                        <a:rPr lang="en-US" altLang="ko-KR" sz="1200" dirty="0" smtClean="0"/>
+                      <a:endParaRPr lang="en-US" altLang="ko-KR" sz="1200" dirty="0"/>
+                    </a:p>
+                    <a:p>
+                      <a:pPr latinLnBrk="1"/>
+                      <a:r>
+                        <a:rPr lang="en-US" altLang="ko-KR" sz="1200" dirty="0"/>
                         <a:t>[python] </a:t>
                       </a:r>
                       <a:r>
-                        <a:rPr lang="ko-KR" altLang="en-US" sz="1200" dirty="0" smtClean="0"/>
+                        <a:rPr lang="ko-KR" altLang="en-US" sz="1200" dirty="0"/>
                         <a:t>종목</a:t>
                       </a:r>
                       <a:r>
-                        <a:rPr lang="ko-KR" altLang="en-US" sz="1200" baseline="0" dirty="0" smtClean="0"/>
+                        <a:rPr lang="ko-KR" altLang="en-US" sz="1200" baseline="0" dirty="0"/>
                         <a:t> </a:t>
                       </a:r>
-                      <a:endParaRPr lang="en-US" altLang="ko-KR" sz="1200" baseline="0" dirty="0" smtClean="0"/>
-                    </a:p>
-                    <a:p>
-                      <a:pPr latinLnBrk="1"/>
-                      <a:r>
-                        <a:rPr lang="ko-KR" altLang="en-US" sz="1200" baseline="0" dirty="0" smtClean="0"/>
+                      <a:endParaRPr lang="en-US" altLang="ko-KR" sz="1200" baseline="0" dirty="0"/>
+                    </a:p>
+                    <a:p>
+                      <a:pPr latinLnBrk="1"/>
+                      <a:r>
+                        <a:rPr lang="ko-KR" altLang="en-US" sz="1200" baseline="0" dirty="0"/>
                         <a:t>추가</a:t>
                       </a:r>
                       <a:endParaRPr lang="ko-KR" altLang="en-US" sz="1200" dirty="0"/>
@@ -16947,30 +16974,29 @@
                     <a:p>
                       <a:pPr latinLnBrk="1"/>
                       <a:r>
-                        <a:rPr lang="en-US" altLang="ko-KR" sz="1200" dirty="0" err="1" smtClean="0"/>
+                        <a:rPr lang="en-US" altLang="ko-KR" sz="1200" dirty="0" err="1"/>
                         <a:t>Ppt</a:t>
                       </a:r>
                       <a:r>
-                        <a:rPr lang="en-US" altLang="ko-KR" sz="1200" dirty="0" smtClean="0"/>
+                        <a:rPr lang="en-US" altLang="ko-KR" sz="1200" dirty="0"/>
                         <a:t> </a:t>
                       </a:r>
                       <a:r>
-                        <a:rPr lang="ko-KR" altLang="en-US" sz="1200" dirty="0" smtClean="0"/>
+                        <a:rPr lang="ko-KR" altLang="en-US" sz="1200" dirty="0"/>
                         <a:t>작성</a:t>
                       </a:r>
-                      <a:endParaRPr lang="en-US" altLang="ko-KR" sz="1200" dirty="0" smtClean="0"/>
-                    </a:p>
-                    <a:p>
-                      <a:pPr latinLnBrk="1"/>
-                      <a:endParaRPr lang="en-US" altLang="ko-KR" sz="1200" dirty="0" smtClean="0"/>
-                    </a:p>
-                    <a:p>
-                      <a:pPr latinLnBrk="1"/>
-                      <a:r>
-                        <a:rPr lang="ko-KR" altLang="en-US" sz="1200" dirty="0" smtClean="0"/>
+                      <a:endParaRPr lang="en-US" altLang="ko-KR" sz="1200" dirty="0"/>
+                    </a:p>
+                    <a:p>
+                      <a:pPr latinLnBrk="1"/>
+                      <a:endParaRPr lang="en-US" altLang="ko-KR" sz="1200" dirty="0"/>
+                    </a:p>
+                    <a:p>
+                      <a:pPr latinLnBrk="1"/>
+                      <a:r>
+                        <a:rPr lang="ko-KR" altLang="en-US" sz="1200" dirty="0"/>
                         <a:t>문서 작성</a:t>
                       </a:r>
-                      <a:endParaRPr lang="ko-KR" altLang="en-US" sz="1200" dirty="0"/>
                     </a:p>
                   </a:txBody>
                   <a:tcPr/>
@@ -16986,6 +17012,11 @@
                   </a:txBody>
                   <a:tcPr/>
                 </a:tc>
+                <a:extLst>
+                  <a:ext uri="{0D108BD9-81ED-4DB2-BD59-A6C34878D82A}">
+                    <a16:rowId xmlns:a16="http://schemas.microsoft.com/office/drawing/2014/main" val="10004"/>
+                  </a:ext>
+                </a:extLst>
               </a:tr>
             </a:tbl>
           </a:graphicData>
@@ -17001,13 +17032,6 @@
   <p:clrMapOvr>
     <a:masterClrMapping/>
   </p:clrMapOvr>
-  <p:timing>
-    <p:tnLst>
-      <p:par>
-        <p:cTn id="1" dur="indefinite" restart="never" nodeType="tmRoot"/>
-      </p:par>
-    </p:tnLst>
-  </p:timing>
 </p:sld>
 </file>
 
@@ -17344,7 +17368,7 @@
           <a:lstStyle/>
           <a:p>
             <a:r>
-              <a:rPr lang="en-US" altLang="ko-KR" sz="3200" dirty="0" smtClean="0">
+              <a:rPr lang="en-US" altLang="ko-KR" sz="3200" dirty="0">
                 <a:latin typeface="Open Sans Semibold" panose="020B0706030804020204" pitchFamily="34" charset="0"/>
                 <a:ea typeface="Open Sans Semibold" panose="020B0706030804020204" pitchFamily="34" charset="0"/>
                 <a:cs typeface="Open Sans Semibold" panose="020B0706030804020204" pitchFamily="34" charset="0"/>
@@ -17352,7 +17376,7 @@
               <a:t>DB </a:t>
             </a:r>
             <a:r>
-              <a:rPr lang="ko-KR" altLang="en-US" sz="3200" dirty="0" smtClean="0">
+              <a:rPr lang="ko-KR" altLang="en-US" sz="3200" dirty="0">
                 <a:latin typeface="나눔고딕" panose="020D0604000000000000" pitchFamily="50" charset="-127"/>
                 <a:ea typeface="나눔고딕" panose="020D0604000000000000" pitchFamily="50" charset="-127"/>
                 <a:cs typeface="Open Sans Semibold" panose="020B0706030804020204" pitchFamily="34" charset="0"/>
@@ -17376,7 +17400,7 @@
         <p:spPr>
           <a:xfrm>
             <a:off x="467123" y="305634"/>
-            <a:ext cx="364202" cy="461665"/>
+            <a:ext cx="351378" cy="461665"/>
           </a:xfrm>
           <a:prstGeom prst="rect">
             <a:avLst/>
@@ -17452,13 +17476,6 @@
   <p:clrMapOvr>
     <a:masterClrMapping/>
   </p:clrMapOvr>
-  <p:timing>
-    <p:tnLst>
-      <p:par>
-        <p:cTn id="1" dur="indefinite" restart="never" nodeType="tmRoot"/>
-      </p:par>
-    </p:tnLst>
-  </p:timing>
 </p:sld>
 </file>
 
@@ -17717,7 +17734,7 @@
   <a:extraClrSchemeLst/>
   <a:extLst>
     <a:ext uri="{05A4C25C-085E-4340-85A3-A5531E510DB2}">
-      <thm15:themeFamily xmlns="" xmlns:thm15="http://schemas.microsoft.com/office/thememl/2012/main" name="Office Theme" id="{62F939B6-93AF-4DB8-9C6B-D6C7DFDC589F}" vid="{4A3C46E8-61CC-4603-A589-7422A47A8E4A}"/>
+      <thm15:themeFamily xmlns:thm15="http://schemas.microsoft.com/office/thememl/2012/main" name="Office Theme" id="{62F939B6-93AF-4DB8-9C6B-D6C7DFDC589F}" vid="{4A3C46E8-61CC-4603-A589-7422A47A8E4A}"/>
     </a:ext>
   </a:extLst>
 </a:theme>
